--- a/Fina lReport/KONCEPT.pptx
+++ b/Fina lReport/KONCEPT.pptx
@@ -10,6 +10,8 @@
     <p:sldId id="258" r:id="rId4"/>
     <p:sldId id="260" r:id="rId5"/>
     <p:sldId id="261" r:id="rId6"/>
+    <p:sldId id="262" r:id="rId7"/>
+    <p:sldId id="263" r:id="rId8"/>
   </p:sldIdLst>
   <p:sldSz cx="12192000" cy="6858000"/>
   <p:notesSz cx="6858000" cy="9144000"/>
@@ -265,7 +267,7 @@
           <a:p>
             <a:fld id="{B7B799E4-3BDB-426B-9E63-C0D49DE6DC7B}" type="datetimeFigureOut">
               <a:rPr lang="zh-CN" altLang="en-US" smtClean="0"/>
-              <a:t>2023/1/28</a:t>
+              <a:t>2023/1/30</a:t>
             </a:fld>
             <a:endParaRPr lang="zh-CN" altLang="en-US"/>
           </a:p>
@@ -465,7 +467,7 @@
           <a:p>
             <a:fld id="{B7B799E4-3BDB-426B-9E63-C0D49DE6DC7B}" type="datetimeFigureOut">
               <a:rPr lang="zh-CN" altLang="en-US" smtClean="0"/>
-              <a:t>2023/1/28</a:t>
+              <a:t>2023/1/30</a:t>
             </a:fld>
             <a:endParaRPr lang="zh-CN" altLang="en-US"/>
           </a:p>
@@ -675,7 +677,7 @@
           <a:p>
             <a:fld id="{B7B799E4-3BDB-426B-9E63-C0D49DE6DC7B}" type="datetimeFigureOut">
               <a:rPr lang="zh-CN" altLang="en-US" smtClean="0"/>
-              <a:t>2023/1/28</a:t>
+              <a:t>2023/1/30</a:t>
             </a:fld>
             <a:endParaRPr lang="zh-CN" altLang="en-US"/>
           </a:p>
@@ -875,7 +877,7 @@
           <a:p>
             <a:fld id="{B7B799E4-3BDB-426B-9E63-C0D49DE6DC7B}" type="datetimeFigureOut">
               <a:rPr lang="zh-CN" altLang="en-US" smtClean="0"/>
-              <a:t>2023/1/28</a:t>
+              <a:t>2023/1/30</a:t>
             </a:fld>
             <a:endParaRPr lang="zh-CN" altLang="en-US"/>
           </a:p>
@@ -1151,7 +1153,7 @@
           <a:p>
             <a:fld id="{B7B799E4-3BDB-426B-9E63-C0D49DE6DC7B}" type="datetimeFigureOut">
               <a:rPr lang="zh-CN" altLang="en-US" smtClean="0"/>
-              <a:t>2023/1/28</a:t>
+              <a:t>2023/1/30</a:t>
             </a:fld>
             <a:endParaRPr lang="zh-CN" altLang="en-US"/>
           </a:p>
@@ -1419,7 +1421,7 @@
           <a:p>
             <a:fld id="{B7B799E4-3BDB-426B-9E63-C0D49DE6DC7B}" type="datetimeFigureOut">
               <a:rPr lang="zh-CN" altLang="en-US" smtClean="0"/>
-              <a:t>2023/1/28</a:t>
+              <a:t>2023/1/30</a:t>
             </a:fld>
             <a:endParaRPr lang="zh-CN" altLang="en-US"/>
           </a:p>
@@ -1834,7 +1836,7 @@
           <a:p>
             <a:fld id="{B7B799E4-3BDB-426B-9E63-C0D49DE6DC7B}" type="datetimeFigureOut">
               <a:rPr lang="zh-CN" altLang="en-US" smtClean="0"/>
-              <a:t>2023/1/28</a:t>
+              <a:t>2023/1/30</a:t>
             </a:fld>
             <a:endParaRPr lang="zh-CN" altLang="en-US"/>
           </a:p>
@@ -1976,7 +1978,7 @@
           <a:p>
             <a:fld id="{B7B799E4-3BDB-426B-9E63-C0D49DE6DC7B}" type="datetimeFigureOut">
               <a:rPr lang="zh-CN" altLang="en-US" smtClean="0"/>
-              <a:t>2023/1/28</a:t>
+              <a:t>2023/1/30</a:t>
             </a:fld>
             <a:endParaRPr lang="zh-CN" altLang="en-US"/>
           </a:p>
@@ -2089,7 +2091,7 @@
           <a:p>
             <a:fld id="{B7B799E4-3BDB-426B-9E63-C0D49DE6DC7B}" type="datetimeFigureOut">
               <a:rPr lang="zh-CN" altLang="en-US" smtClean="0"/>
-              <a:t>2023/1/28</a:t>
+              <a:t>2023/1/30</a:t>
             </a:fld>
             <a:endParaRPr lang="zh-CN" altLang="en-US"/>
           </a:p>
@@ -2402,7 +2404,7 @@
           <a:p>
             <a:fld id="{B7B799E4-3BDB-426B-9E63-C0D49DE6DC7B}" type="datetimeFigureOut">
               <a:rPr lang="zh-CN" altLang="en-US" smtClean="0"/>
-              <a:t>2023/1/28</a:t>
+              <a:t>2023/1/30</a:t>
             </a:fld>
             <a:endParaRPr lang="zh-CN" altLang="en-US"/>
           </a:p>
@@ -2691,7 +2693,7 @@
           <a:p>
             <a:fld id="{B7B799E4-3BDB-426B-9E63-C0D49DE6DC7B}" type="datetimeFigureOut">
               <a:rPr lang="zh-CN" altLang="en-US" smtClean="0"/>
-              <a:t>2023/1/28</a:t>
+              <a:t>2023/1/30</a:t>
             </a:fld>
             <a:endParaRPr lang="zh-CN" altLang="en-US"/>
           </a:p>
@@ -2934,7 +2936,7 @@
           <a:p>
             <a:fld id="{B7B799E4-3BDB-426B-9E63-C0D49DE6DC7B}" type="datetimeFigureOut">
               <a:rPr lang="zh-CN" altLang="en-US" smtClean="0"/>
-              <a:t>2023/1/28</a:t>
+              <a:t>2023/1/30</a:t>
             </a:fld>
             <a:endParaRPr lang="zh-CN" altLang="en-US"/>
           </a:p>
@@ -5130,1777 +5132,12 @@
           <a:chExt cx="0" cy="0"/>
         </a:xfrm>
       </p:grpSpPr>
-      <p:sp>
-        <p:nvSpPr>
-          <p:cNvPr id="3" name="Ellipse 2">
+      <p:grpSp>
+        <p:nvGrpSpPr>
+          <p:cNvPr id="2" name="Gruppieren 1">
             <a:extLst>
               <a:ext uri="{FF2B5EF4-FFF2-40B4-BE49-F238E27FC236}">
-                <a16:creationId xmlns:a16="http://schemas.microsoft.com/office/drawing/2014/main" id="{36926AAF-07C9-0CD9-9D4C-03400C136E56}"/>
-              </a:ext>
-            </a:extLst>
-          </p:cNvPr>
-          <p:cNvSpPr/>
-          <p:nvPr/>
-        </p:nvSpPr>
-        <p:spPr>
-          <a:xfrm>
-            <a:off x="4488061" y="1883792"/>
-            <a:ext cx="3215878" cy="3090415"/>
-          </a:xfrm>
-          <a:prstGeom prst="ellipse">
-            <a:avLst/>
-          </a:prstGeom>
-          <a:noFill/>
-          <a:ln w="38100"/>
-        </p:spPr>
-        <p:style>
-          <a:lnRef idx="2">
-            <a:schemeClr val="accent1">
-              <a:shade val="50000"/>
-            </a:schemeClr>
-          </a:lnRef>
-          <a:fillRef idx="1">
-            <a:schemeClr val="accent1"/>
-          </a:fillRef>
-          <a:effectRef idx="0">
-            <a:schemeClr val="accent1"/>
-          </a:effectRef>
-          <a:fontRef idx="minor">
-            <a:schemeClr val="lt1"/>
-          </a:fontRef>
-        </p:style>
-        <p:txBody>
-          <a:bodyPr rtlCol="0" anchor="ctr"/>
-          <a:lstStyle/>
-          <a:p>
-            <a:pPr algn="ctr"/>
-            <a:endParaRPr lang="zh-CN" altLang="en-US"/>
-          </a:p>
-        </p:txBody>
-      </p:sp>
-      <p:sp>
-        <p:nvSpPr>
-          <p:cNvPr id="4" name="Rechteck 3">
-            <a:extLst>
-              <a:ext uri="{FF2B5EF4-FFF2-40B4-BE49-F238E27FC236}">
-                <a16:creationId xmlns:a16="http://schemas.microsoft.com/office/drawing/2014/main" id="{66E0AFE0-25BA-C7AE-DDDF-CB5A8FBB44C9}"/>
-              </a:ext>
-            </a:extLst>
-          </p:cNvPr>
-          <p:cNvSpPr/>
-          <p:nvPr/>
-        </p:nvSpPr>
-        <p:spPr>
-          <a:xfrm>
-            <a:off x="3943350" y="2982515"/>
-            <a:ext cx="1235868" cy="892968"/>
-          </a:xfrm>
-          <a:prstGeom prst="rect">
-            <a:avLst/>
-          </a:prstGeom>
-          <a:solidFill>
-            <a:schemeClr val="bg1"/>
-          </a:solidFill>
-          <a:ln w="57150"/>
-        </p:spPr>
-        <p:style>
-          <a:lnRef idx="2">
-            <a:schemeClr val="accent1">
-              <a:shade val="50000"/>
-            </a:schemeClr>
-          </a:lnRef>
-          <a:fillRef idx="1">
-            <a:schemeClr val="accent1"/>
-          </a:fillRef>
-          <a:effectRef idx="0">
-            <a:schemeClr val="accent1"/>
-          </a:effectRef>
-          <a:fontRef idx="minor">
-            <a:schemeClr val="lt1"/>
-          </a:fontRef>
-        </p:style>
-        <p:txBody>
-          <a:bodyPr rtlCol="0" anchor="ctr"/>
-          <a:lstStyle/>
-          <a:p>
-            <a:pPr algn="ctr"/>
-            <a:r>
-              <a:rPr lang="en-US" altLang="zh-CN" sz="2400" b="1" dirty="0">
-                <a:solidFill>
-                  <a:schemeClr val="tx1"/>
-                </a:solidFill>
-              </a:rPr>
-              <a:t>Server</a:t>
-            </a:r>
-            <a:endParaRPr lang="zh-CN" altLang="en-US" sz="2400" b="1" dirty="0"/>
-          </a:p>
-        </p:txBody>
-      </p:sp>
-      <p:sp>
-        <p:nvSpPr>
-          <p:cNvPr id="8" name="Rechteck 7">
-            <a:extLst>
-              <a:ext uri="{FF2B5EF4-FFF2-40B4-BE49-F238E27FC236}">
-                <a16:creationId xmlns:a16="http://schemas.microsoft.com/office/drawing/2014/main" id="{78D4E099-7A3C-F860-175E-7358106C09B6}"/>
-              </a:ext>
-            </a:extLst>
-          </p:cNvPr>
-          <p:cNvSpPr/>
-          <p:nvPr/>
-        </p:nvSpPr>
-        <p:spPr>
-          <a:xfrm>
-            <a:off x="5478066" y="1437308"/>
-            <a:ext cx="1235868" cy="892968"/>
-          </a:xfrm>
-          <a:prstGeom prst="rect">
-            <a:avLst/>
-          </a:prstGeom>
-          <a:solidFill>
-            <a:schemeClr val="bg1"/>
-          </a:solidFill>
-          <a:ln w="57150"/>
-        </p:spPr>
-        <p:style>
-          <a:lnRef idx="2">
-            <a:schemeClr val="accent1">
-              <a:shade val="50000"/>
-            </a:schemeClr>
-          </a:lnRef>
-          <a:fillRef idx="1">
-            <a:schemeClr val="accent1"/>
-          </a:fillRef>
-          <a:effectRef idx="0">
-            <a:schemeClr val="accent1"/>
-          </a:effectRef>
-          <a:fontRef idx="minor">
-            <a:schemeClr val="lt1"/>
-          </a:fontRef>
-        </p:style>
-        <p:txBody>
-          <a:bodyPr rtlCol="0" anchor="ctr"/>
-          <a:lstStyle/>
-          <a:p>
-            <a:pPr algn="ctr"/>
-            <a:r>
-              <a:rPr lang="en-US" altLang="zh-CN" sz="2400" b="1" dirty="0">
-                <a:solidFill>
-                  <a:schemeClr val="tx1"/>
-                </a:solidFill>
-              </a:rPr>
-              <a:t>Server</a:t>
-            </a:r>
-            <a:endParaRPr lang="zh-CN" altLang="en-US" sz="2400" b="1" dirty="0"/>
-          </a:p>
-        </p:txBody>
-      </p:sp>
-      <p:sp>
-        <p:nvSpPr>
-          <p:cNvPr id="9" name="Rechteck 8">
-            <a:extLst>
-              <a:ext uri="{FF2B5EF4-FFF2-40B4-BE49-F238E27FC236}">
-                <a16:creationId xmlns:a16="http://schemas.microsoft.com/office/drawing/2014/main" id="{72C26214-C833-9E00-49DD-CD0C0031197C}"/>
-              </a:ext>
-            </a:extLst>
-          </p:cNvPr>
-          <p:cNvSpPr/>
-          <p:nvPr/>
-        </p:nvSpPr>
-        <p:spPr>
-          <a:xfrm>
-            <a:off x="5478066" y="4527723"/>
-            <a:ext cx="1235868" cy="892968"/>
-          </a:xfrm>
-          <a:prstGeom prst="rect">
-            <a:avLst/>
-          </a:prstGeom>
-          <a:solidFill>
-            <a:schemeClr val="bg1"/>
-          </a:solidFill>
-          <a:ln w="57150"/>
-        </p:spPr>
-        <p:style>
-          <a:lnRef idx="2">
-            <a:schemeClr val="accent1">
-              <a:shade val="50000"/>
-            </a:schemeClr>
-          </a:lnRef>
-          <a:fillRef idx="1">
-            <a:schemeClr val="accent1"/>
-          </a:fillRef>
-          <a:effectRef idx="0">
-            <a:schemeClr val="accent1"/>
-          </a:effectRef>
-          <a:fontRef idx="minor">
-            <a:schemeClr val="lt1"/>
-          </a:fontRef>
-        </p:style>
-        <p:txBody>
-          <a:bodyPr rtlCol="0" anchor="ctr"/>
-          <a:lstStyle/>
-          <a:p>
-            <a:pPr algn="ctr"/>
-            <a:r>
-              <a:rPr lang="en-US" altLang="zh-CN" sz="2400" b="1" dirty="0">
-                <a:solidFill>
-                  <a:schemeClr val="tx1"/>
-                </a:solidFill>
-              </a:rPr>
-              <a:t>Server</a:t>
-            </a:r>
-            <a:endParaRPr lang="zh-CN" altLang="en-US" sz="2400" b="1" dirty="0"/>
-          </a:p>
-        </p:txBody>
-      </p:sp>
-      <p:sp>
-        <p:nvSpPr>
-          <p:cNvPr id="10" name="Rechteck 9">
-            <a:extLst>
-              <a:ext uri="{FF2B5EF4-FFF2-40B4-BE49-F238E27FC236}">
-                <a16:creationId xmlns:a16="http://schemas.microsoft.com/office/drawing/2014/main" id="{D83D0F0B-5D3D-BA5D-15E2-9BFD672B3D9D}"/>
-              </a:ext>
-            </a:extLst>
-          </p:cNvPr>
-          <p:cNvSpPr/>
-          <p:nvPr/>
-        </p:nvSpPr>
-        <p:spPr>
-          <a:xfrm>
-            <a:off x="7086005" y="2982515"/>
-            <a:ext cx="1235868" cy="892968"/>
-          </a:xfrm>
-          <a:prstGeom prst="rect">
-            <a:avLst/>
-          </a:prstGeom>
-          <a:solidFill>
-            <a:schemeClr val="bg1"/>
-          </a:solidFill>
-          <a:ln w="57150"/>
-        </p:spPr>
-        <p:style>
-          <a:lnRef idx="2">
-            <a:schemeClr val="accent1">
-              <a:shade val="50000"/>
-            </a:schemeClr>
-          </a:lnRef>
-          <a:fillRef idx="1">
-            <a:schemeClr val="accent1"/>
-          </a:fillRef>
-          <a:effectRef idx="0">
-            <a:schemeClr val="accent1"/>
-          </a:effectRef>
-          <a:fontRef idx="minor">
-            <a:schemeClr val="lt1"/>
-          </a:fontRef>
-        </p:style>
-        <p:txBody>
-          <a:bodyPr rtlCol="0" anchor="ctr"/>
-          <a:lstStyle/>
-          <a:p>
-            <a:pPr algn="ctr"/>
-            <a:r>
-              <a:rPr lang="en-US" altLang="zh-CN" sz="2400" b="1" dirty="0">
-                <a:solidFill>
-                  <a:schemeClr val="tx1"/>
-                </a:solidFill>
-              </a:rPr>
-              <a:t>Server</a:t>
-            </a:r>
-            <a:endParaRPr lang="zh-CN" altLang="en-US" sz="2400" b="1" dirty="0"/>
-          </a:p>
-        </p:txBody>
-      </p:sp>
-      <p:sp>
-        <p:nvSpPr>
-          <p:cNvPr id="11" name="Geschweifte Klammer links 10">
-            <a:extLst>
-              <a:ext uri="{FF2B5EF4-FFF2-40B4-BE49-F238E27FC236}">
-                <a16:creationId xmlns:a16="http://schemas.microsoft.com/office/drawing/2014/main" id="{5AC91F23-0958-27FD-58A2-ED16CA29688A}"/>
-              </a:ext>
-            </a:extLst>
-          </p:cNvPr>
-          <p:cNvSpPr/>
-          <p:nvPr/>
-        </p:nvSpPr>
-        <p:spPr>
-          <a:xfrm rot="16200000">
-            <a:off x="5782271" y="160363"/>
-            <a:ext cx="607219" cy="2000250"/>
-          </a:xfrm>
-          <a:prstGeom prst="leftBrace">
-            <a:avLst/>
-          </a:prstGeom>
-          <a:ln w="38100">
-            <a:solidFill>
-              <a:schemeClr val="accent1">
-                <a:lumMod val="75000"/>
-              </a:schemeClr>
-            </a:solidFill>
-          </a:ln>
-        </p:spPr>
-        <p:style>
-          <a:lnRef idx="1">
-            <a:schemeClr val="accent1"/>
-          </a:lnRef>
-          <a:fillRef idx="0">
-            <a:schemeClr val="accent1"/>
-          </a:fillRef>
-          <a:effectRef idx="0">
-            <a:schemeClr val="accent1"/>
-          </a:effectRef>
-          <a:fontRef idx="minor">
-            <a:schemeClr val="tx1"/>
-          </a:fontRef>
-        </p:style>
-        <p:txBody>
-          <a:bodyPr rtlCol="0" anchor="ctr"/>
-          <a:lstStyle/>
-          <a:p>
-            <a:pPr algn="ctr"/>
-            <a:endParaRPr lang="zh-CN" altLang="en-US"/>
-          </a:p>
-        </p:txBody>
-      </p:sp>
-      <p:sp>
-        <p:nvSpPr>
-          <p:cNvPr id="12" name="Geschweifte Klammer links 11">
-            <a:extLst>
-              <a:ext uri="{FF2B5EF4-FFF2-40B4-BE49-F238E27FC236}">
-                <a16:creationId xmlns:a16="http://schemas.microsoft.com/office/drawing/2014/main" id="{4DC9FA7F-7EBF-2130-5E04-7B14432DC006}"/>
-              </a:ext>
-            </a:extLst>
-          </p:cNvPr>
-          <p:cNvSpPr/>
-          <p:nvPr/>
-        </p:nvSpPr>
-        <p:spPr>
-          <a:xfrm rot="10800000">
-            <a:off x="3336131" y="2428874"/>
-            <a:ext cx="607219" cy="2000250"/>
-          </a:xfrm>
-          <a:prstGeom prst="leftBrace">
-            <a:avLst/>
-          </a:prstGeom>
-          <a:ln w="38100">
-            <a:solidFill>
-              <a:schemeClr val="accent1">
-                <a:lumMod val="75000"/>
-              </a:schemeClr>
-            </a:solidFill>
-          </a:ln>
-        </p:spPr>
-        <p:style>
-          <a:lnRef idx="1">
-            <a:schemeClr val="accent1"/>
-          </a:lnRef>
-          <a:fillRef idx="0">
-            <a:schemeClr val="accent1"/>
-          </a:fillRef>
-          <a:effectRef idx="0">
-            <a:schemeClr val="accent1"/>
-          </a:effectRef>
-          <a:fontRef idx="minor">
-            <a:schemeClr val="tx1"/>
-          </a:fontRef>
-        </p:style>
-        <p:txBody>
-          <a:bodyPr rtlCol="0" anchor="ctr"/>
-          <a:lstStyle/>
-          <a:p>
-            <a:pPr algn="ctr"/>
-            <a:endParaRPr lang="zh-CN" altLang="en-US"/>
-          </a:p>
-        </p:txBody>
-      </p:sp>
-      <p:sp>
-        <p:nvSpPr>
-          <p:cNvPr id="13" name="Geschweifte Klammer links 12">
-            <a:extLst>
-              <a:ext uri="{FF2B5EF4-FFF2-40B4-BE49-F238E27FC236}">
-                <a16:creationId xmlns:a16="http://schemas.microsoft.com/office/drawing/2014/main" id="{633B582C-014D-873D-AE56-C2A7B8F6D643}"/>
-              </a:ext>
-            </a:extLst>
-          </p:cNvPr>
-          <p:cNvSpPr/>
-          <p:nvPr/>
-        </p:nvSpPr>
-        <p:spPr>
-          <a:xfrm>
-            <a:off x="8321873" y="2428874"/>
-            <a:ext cx="607219" cy="2000250"/>
-          </a:xfrm>
-          <a:prstGeom prst="leftBrace">
-            <a:avLst/>
-          </a:prstGeom>
-          <a:ln w="38100">
-            <a:solidFill>
-              <a:schemeClr val="accent1">
-                <a:lumMod val="75000"/>
-              </a:schemeClr>
-            </a:solidFill>
-          </a:ln>
-        </p:spPr>
-        <p:style>
-          <a:lnRef idx="1">
-            <a:schemeClr val="accent1"/>
-          </a:lnRef>
-          <a:fillRef idx="0">
-            <a:schemeClr val="accent1"/>
-          </a:fillRef>
-          <a:effectRef idx="0">
-            <a:schemeClr val="accent1"/>
-          </a:effectRef>
-          <a:fontRef idx="minor">
-            <a:schemeClr val="tx1"/>
-          </a:fontRef>
-        </p:style>
-        <p:txBody>
-          <a:bodyPr rtlCol="0" anchor="ctr"/>
-          <a:lstStyle/>
-          <a:p>
-            <a:pPr algn="ctr"/>
-            <a:endParaRPr lang="zh-CN" altLang="en-US"/>
-          </a:p>
-        </p:txBody>
-      </p:sp>
-      <p:sp>
-        <p:nvSpPr>
-          <p:cNvPr id="14" name="Geschweifte Klammer links 13">
-            <a:extLst>
-              <a:ext uri="{FF2B5EF4-FFF2-40B4-BE49-F238E27FC236}">
-                <a16:creationId xmlns:a16="http://schemas.microsoft.com/office/drawing/2014/main" id="{F27E2368-60CC-162C-FEA3-001A0F0F7B56}"/>
-              </a:ext>
-            </a:extLst>
-          </p:cNvPr>
-          <p:cNvSpPr/>
-          <p:nvPr/>
-        </p:nvSpPr>
-        <p:spPr>
-          <a:xfrm rot="5400000">
-            <a:off x="5782270" y="4724176"/>
-            <a:ext cx="607219" cy="2000250"/>
-          </a:xfrm>
-          <a:prstGeom prst="leftBrace">
-            <a:avLst/>
-          </a:prstGeom>
-          <a:ln w="38100">
-            <a:solidFill>
-              <a:schemeClr val="accent1">
-                <a:lumMod val="75000"/>
-              </a:schemeClr>
-            </a:solidFill>
-          </a:ln>
-        </p:spPr>
-        <p:style>
-          <a:lnRef idx="1">
-            <a:schemeClr val="accent1"/>
-          </a:lnRef>
-          <a:fillRef idx="0">
-            <a:schemeClr val="accent1"/>
-          </a:fillRef>
-          <a:effectRef idx="0">
-            <a:schemeClr val="accent1"/>
-          </a:effectRef>
-          <a:fontRef idx="minor">
-            <a:schemeClr val="tx1"/>
-          </a:fontRef>
-        </p:style>
-        <p:txBody>
-          <a:bodyPr rtlCol="0" anchor="ctr"/>
-          <a:lstStyle/>
-          <a:p>
-            <a:pPr algn="ctr"/>
-            <a:endParaRPr lang="zh-CN" altLang="en-US"/>
-          </a:p>
-        </p:txBody>
-      </p:sp>
-      <p:sp>
-        <p:nvSpPr>
-          <p:cNvPr id="15" name="Stern: 5 Zacken 14">
-            <a:extLst>
-              <a:ext uri="{FF2B5EF4-FFF2-40B4-BE49-F238E27FC236}">
-                <a16:creationId xmlns:a16="http://schemas.microsoft.com/office/drawing/2014/main" id="{0A2F9FC3-0EE6-4309-3669-1449865D2038}"/>
-              </a:ext>
-            </a:extLst>
-          </p:cNvPr>
-          <p:cNvSpPr/>
-          <p:nvPr/>
-        </p:nvSpPr>
-        <p:spPr>
-          <a:xfrm>
-            <a:off x="4791373" y="2717304"/>
-            <a:ext cx="588762" cy="530422"/>
-          </a:xfrm>
-          <a:prstGeom prst="star5">
-            <a:avLst>
-              <a:gd name="adj" fmla="val 30109"/>
-              <a:gd name="hf" fmla="val 105146"/>
-              <a:gd name="vf" fmla="val 110557"/>
-            </a:avLst>
-          </a:prstGeom>
-          <a:solidFill>
-            <a:schemeClr val="accent4">
-              <a:lumMod val="60000"/>
-              <a:lumOff val="40000"/>
-            </a:schemeClr>
-          </a:solidFill>
-          <a:ln w="28575">
-            <a:solidFill>
-              <a:schemeClr val="accent2">
-                <a:lumMod val="75000"/>
-              </a:schemeClr>
-            </a:solidFill>
-          </a:ln>
-        </p:spPr>
-        <p:style>
-          <a:lnRef idx="2">
-            <a:schemeClr val="accent1">
-              <a:shade val="50000"/>
-            </a:schemeClr>
-          </a:lnRef>
-          <a:fillRef idx="1">
-            <a:schemeClr val="accent1"/>
-          </a:fillRef>
-          <a:effectRef idx="0">
-            <a:schemeClr val="accent1"/>
-          </a:effectRef>
-          <a:fontRef idx="minor">
-            <a:schemeClr val="lt1"/>
-          </a:fontRef>
-        </p:style>
-        <p:txBody>
-          <a:bodyPr rtlCol="0" anchor="ctr"/>
-          <a:lstStyle/>
-          <a:p>
-            <a:pPr algn="ctr"/>
-            <a:endParaRPr lang="zh-CN" altLang="en-US"/>
-          </a:p>
-        </p:txBody>
-      </p:sp>
-      <p:sp>
-        <p:nvSpPr>
-          <p:cNvPr id="16" name="Rechteck 15">
-            <a:extLst>
-              <a:ext uri="{FF2B5EF4-FFF2-40B4-BE49-F238E27FC236}">
-                <a16:creationId xmlns:a16="http://schemas.microsoft.com/office/drawing/2014/main" id="{3BE8418B-FA52-3101-22F2-9DB9EB0EBDFA}"/>
-              </a:ext>
-            </a:extLst>
-          </p:cNvPr>
-          <p:cNvSpPr/>
-          <p:nvPr/>
-        </p:nvSpPr>
-        <p:spPr>
-          <a:xfrm>
-            <a:off x="2237480" y="2581274"/>
-            <a:ext cx="1235868" cy="490539"/>
-          </a:xfrm>
-          <a:prstGeom prst="rect">
-            <a:avLst/>
-          </a:prstGeom>
-          <a:noFill/>
-          <a:ln w="57150"/>
-        </p:spPr>
-        <p:style>
-          <a:lnRef idx="2">
-            <a:schemeClr val="accent1">
-              <a:shade val="50000"/>
-            </a:schemeClr>
-          </a:lnRef>
-          <a:fillRef idx="1">
-            <a:schemeClr val="accent1"/>
-          </a:fillRef>
-          <a:effectRef idx="0">
-            <a:schemeClr val="accent1"/>
-          </a:effectRef>
-          <a:fontRef idx="minor">
-            <a:schemeClr val="lt1"/>
-          </a:fontRef>
-        </p:style>
-        <p:txBody>
-          <a:bodyPr rtlCol="0" anchor="ctr"/>
-          <a:lstStyle/>
-          <a:p>
-            <a:pPr algn="ctr"/>
-            <a:r>
-              <a:rPr lang="en-US" altLang="zh-CN" sz="2000" b="1" dirty="0">
-                <a:solidFill>
-                  <a:schemeClr val="tx1"/>
-                </a:solidFill>
-              </a:rPr>
-              <a:t>Client</a:t>
-            </a:r>
-            <a:endParaRPr lang="zh-CN" altLang="en-US" sz="2000" b="1" dirty="0">
-              <a:solidFill>
-                <a:schemeClr val="tx1"/>
-              </a:solidFill>
-            </a:endParaRPr>
-          </a:p>
-        </p:txBody>
-      </p:sp>
-      <p:sp>
-        <p:nvSpPr>
-          <p:cNvPr id="20" name="Rechteck 19">
-            <a:extLst>
-              <a:ext uri="{FF2B5EF4-FFF2-40B4-BE49-F238E27FC236}">
-                <a16:creationId xmlns:a16="http://schemas.microsoft.com/office/drawing/2014/main" id="{C34791E4-F28B-BB9C-0EFB-F0EBBA9CDC64}"/>
-              </a:ext>
-            </a:extLst>
-          </p:cNvPr>
-          <p:cNvSpPr/>
-          <p:nvPr/>
-        </p:nvSpPr>
-        <p:spPr>
-          <a:xfrm>
-            <a:off x="2237480" y="3712368"/>
-            <a:ext cx="1235868" cy="490539"/>
-          </a:xfrm>
-          <a:prstGeom prst="rect">
-            <a:avLst/>
-          </a:prstGeom>
-          <a:noFill/>
-          <a:ln w="57150"/>
-        </p:spPr>
-        <p:style>
-          <a:lnRef idx="2">
-            <a:schemeClr val="accent1">
-              <a:shade val="50000"/>
-            </a:schemeClr>
-          </a:lnRef>
-          <a:fillRef idx="1">
-            <a:schemeClr val="accent1"/>
-          </a:fillRef>
-          <a:effectRef idx="0">
-            <a:schemeClr val="accent1"/>
-          </a:effectRef>
-          <a:fontRef idx="minor">
-            <a:schemeClr val="lt1"/>
-          </a:fontRef>
-        </p:style>
-        <p:txBody>
-          <a:bodyPr rtlCol="0" anchor="ctr"/>
-          <a:lstStyle/>
-          <a:p>
-            <a:pPr algn="ctr"/>
-            <a:r>
-              <a:rPr lang="en-US" altLang="zh-CN" sz="2000" b="1" dirty="0">
-                <a:solidFill>
-                  <a:schemeClr val="tx1"/>
-                </a:solidFill>
-              </a:rPr>
-              <a:t>Client</a:t>
-            </a:r>
-            <a:endParaRPr lang="zh-CN" altLang="en-US" sz="2000" b="1" dirty="0">
-              <a:solidFill>
-                <a:schemeClr val="tx1"/>
-              </a:solidFill>
-            </a:endParaRPr>
-          </a:p>
-        </p:txBody>
-      </p:sp>
-      <p:sp>
-        <p:nvSpPr>
-          <p:cNvPr id="22" name="Rechteck 21">
-            <a:extLst>
-              <a:ext uri="{FF2B5EF4-FFF2-40B4-BE49-F238E27FC236}">
-                <a16:creationId xmlns:a16="http://schemas.microsoft.com/office/drawing/2014/main" id="{E0E7299A-3611-4F66-21B9-F33287372507}"/>
-              </a:ext>
-            </a:extLst>
-          </p:cNvPr>
-          <p:cNvSpPr/>
-          <p:nvPr/>
-        </p:nvSpPr>
-        <p:spPr>
-          <a:xfrm>
-            <a:off x="2237480" y="3145632"/>
-            <a:ext cx="1235868" cy="490539"/>
-          </a:xfrm>
-          <a:prstGeom prst="rect">
-            <a:avLst/>
-          </a:prstGeom>
-          <a:noFill/>
-          <a:ln w="57150">
-            <a:noFill/>
-          </a:ln>
-        </p:spPr>
-        <p:style>
-          <a:lnRef idx="2">
-            <a:schemeClr val="accent1">
-              <a:shade val="50000"/>
-            </a:schemeClr>
-          </a:lnRef>
-          <a:fillRef idx="1">
-            <a:schemeClr val="accent1"/>
-          </a:fillRef>
-          <a:effectRef idx="0">
-            <a:schemeClr val="accent1"/>
-          </a:effectRef>
-          <a:fontRef idx="minor">
-            <a:schemeClr val="lt1"/>
-          </a:fontRef>
-        </p:style>
-        <p:txBody>
-          <a:bodyPr rtlCol="0" anchor="ctr"/>
-          <a:lstStyle/>
-          <a:p>
-            <a:pPr algn="ctr"/>
-            <a:r>
-              <a:rPr lang="en-US" altLang="zh-CN" sz="2000" b="1" dirty="0">
-                <a:solidFill>
-                  <a:schemeClr val="tx1"/>
-                </a:solidFill>
-              </a:rPr>
-              <a:t>…</a:t>
-            </a:r>
-            <a:endParaRPr lang="zh-CN" altLang="en-US" sz="2000" b="1" dirty="0">
-              <a:solidFill>
-                <a:schemeClr val="tx1"/>
-              </a:solidFill>
-            </a:endParaRPr>
-          </a:p>
-        </p:txBody>
-      </p:sp>
-      <p:sp>
-        <p:nvSpPr>
-          <p:cNvPr id="23" name="Rechteck 22">
-            <a:extLst>
-              <a:ext uri="{FF2B5EF4-FFF2-40B4-BE49-F238E27FC236}">
-                <a16:creationId xmlns:a16="http://schemas.microsoft.com/office/drawing/2014/main" id="{39F0EE96-5850-F1E2-4360-AFFEA4746D56}"/>
-              </a:ext>
-            </a:extLst>
-          </p:cNvPr>
-          <p:cNvSpPr/>
-          <p:nvPr/>
-        </p:nvSpPr>
-        <p:spPr>
-          <a:xfrm>
-            <a:off x="8840392" y="2655091"/>
-            <a:ext cx="1235868" cy="490539"/>
-          </a:xfrm>
-          <a:prstGeom prst="rect">
-            <a:avLst/>
-          </a:prstGeom>
-          <a:noFill/>
-          <a:ln w="57150"/>
-        </p:spPr>
-        <p:style>
-          <a:lnRef idx="2">
-            <a:schemeClr val="accent1">
-              <a:shade val="50000"/>
-            </a:schemeClr>
-          </a:lnRef>
-          <a:fillRef idx="1">
-            <a:schemeClr val="accent1"/>
-          </a:fillRef>
-          <a:effectRef idx="0">
-            <a:schemeClr val="accent1"/>
-          </a:effectRef>
-          <a:fontRef idx="minor">
-            <a:schemeClr val="lt1"/>
-          </a:fontRef>
-        </p:style>
-        <p:txBody>
-          <a:bodyPr rtlCol="0" anchor="ctr"/>
-          <a:lstStyle/>
-          <a:p>
-            <a:pPr algn="ctr"/>
-            <a:r>
-              <a:rPr lang="en-US" altLang="zh-CN" sz="2000" b="1" dirty="0">
-                <a:solidFill>
-                  <a:schemeClr val="tx1"/>
-                </a:solidFill>
-              </a:rPr>
-              <a:t>Client</a:t>
-            </a:r>
-            <a:endParaRPr lang="zh-CN" altLang="en-US" sz="2000" b="1" dirty="0">
-              <a:solidFill>
-                <a:schemeClr val="tx1"/>
-              </a:solidFill>
-            </a:endParaRPr>
-          </a:p>
-        </p:txBody>
-      </p:sp>
-      <p:sp>
-        <p:nvSpPr>
-          <p:cNvPr id="24" name="Rechteck 23">
-            <a:extLst>
-              <a:ext uri="{FF2B5EF4-FFF2-40B4-BE49-F238E27FC236}">
-                <a16:creationId xmlns:a16="http://schemas.microsoft.com/office/drawing/2014/main" id="{905093C8-CB56-9358-C980-A2CC00E22F60}"/>
-              </a:ext>
-            </a:extLst>
-          </p:cNvPr>
-          <p:cNvSpPr/>
-          <p:nvPr/>
-        </p:nvSpPr>
-        <p:spPr>
-          <a:xfrm>
-            <a:off x="8840392" y="3786185"/>
-            <a:ext cx="1235868" cy="490539"/>
-          </a:xfrm>
-          <a:prstGeom prst="rect">
-            <a:avLst/>
-          </a:prstGeom>
-          <a:noFill/>
-          <a:ln w="57150"/>
-        </p:spPr>
-        <p:style>
-          <a:lnRef idx="2">
-            <a:schemeClr val="accent1">
-              <a:shade val="50000"/>
-            </a:schemeClr>
-          </a:lnRef>
-          <a:fillRef idx="1">
-            <a:schemeClr val="accent1"/>
-          </a:fillRef>
-          <a:effectRef idx="0">
-            <a:schemeClr val="accent1"/>
-          </a:effectRef>
-          <a:fontRef idx="minor">
-            <a:schemeClr val="lt1"/>
-          </a:fontRef>
-        </p:style>
-        <p:txBody>
-          <a:bodyPr rtlCol="0" anchor="ctr"/>
-          <a:lstStyle/>
-          <a:p>
-            <a:pPr algn="ctr"/>
-            <a:r>
-              <a:rPr lang="en-US" altLang="zh-CN" sz="2000" b="1" dirty="0">
-                <a:solidFill>
-                  <a:schemeClr val="tx1"/>
-                </a:solidFill>
-              </a:rPr>
-              <a:t>Client</a:t>
-            </a:r>
-            <a:endParaRPr lang="zh-CN" altLang="en-US" sz="2000" b="1" dirty="0">
-              <a:solidFill>
-                <a:schemeClr val="tx1"/>
-              </a:solidFill>
-            </a:endParaRPr>
-          </a:p>
-        </p:txBody>
-      </p:sp>
-      <p:sp>
-        <p:nvSpPr>
-          <p:cNvPr id="25" name="Rechteck 24">
-            <a:extLst>
-              <a:ext uri="{FF2B5EF4-FFF2-40B4-BE49-F238E27FC236}">
-                <a16:creationId xmlns:a16="http://schemas.microsoft.com/office/drawing/2014/main" id="{6B5E8559-70E6-A06D-6E37-46528744BA94}"/>
-              </a:ext>
-            </a:extLst>
-          </p:cNvPr>
-          <p:cNvSpPr/>
-          <p:nvPr/>
-        </p:nvSpPr>
-        <p:spPr>
-          <a:xfrm>
-            <a:off x="8840392" y="3219449"/>
-            <a:ext cx="1235868" cy="490539"/>
-          </a:xfrm>
-          <a:prstGeom prst="rect">
-            <a:avLst/>
-          </a:prstGeom>
-          <a:noFill/>
-          <a:ln w="57150">
-            <a:noFill/>
-          </a:ln>
-        </p:spPr>
-        <p:style>
-          <a:lnRef idx="2">
-            <a:schemeClr val="accent1">
-              <a:shade val="50000"/>
-            </a:schemeClr>
-          </a:lnRef>
-          <a:fillRef idx="1">
-            <a:schemeClr val="accent1"/>
-          </a:fillRef>
-          <a:effectRef idx="0">
-            <a:schemeClr val="accent1"/>
-          </a:effectRef>
-          <a:fontRef idx="minor">
-            <a:schemeClr val="lt1"/>
-          </a:fontRef>
-        </p:style>
-        <p:txBody>
-          <a:bodyPr rtlCol="0" anchor="ctr"/>
-          <a:lstStyle/>
-          <a:p>
-            <a:pPr algn="ctr"/>
-            <a:r>
-              <a:rPr lang="en-US" altLang="zh-CN" sz="2000" b="1" dirty="0">
-                <a:solidFill>
-                  <a:schemeClr val="tx1"/>
-                </a:solidFill>
-              </a:rPr>
-              <a:t>…</a:t>
-            </a:r>
-            <a:endParaRPr lang="zh-CN" altLang="en-US" sz="2000" b="1" dirty="0">
-              <a:solidFill>
-                <a:schemeClr val="tx1"/>
-              </a:solidFill>
-            </a:endParaRPr>
-          </a:p>
-        </p:txBody>
-      </p:sp>
-      <p:sp>
-        <p:nvSpPr>
-          <p:cNvPr id="26" name="Rechteck 25">
-            <a:extLst>
-              <a:ext uri="{FF2B5EF4-FFF2-40B4-BE49-F238E27FC236}">
-                <a16:creationId xmlns:a16="http://schemas.microsoft.com/office/drawing/2014/main" id="{29E04525-1344-3B8A-EDB1-B794046702B1}"/>
-              </a:ext>
-            </a:extLst>
-          </p:cNvPr>
-          <p:cNvSpPr/>
-          <p:nvPr/>
-        </p:nvSpPr>
-        <p:spPr>
-          <a:xfrm>
-            <a:off x="4514850" y="6075314"/>
-            <a:ext cx="1235868" cy="490539"/>
-          </a:xfrm>
-          <a:prstGeom prst="rect">
-            <a:avLst/>
-          </a:prstGeom>
-          <a:noFill/>
-          <a:ln w="57150"/>
-        </p:spPr>
-        <p:style>
-          <a:lnRef idx="2">
-            <a:schemeClr val="accent1">
-              <a:shade val="50000"/>
-            </a:schemeClr>
-          </a:lnRef>
-          <a:fillRef idx="1">
-            <a:schemeClr val="accent1"/>
-          </a:fillRef>
-          <a:effectRef idx="0">
-            <a:schemeClr val="accent1"/>
-          </a:effectRef>
-          <a:fontRef idx="minor">
-            <a:schemeClr val="lt1"/>
-          </a:fontRef>
-        </p:style>
-        <p:txBody>
-          <a:bodyPr rtlCol="0" anchor="ctr"/>
-          <a:lstStyle/>
-          <a:p>
-            <a:pPr algn="ctr"/>
-            <a:r>
-              <a:rPr lang="en-US" altLang="zh-CN" sz="2000" b="1" dirty="0">
-                <a:solidFill>
-                  <a:schemeClr val="tx1"/>
-                </a:solidFill>
-              </a:rPr>
-              <a:t>Client</a:t>
-            </a:r>
-            <a:endParaRPr lang="zh-CN" altLang="en-US" sz="2000" b="1" dirty="0">
-              <a:solidFill>
-                <a:schemeClr val="tx1"/>
-              </a:solidFill>
-            </a:endParaRPr>
-          </a:p>
-        </p:txBody>
-      </p:sp>
-      <p:sp>
-        <p:nvSpPr>
-          <p:cNvPr id="27" name="Rechteck 26">
-            <a:extLst>
-              <a:ext uri="{FF2B5EF4-FFF2-40B4-BE49-F238E27FC236}">
-                <a16:creationId xmlns:a16="http://schemas.microsoft.com/office/drawing/2014/main" id="{DB3E222B-413C-49EC-B46D-3901F802482D}"/>
-              </a:ext>
-            </a:extLst>
-          </p:cNvPr>
-          <p:cNvSpPr/>
-          <p:nvPr/>
-        </p:nvSpPr>
-        <p:spPr>
-          <a:xfrm>
-            <a:off x="6337399" y="6072930"/>
-            <a:ext cx="1235868" cy="490539"/>
-          </a:xfrm>
-          <a:prstGeom prst="rect">
-            <a:avLst/>
-          </a:prstGeom>
-          <a:noFill/>
-          <a:ln w="57150"/>
-        </p:spPr>
-        <p:style>
-          <a:lnRef idx="2">
-            <a:schemeClr val="accent1">
-              <a:shade val="50000"/>
-            </a:schemeClr>
-          </a:lnRef>
-          <a:fillRef idx="1">
-            <a:schemeClr val="accent1"/>
-          </a:fillRef>
-          <a:effectRef idx="0">
-            <a:schemeClr val="accent1"/>
-          </a:effectRef>
-          <a:fontRef idx="minor">
-            <a:schemeClr val="lt1"/>
-          </a:fontRef>
-        </p:style>
-        <p:txBody>
-          <a:bodyPr rtlCol="0" anchor="ctr"/>
-          <a:lstStyle/>
-          <a:p>
-            <a:pPr algn="ctr"/>
-            <a:r>
-              <a:rPr lang="en-US" altLang="zh-CN" sz="2000" b="1" dirty="0">
-                <a:solidFill>
-                  <a:schemeClr val="tx1"/>
-                </a:solidFill>
-              </a:rPr>
-              <a:t>Client</a:t>
-            </a:r>
-            <a:endParaRPr lang="zh-CN" altLang="en-US" sz="2000" b="1" dirty="0">
-              <a:solidFill>
-                <a:schemeClr val="tx1"/>
-              </a:solidFill>
-            </a:endParaRPr>
-          </a:p>
-        </p:txBody>
-      </p:sp>
-      <p:sp>
-        <p:nvSpPr>
-          <p:cNvPr id="28" name="Rechteck 27">
-            <a:extLst>
-              <a:ext uri="{FF2B5EF4-FFF2-40B4-BE49-F238E27FC236}">
-                <a16:creationId xmlns:a16="http://schemas.microsoft.com/office/drawing/2014/main" id="{70AE5F4E-2968-ADB9-5028-799ECE716782}"/>
-              </a:ext>
-            </a:extLst>
-          </p:cNvPr>
-          <p:cNvSpPr/>
-          <p:nvPr/>
-        </p:nvSpPr>
-        <p:spPr>
-          <a:xfrm>
-            <a:off x="5768278" y="6091983"/>
-            <a:ext cx="642344" cy="490539"/>
-          </a:xfrm>
-          <a:prstGeom prst="rect">
-            <a:avLst/>
-          </a:prstGeom>
-          <a:noFill/>
-          <a:ln w="57150">
-            <a:noFill/>
-          </a:ln>
-        </p:spPr>
-        <p:style>
-          <a:lnRef idx="2">
-            <a:schemeClr val="accent1">
-              <a:shade val="50000"/>
-            </a:schemeClr>
-          </a:lnRef>
-          <a:fillRef idx="1">
-            <a:schemeClr val="accent1"/>
-          </a:fillRef>
-          <a:effectRef idx="0">
-            <a:schemeClr val="accent1"/>
-          </a:effectRef>
-          <a:fontRef idx="minor">
-            <a:schemeClr val="lt1"/>
-          </a:fontRef>
-        </p:style>
-        <p:txBody>
-          <a:bodyPr rtlCol="0" anchor="ctr"/>
-          <a:lstStyle/>
-          <a:p>
-            <a:pPr algn="ctr"/>
-            <a:r>
-              <a:rPr lang="en-US" altLang="zh-CN" sz="2000" b="1" dirty="0">
-                <a:solidFill>
-                  <a:schemeClr val="tx1"/>
-                </a:solidFill>
-              </a:rPr>
-              <a:t>…</a:t>
-            </a:r>
-            <a:endParaRPr lang="zh-CN" altLang="en-US" sz="2000" b="1" dirty="0">
-              <a:solidFill>
-                <a:schemeClr val="tx1"/>
-              </a:solidFill>
-            </a:endParaRPr>
-          </a:p>
-        </p:txBody>
-      </p:sp>
-      <p:sp>
-        <p:nvSpPr>
-          <p:cNvPr id="29" name="Rechteck 28">
-            <a:extLst>
-              <a:ext uri="{FF2B5EF4-FFF2-40B4-BE49-F238E27FC236}">
-                <a16:creationId xmlns:a16="http://schemas.microsoft.com/office/drawing/2014/main" id="{7E9AC9AB-3194-CB4B-6B60-6DE4C49B526F}"/>
-              </a:ext>
-            </a:extLst>
-          </p:cNvPr>
-          <p:cNvSpPr/>
-          <p:nvPr/>
-        </p:nvSpPr>
-        <p:spPr>
-          <a:xfrm>
-            <a:off x="4588073" y="285598"/>
-            <a:ext cx="1235868" cy="490539"/>
-          </a:xfrm>
-          <a:prstGeom prst="rect">
-            <a:avLst/>
-          </a:prstGeom>
-          <a:noFill/>
-          <a:ln w="57150"/>
-        </p:spPr>
-        <p:style>
-          <a:lnRef idx="2">
-            <a:schemeClr val="accent1">
-              <a:shade val="50000"/>
-            </a:schemeClr>
-          </a:lnRef>
-          <a:fillRef idx="1">
-            <a:schemeClr val="accent1"/>
-          </a:fillRef>
-          <a:effectRef idx="0">
-            <a:schemeClr val="accent1"/>
-          </a:effectRef>
-          <a:fontRef idx="minor">
-            <a:schemeClr val="lt1"/>
-          </a:fontRef>
-        </p:style>
-        <p:txBody>
-          <a:bodyPr rtlCol="0" anchor="ctr"/>
-          <a:lstStyle/>
-          <a:p>
-            <a:pPr algn="ctr"/>
-            <a:r>
-              <a:rPr lang="en-US" altLang="zh-CN" sz="2000" b="1" dirty="0">
-                <a:solidFill>
-                  <a:schemeClr val="tx1"/>
-                </a:solidFill>
-              </a:rPr>
-              <a:t>Client</a:t>
-            </a:r>
-            <a:endParaRPr lang="zh-CN" altLang="en-US" sz="2000" b="1" dirty="0">
-              <a:solidFill>
-                <a:schemeClr val="tx1"/>
-              </a:solidFill>
-            </a:endParaRPr>
-          </a:p>
-        </p:txBody>
-      </p:sp>
-      <p:sp>
-        <p:nvSpPr>
-          <p:cNvPr id="30" name="Rechteck 29">
-            <a:extLst>
-              <a:ext uri="{FF2B5EF4-FFF2-40B4-BE49-F238E27FC236}">
-                <a16:creationId xmlns:a16="http://schemas.microsoft.com/office/drawing/2014/main" id="{11475EAB-6584-4CCF-1F92-0739CDC34CEE}"/>
-              </a:ext>
-            </a:extLst>
-          </p:cNvPr>
-          <p:cNvSpPr/>
-          <p:nvPr/>
-        </p:nvSpPr>
-        <p:spPr>
-          <a:xfrm>
-            <a:off x="6410622" y="283214"/>
-            <a:ext cx="1235868" cy="490539"/>
-          </a:xfrm>
-          <a:prstGeom prst="rect">
-            <a:avLst/>
-          </a:prstGeom>
-          <a:noFill/>
-          <a:ln w="57150"/>
-        </p:spPr>
-        <p:style>
-          <a:lnRef idx="2">
-            <a:schemeClr val="accent1">
-              <a:shade val="50000"/>
-            </a:schemeClr>
-          </a:lnRef>
-          <a:fillRef idx="1">
-            <a:schemeClr val="accent1"/>
-          </a:fillRef>
-          <a:effectRef idx="0">
-            <a:schemeClr val="accent1"/>
-          </a:effectRef>
-          <a:fontRef idx="minor">
-            <a:schemeClr val="lt1"/>
-          </a:fontRef>
-        </p:style>
-        <p:txBody>
-          <a:bodyPr rtlCol="0" anchor="ctr"/>
-          <a:lstStyle/>
-          <a:p>
-            <a:pPr algn="ctr"/>
-            <a:r>
-              <a:rPr lang="en-US" altLang="zh-CN" sz="2000" b="1" dirty="0">
-                <a:solidFill>
-                  <a:schemeClr val="tx1"/>
-                </a:solidFill>
-              </a:rPr>
-              <a:t>Client</a:t>
-            </a:r>
-            <a:endParaRPr lang="zh-CN" altLang="en-US" sz="2000" b="1" dirty="0">
-              <a:solidFill>
-                <a:schemeClr val="tx1"/>
-              </a:solidFill>
-            </a:endParaRPr>
-          </a:p>
-        </p:txBody>
-      </p:sp>
-      <p:sp>
-        <p:nvSpPr>
-          <p:cNvPr id="31" name="Rechteck 30">
-            <a:extLst>
-              <a:ext uri="{FF2B5EF4-FFF2-40B4-BE49-F238E27FC236}">
-                <a16:creationId xmlns:a16="http://schemas.microsoft.com/office/drawing/2014/main" id="{13377F5C-0221-2948-2169-5C2B6FE7DF14}"/>
-              </a:ext>
-            </a:extLst>
-          </p:cNvPr>
-          <p:cNvSpPr/>
-          <p:nvPr/>
-        </p:nvSpPr>
-        <p:spPr>
-          <a:xfrm>
-            <a:off x="5841501" y="302267"/>
-            <a:ext cx="642344" cy="490539"/>
-          </a:xfrm>
-          <a:prstGeom prst="rect">
-            <a:avLst/>
-          </a:prstGeom>
-          <a:noFill/>
-          <a:ln w="57150">
-            <a:noFill/>
-          </a:ln>
-        </p:spPr>
-        <p:style>
-          <a:lnRef idx="2">
-            <a:schemeClr val="accent1">
-              <a:shade val="50000"/>
-            </a:schemeClr>
-          </a:lnRef>
-          <a:fillRef idx="1">
-            <a:schemeClr val="accent1"/>
-          </a:fillRef>
-          <a:effectRef idx="0">
-            <a:schemeClr val="accent1"/>
-          </a:effectRef>
-          <a:fontRef idx="minor">
-            <a:schemeClr val="lt1"/>
-          </a:fontRef>
-        </p:style>
-        <p:txBody>
-          <a:bodyPr rtlCol="0" anchor="ctr"/>
-          <a:lstStyle/>
-          <a:p>
-            <a:pPr algn="ctr"/>
-            <a:r>
-              <a:rPr lang="en-US" altLang="zh-CN" sz="2000" b="1" dirty="0">
-                <a:solidFill>
-                  <a:schemeClr val="tx1"/>
-                </a:solidFill>
-              </a:rPr>
-              <a:t>…</a:t>
-            </a:r>
-            <a:endParaRPr lang="zh-CN" altLang="en-US" sz="2000" b="1" dirty="0">
-              <a:solidFill>
-                <a:schemeClr val="tx1"/>
-              </a:solidFill>
-            </a:endParaRPr>
-          </a:p>
-        </p:txBody>
-      </p:sp>
-      <p:cxnSp>
-        <p:nvCxnSpPr>
-          <p:cNvPr id="33" name="Gerader Verbinder 32">
-            <a:extLst>
-              <a:ext uri="{FF2B5EF4-FFF2-40B4-BE49-F238E27FC236}">
-                <a16:creationId xmlns:a16="http://schemas.microsoft.com/office/drawing/2014/main" id="{9A30A4A9-FEFD-FB81-66B1-ED9286873305}"/>
-              </a:ext>
-            </a:extLst>
-          </p:cNvPr>
-          <p:cNvCxnSpPr>
-            <a:stCxn id="4" idx="3"/>
-            <a:endCxn id="10" idx="1"/>
-          </p:cNvCxnSpPr>
-          <p:nvPr/>
-        </p:nvCxnSpPr>
-        <p:spPr>
-          <a:xfrm>
-            <a:off x="5179218" y="3428999"/>
-            <a:ext cx="1906787" cy="0"/>
-          </a:xfrm>
-          <a:prstGeom prst="line">
-            <a:avLst/>
-          </a:prstGeom>
-          <a:ln w="38100">
-            <a:solidFill>
-              <a:schemeClr val="accent1">
-                <a:lumMod val="75000"/>
-              </a:schemeClr>
-            </a:solidFill>
-          </a:ln>
-        </p:spPr>
-        <p:style>
-          <a:lnRef idx="1">
-            <a:schemeClr val="accent1"/>
-          </a:lnRef>
-          <a:fillRef idx="0">
-            <a:schemeClr val="accent1"/>
-          </a:fillRef>
-          <a:effectRef idx="0">
-            <a:schemeClr val="accent1"/>
-          </a:effectRef>
-          <a:fontRef idx="minor">
-            <a:schemeClr val="tx1"/>
-          </a:fontRef>
-        </p:style>
-      </p:cxnSp>
-      <p:cxnSp>
-        <p:nvCxnSpPr>
-          <p:cNvPr id="34" name="Gerader Verbinder 33">
-            <a:extLst>
-              <a:ext uri="{FF2B5EF4-FFF2-40B4-BE49-F238E27FC236}">
-                <a16:creationId xmlns:a16="http://schemas.microsoft.com/office/drawing/2014/main" id="{1D9CFC53-889C-7D8C-8FB3-261A9803571E}"/>
-              </a:ext>
-            </a:extLst>
-          </p:cNvPr>
-          <p:cNvCxnSpPr>
-            <a:cxnSpLocks/>
-            <a:stCxn id="9" idx="0"/>
-            <a:endCxn id="8" idx="2"/>
-          </p:cNvCxnSpPr>
-          <p:nvPr/>
-        </p:nvCxnSpPr>
-        <p:spPr>
-          <a:xfrm flipV="1">
-            <a:off x="6096000" y="2330276"/>
-            <a:ext cx="0" cy="2197447"/>
-          </a:xfrm>
-          <a:prstGeom prst="line">
-            <a:avLst/>
-          </a:prstGeom>
-          <a:ln w="38100">
-            <a:solidFill>
-              <a:schemeClr val="accent1">
-                <a:lumMod val="75000"/>
-              </a:schemeClr>
-            </a:solidFill>
-          </a:ln>
-        </p:spPr>
-        <p:style>
-          <a:lnRef idx="1">
-            <a:schemeClr val="accent1"/>
-          </a:lnRef>
-          <a:fillRef idx="0">
-            <a:schemeClr val="accent1"/>
-          </a:fillRef>
-          <a:effectRef idx="0">
-            <a:schemeClr val="accent1"/>
-          </a:effectRef>
-          <a:fontRef idx="minor">
-            <a:schemeClr val="tx1"/>
-          </a:fontRef>
-        </p:style>
-      </p:cxnSp>
-    </p:spTree>
-    <p:extLst>
-      <p:ext uri="{BB962C8B-B14F-4D97-AF65-F5344CB8AC3E}">
-        <p14:creationId xmlns:p14="http://schemas.microsoft.com/office/powerpoint/2010/main" val="2076558699"/>
-      </p:ext>
-    </p:extLst>
-  </p:cSld>
-  <p:clrMapOvr>
-    <a:masterClrMapping/>
-  </p:clrMapOvr>
-</p:sld>
-</file>
-
-<file path=ppt/slides/slide4.xml><?xml version="1.0" encoding="utf-8"?>
-<p:sld xmlns:a="http://schemas.openxmlformats.org/drawingml/2006/main" xmlns:r="http://schemas.openxmlformats.org/officeDocument/2006/relationships" xmlns:p="http://schemas.openxmlformats.org/presentationml/2006/main">
-  <p:cSld>
-    <p:spTree>
-      <p:nvGrpSpPr>
-        <p:cNvPr id="1" name=""/>
-        <p:cNvGrpSpPr/>
-        <p:nvPr/>
-      </p:nvGrpSpPr>
-      <p:grpSpPr>
-        <a:xfrm>
-          <a:off x="0" y="0"/>
-          <a:ext cx="0" cy="0"/>
-          <a:chOff x="0" y="0"/>
-          <a:chExt cx="0" cy="0"/>
-        </a:xfrm>
-      </p:grpSpPr>
-      <p:sp>
-        <p:nvSpPr>
-          <p:cNvPr id="4" name="Rechteck 3">
-            <a:extLst>
-              <a:ext uri="{FF2B5EF4-FFF2-40B4-BE49-F238E27FC236}">
-                <a16:creationId xmlns:a16="http://schemas.microsoft.com/office/drawing/2014/main" id="{66E0AFE0-25BA-C7AE-DDDF-CB5A8FBB44C9}"/>
-              </a:ext>
-            </a:extLst>
-          </p:cNvPr>
-          <p:cNvSpPr/>
-          <p:nvPr/>
-        </p:nvSpPr>
-        <p:spPr>
-          <a:xfrm>
-            <a:off x="5250656" y="2650332"/>
-            <a:ext cx="1235868" cy="892968"/>
-          </a:xfrm>
-          <a:prstGeom prst="rect">
-            <a:avLst/>
-          </a:prstGeom>
-          <a:solidFill>
-            <a:schemeClr val="bg1"/>
-          </a:solidFill>
-          <a:ln w="57150"/>
-        </p:spPr>
-        <p:style>
-          <a:lnRef idx="2">
-            <a:schemeClr val="accent1">
-              <a:shade val="50000"/>
-            </a:schemeClr>
-          </a:lnRef>
-          <a:fillRef idx="1">
-            <a:schemeClr val="accent1"/>
-          </a:fillRef>
-          <a:effectRef idx="0">
-            <a:schemeClr val="accent1"/>
-          </a:effectRef>
-          <a:fontRef idx="minor">
-            <a:schemeClr val="lt1"/>
-          </a:fontRef>
-        </p:style>
-        <p:txBody>
-          <a:bodyPr rtlCol="0" anchor="ctr"/>
-          <a:lstStyle/>
-          <a:p>
-            <a:pPr algn="ctr"/>
-            <a:r>
-              <a:rPr lang="en-US" altLang="zh-CN" sz="2400" b="1" dirty="0">
-                <a:solidFill>
-                  <a:schemeClr val="tx1"/>
-                </a:solidFill>
-              </a:rPr>
-              <a:t>Server</a:t>
-            </a:r>
-            <a:endParaRPr lang="zh-CN" altLang="en-US" sz="2400" b="1" dirty="0"/>
-          </a:p>
-        </p:txBody>
-      </p:sp>
-      <p:sp>
-        <p:nvSpPr>
-          <p:cNvPr id="8" name="Rechteck 7">
-            <a:extLst>
-              <a:ext uri="{FF2B5EF4-FFF2-40B4-BE49-F238E27FC236}">
-                <a16:creationId xmlns:a16="http://schemas.microsoft.com/office/drawing/2014/main" id="{78D4E099-7A3C-F860-175E-7358106C09B6}"/>
-              </a:ext>
-            </a:extLst>
-          </p:cNvPr>
-          <p:cNvSpPr/>
-          <p:nvPr/>
-        </p:nvSpPr>
-        <p:spPr>
-          <a:xfrm>
-            <a:off x="6785372" y="1105125"/>
-            <a:ext cx="1235868" cy="892968"/>
-          </a:xfrm>
-          <a:prstGeom prst="rect">
-            <a:avLst/>
-          </a:prstGeom>
-          <a:solidFill>
-            <a:schemeClr val="bg1"/>
-          </a:solidFill>
-          <a:ln w="57150"/>
-        </p:spPr>
-        <p:style>
-          <a:lnRef idx="2">
-            <a:schemeClr val="accent1">
-              <a:shade val="50000"/>
-            </a:schemeClr>
-          </a:lnRef>
-          <a:fillRef idx="1">
-            <a:schemeClr val="accent1"/>
-          </a:fillRef>
-          <a:effectRef idx="0">
-            <a:schemeClr val="accent1"/>
-          </a:effectRef>
-          <a:fontRef idx="minor">
-            <a:schemeClr val="lt1"/>
-          </a:fontRef>
-        </p:style>
-        <p:txBody>
-          <a:bodyPr rtlCol="0" anchor="ctr"/>
-          <a:lstStyle/>
-          <a:p>
-            <a:pPr algn="ctr"/>
-            <a:r>
-              <a:rPr lang="en-US" altLang="zh-CN" sz="2400" b="1" dirty="0">
-                <a:solidFill>
-                  <a:schemeClr val="tx1"/>
-                </a:solidFill>
-              </a:rPr>
-              <a:t>Server</a:t>
-            </a:r>
-            <a:endParaRPr lang="zh-CN" altLang="en-US" sz="2400" b="1" dirty="0"/>
-          </a:p>
-        </p:txBody>
-      </p:sp>
-      <p:sp>
-        <p:nvSpPr>
-          <p:cNvPr id="15" name="Stern: 5 Zacken 14">
-            <a:extLst>
-              <a:ext uri="{FF2B5EF4-FFF2-40B4-BE49-F238E27FC236}">
-                <a16:creationId xmlns:a16="http://schemas.microsoft.com/office/drawing/2014/main" id="{0A2F9FC3-0EE6-4309-3669-1449865D2038}"/>
-              </a:ext>
-            </a:extLst>
-          </p:cNvPr>
-          <p:cNvSpPr/>
-          <p:nvPr/>
-        </p:nvSpPr>
-        <p:spPr>
-          <a:xfrm>
-            <a:off x="6098679" y="2385121"/>
-            <a:ext cx="588762" cy="530422"/>
-          </a:xfrm>
-          <a:prstGeom prst="star5">
-            <a:avLst>
-              <a:gd name="adj" fmla="val 30109"/>
-              <a:gd name="hf" fmla="val 105146"/>
-              <a:gd name="vf" fmla="val 110557"/>
-            </a:avLst>
-          </a:prstGeom>
-          <a:solidFill>
-            <a:schemeClr val="accent4">
-              <a:lumMod val="60000"/>
-              <a:lumOff val="40000"/>
-            </a:schemeClr>
-          </a:solidFill>
-          <a:ln w="28575">
-            <a:solidFill>
-              <a:schemeClr val="accent2">
-                <a:lumMod val="75000"/>
-              </a:schemeClr>
-            </a:solidFill>
-          </a:ln>
-        </p:spPr>
-        <p:style>
-          <a:lnRef idx="2">
-            <a:schemeClr val="accent1">
-              <a:shade val="50000"/>
-            </a:schemeClr>
-          </a:lnRef>
-          <a:fillRef idx="1">
-            <a:schemeClr val="accent1"/>
-          </a:fillRef>
-          <a:effectRef idx="0">
-            <a:schemeClr val="accent1"/>
-          </a:effectRef>
-          <a:fontRef idx="minor">
-            <a:schemeClr val="lt1"/>
-          </a:fontRef>
-        </p:style>
-        <p:txBody>
-          <a:bodyPr rtlCol="0" anchor="ctr"/>
-          <a:lstStyle/>
-          <a:p>
-            <a:pPr algn="ctr"/>
-            <a:endParaRPr lang="zh-CN" altLang="en-US"/>
-          </a:p>
-        </p:txBody>
-      </p:sp>
-      <p:cxnSp>
-        <p:nvCxnSpPr>
-          <p:cNvPr id="5" name="Gerader Verbinder 4">
-            <a:extLst>
-              <a:ext uri="{FF2B5EF4-FFF2-40B4-BE49-F238E27FC236}">
-                <a16:creationId xmlns:a16="http://schemas.microsoft.com/office/drawing/2014/main" id="{64C1C543-0A68-EF28-F6FF-031C12048930}"/>
-              </a:ext>
-            </a:extLst>
-          </p:cNvPr>
-          <p:cNvCxnSpPr>
-            <a:cxnSpLocks/>
-            <a:stCxn id="8" idx="2"/>
-            <a:endCxn id="4" idx="3"/>
-          </p:cNvCxnSpPr>
-          <p:nvPr/>
-        </p:nvCxnSpPr>
-        <p:spPr>
-          <a:xfrm flipH="1">
-            <a:off x="6486524" y="1998093"/>
-            <a:ext cx="916782" cy="1098723"/>
-          </a:xfrm>
-          <a:prstGeom prst="line">
-            <a:avLst/>
-          </a:prstGeom>
-          <a:ln w="38100">
-            <a:solidFill>
-              <a:schemeClr val="accent1">
-                <a:lumMod val="75000"/>
-              </a:schemeClr>
-            </a:solidFill>
-          </a:ln>
-        </p:spPr>
-        <p:style>
-          <a:lnRef idx="1">
-            <a:schemeClr val="accent1"/>
-          </a:lnRef>
-          <a:fillRef idx="0">
-            <a:schemeClr val="accent1"/>
-          </a:fillRef>
-          <a:effectRef idx="0">
-            <a:schemeClr val="accent1"/>
-          </a:effectRef>
-          <a:fontRef idx="minor">
-            <a:schemeClr val="tx1"/>
-          </a:fontRef>
-        </p:style>
-      </p:cxnSp>
-      <p:cxnSp>
-        <p:nvCxnSpPr>
-          <p:cNvPr id="32" name="Gerader Verbinder 31">
-            <a:extLst>
-              <a:ext uri="{FF2B5EF4-FFF2-40B4-BE49-F238E27FC236}">
-                <a16:creationId xmlns:a16="http://schemas.microsoft.com/office/drawing/2014/main" id="{36037DF4-A8FE-DA28-90DC-B2DACAEA89C8}"/>
-              </a:ext>
-            </a:extLst>
-          </p:cNvPr>
-          <p:cNvCxnSpPr>
-            <a:cxnSpLocks/>
-            <a:stCxn id="9" idx="2"/>
-            <a:endCxn id="27" idx="0"/>
-          </p:cNvCxnSpPr>
-          <p:nvPr/>
-        </p:nvCxnSpPr>
-        <p:spPr>
-          <a:xfrm>
-            <a:off x="6828235" y="4987900"/>
-            <a:ext cx="1434404" cy="752846"/>
-          </a:xfrm>
-          <a:prstGeom prst="line">
-            <a:avLst/>
-          </a:prstGeom>
-          <a:ln w="38100">
-            <a:solidFill>
-              <a:schemeClr val="accent1">
-                <a:lumMod val="75000"/>
-              </a:schemeClr>
-            </a:solidFill>
-          </a:ln>
-        </p:spPr>
-        <p:style>
-          <a:lnRef idx="1">
-            <a:schemeClr val="accent1"/>
-          </a:lnRef>
-          <a:fillRef idx="0">
-            <a:schemeClr val="accent1"/>
-          </a:fillRef>
-          <a:effectRef idx="0">
-            <a:schemeClr val="accent1"/>
-          </a:effectRef>
-          <a:fontRef idx="minor">
-            <a:schemeClr val="tx1"/>
-          </a:fontRef>
-        </p:style>
-      </p:cxnSp>
-      <p:cxnSp>
-        <p:nvCxnSpPr>
-          <p:cNvPr id="37" name="Gerader Verbinder 36">
-            <a:extLst>
-              <a:ext uri="{FF2B5EF4-FFF2-40B4-BE49-F238E27FC236}">
-                <a16:creationId xmlns:a16="http://schemas.microsoft.com/office/drawing/2014/main" id="{1EF1A1B2-2FD3-55FE-052C-044A5C613A5E}"/>
-              </a:ext>
-            </a:extLst>
-          </p:cNvPr>
-          <p:cNvCxnSpPr>
-            <a:cxnSpLocks/>
-            <a:stCxn id="26" idx="0"/>
-            <a:endCxn id="9" idx="2"/>
-          </p:cNvCxnSpPr>
-          <p:nvPr/>
-        </p:nvCxnSpPr>
-        <p:spPr>
-          <a:xfrm flipV="1">
-            <a:off x="6440090" y="4987900"/>
-            <a:ext cx="388145" cy="755230"/>
-          </a:xfrm>
-          <a:prstGeom prst="line">
-            <a:avLst/>
-          </a:prstGeom>
-          <a:ln w="38100">
-            <a:solidFill>
-              <a:schemeClr val="accent1">
-                <a:lumMod val="75000"/>
-              </a:schemeClr>
-            </a:solidFill>
-          </a:ln>
-        </p:spPr>
-        <p:style>
-          <a:lnRef idx="1">
-            <a:schemeClr val="accent1"/>
-          </a:lnRef>
-          <a:fillRef idx="0">
-            <a:schemeClr val="accent1"/>
-          </a:fillRef>
-          <a:effectRef idx="0">
-            <a:schemeClr val="accent1"/>
-          </a:effectRef>
-          <a:fontRef idx="minor">
-            <a:schemeClr val="tx1"/>
-          </a:fontRef>
-        </p:style>
-      </p:cxnSp>
-      <p:cxnSp>
-        <p:nvCxnSpPr>
-          <p:cNvPr id="40" name="Gerader Verbinder 39">
-            <a:extLst>
-              <a:ext uri="{FF2B5EF4-FFF2-40B4-BE49-F238E27FC236}">
-                <a16:creationId xmlns:a16="http://schemas.microsoft.com/office/drawing/2014/main" id="{649EBBF3-0FF1-C0E2-DB67-B659F4FE79AC}"/>
-              </a:ext>
-            </a:extLst>
-          </p:cNvPr>
-          <p:cNvCxnSpPr>
-            <a:cxnSpLocks/>
-            <a:stCxn id="4" idx="3"/>
-            <a:endCxn id="9" idx="0"/>
-          </p:cNvCxnSpPr>
-          <p:nvPr/>
-        </p:nvCxnSpPr>
-        <p:spPr>
-          <a:xfrm>
-            <a:off x="6486524" y="3096816"/>
-            <a:ext cx="341711" cy="998116"/>
-          </a:xfrm>
-          <a:prstGeom prst="line">
-            <a:avLst/>
-          </a:prstGeom>
-          <a:ln w="38100">
-            <a:solidFill>
-              <a:schemeClr val="accent1">
-                <a:lumMod val="75000"/>
-              </a:schemeClr>
-            </a:solidFill>
-          </a:ln>
-        </p:spPr>
-        <p:style>
-          <a:lnRef idx="1">
-            <a:schemeClr val="accent1"/>
-          </a:lnRef>
-          <a:fillRef idx="0">
-            <a:schemeClr val="accent1"/>
-          </a:fillRef>
-          <a:effectRef idx="0">
-            <a:schemeClr val="accent1"/>
-          </a:effectRef>
-          <a:fontRef idx="minor">
-            <a:schemeClr val="tx1"/>
-          </a:fontRef>
-        </p:style>
-      </p:cxnSp>
-      <p:grpSp>
-        <p:nvGrpSpPr>
-          <p:cNvPr id="175" name="Gruppieren 174">
-            <a:extLst>
-              <a:ext uri="{FF2B5EF4-FFF2-40B4-BE49-F238E27FC236}">
-                <a16:creationId xmlns:a16="http://schemas.microsoft.com/office/drawing/2014/main" id="{EA1C22E8-BA92-4EF3-4A5C-1AE923FC91E9}"/>
+                <a16:creationId xmlns:a16="http://schemas.microsoft.com/office/drawing/2014/main" id="{96228965-9B50-3EAF-80C6-8615F392DA12}"/>
               </a:ext>
             </a:extLst>
           </p:cNvPr>
@@ -6909,18 +5146,18 @@
         </p:nvGrpSpPr>
         <p:grpSpPr>
           <a:xfrm>
-            <a:off x="2601811" y="1105125"/>
-            <a:ext cx="6278762" cy="5128544"/>
-            <a:chOff x="1294505" y="1437309"/>
-            <a:chExt cx="6278762" cy="5128544"/>
+            <a:off x="2237480" y="283214"/>
+            <a:ext cx="7838780" cy="6299308"/>
+            <a:chOff x="2237480" y="283214"/>
+            <a:chExt cx="7838780" cy="6299308"/>
           </a:xfrm>
         </p:grpSpPr>
         <p:sp>
           <p:nvSpPr>
-            <p:cNvPr id="16" name="Rechteck 15">
+            <p:cNvPr id="3" name="Ellipse 2">
               <a:extLst>
                 <a:ext uri="{FF2B5EF4-FFF2-40B4-BE49-F238E27FC236}">
-                  <a16:creationId xmlns:a16="http://schemas.microsoft.com/office/drawing/2014/main" id="{3BE8418B-FA52-3101-22F2-9DB9EB0EBDFA}"/>
+                  <a16:creationId xmlns:a16="http://schemas.microsoft.com/office/drawing/2014/main" id="{36926AAF-07C9-0CD9-9D4C-03400C136E56}"/>
                 </a:ext>
               </a:extLst>
             </p:cNvPr>
@@ -6929,14 +5166,14 @@
           </p:nvSpPr>
           <p:spPr>
             <a:xfrm>
-              <a:off x="1294505" y="2470545"/>
-              <a:ext cx="1235868" cy="490539"/>
+              <a:off x="4488061" y="1883792"/>
+              <a:ext cx="3215878" cy="3090415"/>
             </a:xfrm>
-            <a:prstGeom prst="rect">
+            <a:prstGeom prst="ellipse">
               <a:avLst/>
             </a:prstGeom>
             <a:noFill/>
-            <a:ln w="57150"/>
+            <a:ln w="38100"/>
           </p:spPr>
           <p:style>
             <a:lnRef idx="2">
@@ -6959,28 +5196,16 @@
             <a:lstStyle/>
             <a:p>
               <a:pPr algn="ctr"/>
-              <a:r>
-                <a:rPr lang="en-US" altLang="zh-CN" sz="2000" b="1" dirty="0">
-                  <a:solidFill>
-                    <a:schemeClr val="tx1"/>
-                  </a:solidFill>
-                </a:rPr>
-                <a:t>Client</a:t>
-              </a:r>
-              <a:endParaRPr lang="zh-CN" altLang="en-US" sz="2000" b="1" dirty="0">
-                <a:solidFill>
-                  <a:schemeClr val="tx1"/>
-                </a:solidFill>
-              </a:endParaRPr>
+              <a:endParaRPr lang="zh-CN" altLang="en-US"/>
             </a:p>
           </p:txBody>
         </p:sp>
         <p:sp>
           <p:nvSpPr>
-            <p:cNvPr id="79" name="Rechteck 78">
+            <p:cNvPr id="4" name="Rechteck 3">
               <a:extLst>
                 <a:ext uri="{FF2B5EF4-FFF2-40B4-BE49-F238E27FC236}">
-                  <a16:creationId xmlns:a16="http://schemas.microsoft.com/office/drawing/2014/main" id="{2070E8A9-65BC-C2ED-BF93-D33E2C531D84}"/>
+                  <a16:creationId xmlns:a16="http://schemas.microsoft.com/office/drawing/2014/main" id="{66E0AFE0-25BA-C7AE-DDDF-CB5A8FBB44C9}"/>
                 </a:ext>
               </a:extLst>
             </p:cNvPr>
@@ -6989,7 +5214,7 @@
           </p:nvSpPr>
           <p:spPr>
             <a:xfrm>
-              <a:off x="3943350" y="2982516"/>
+              <a:off x="3943350" y="2982515"/>
               <a:ext cx="1235868" cy="892968"/>
             </a:xfrm>
             <a:prstGeom prst="rect">
@@ -7035,10 +5260,10 @@
         </p:sp>
         <p:sp>
           <p:nvSpPr>
-            <p:cNvPr id="80" name="Rechteck 79">
+            <p:cNvPr id="8" name="Rechteck 7">
               <a:extLst>
                 <a:ext uri="{FF2B5EF4-FFF2-40B4-BE49-F238E27FC236}">
-                  <a16:creationId xmlns:a16="http://schemas.microsoft.com/office/drawing/2014/main" id="{712EEC66-3DA1-8482-A417-AD60DBE43B9C}"/>
+                  <a16:creationId xmlns:a16="http://schemas.microsoft.com/office/drawing/2014/main" id="{78D4E099-7A3C-F860-175E-7358106C09B6}"/>
                 </a:ext>
               </a:extLst>
             </p:cNvPr>
@@ -7047,7 +5272,7 @@
           </p:nvSpPr>
           <p:spPr>
             <a:xfrm>
-              <a:off x="5478066" y="1437309"/>
+              <a:off x="5478066" y="1437308"/>
               <a:ext cx="1235868" cy="892968"/>
             </a:xfrm>
             <a:prstGeom prst="rect">
@@ -7093,10 +5318,10 @@
         </p:sp>
         <p:sp>
           <p:nvSpPr>
-            <p:cNvPr id="81" name="Stern: 5 Zacken 80">
+            <p:cNvPr id="9" name="Rechteck 8">
               <a:extLst>
                 <a:ext uri="{FF2B5EF4-FFF2-40B4-BE49-F238E27FC236}">
-                  <a16:creationId xmlns:a16="http://schemas.microsoft.com/office/drawing/2014/main" id="{4DA53FAB-E7F5-B8C9-BBC4-46F3619841DA}"/>
+                  <a16:creationId xmlns:a16="http://schemas.microsoft.com/office/drawing/2014/main" id="{72C26214-C833-9E00-49DD-CD0C0031197C}"/>
                 </a:ext>
               </a:extLst>
             </p:cNvPr>
@@ -7105,7 +5330,327 @@
           </p:nvSpPr>
           <p:spPr>
             <a:xfrm>
-              <a:off x="4791373" y="2717305"/>
+              <a:off x="5478066" y="4527723"/>
+              <a:ext cx="1235868" cy="892968"/>
+            </a:xfrm>
+            <a:prstGeom prst="rect">
+              <a:avLst/>
+            </a:prstGeom>
+            <a:solidFill>
+              <a:schemeClr val="bg1"/>
+            </a:solidFill>
+            <a:ln w="57150"/>
+          </p:spPr>
+          <p:style>
+            <a:lnRef idx="2">
+              <a:schemeClr val="accent1">
+                <a:shade val="50000"/>
+              </a:schemeClr>
+            </a:lnRef>
+            <a:fillRef idx="1">
+              <a:schemeClr val="accent1"/>
+            </a:fillRef>
+            <a:effectRef idx="0">
+              <a:schemeClr val="accent1"/>
+            </a:effectRef>
+            <a:fontRef idx="minor">
+              <a:schemeClr val="lt1"/>
+            </a:fontRef>
+          </p:style>
+          <p:txBody>
+            <a:bodyPr rtlCol="0" anchor="ctr"/>
+            <a:lstStyle/>
+            <a:p>
+              <a:pPr algn="ctr"/>
+              <a:r>
+                <a:rPr lang="en-US" altLang="zh-CN" sz="2400" b="1" dirty="0">
+                  <a:solidFill>
+                    <a:schemeClr val="tx1"/>
+                  </a:solidFill>
+                </a:rPr>
+                <a:t>Server</a:t>
+              </a:r>
+              <a:endParaRPr lang="zh-CN" altLang="en-US" sz="2400" b="1" dirty="0"/>
+            </a:p>
+          </p:txBody>
+        </p:sp>
+        <p:sp>
+          <p:nvSpPr>
+            <p:cNvPr id="10" name="Rechteck 9">
+              <a:extLst>
+                <a:ext uri="{FF2B5EF4-FFF2-40B4-BE49-F238E27FC236}">
+                  <a16:creationId xmlns:a16="http://schemas.microsoft.com/office/drawing/2014/main" id="{D83D0F0B-5D3D-BA5D-15E2-9BFD672B3D9D}"/>
+                </a:ext>
+              </a:extLst>
+            </p:cNvPr>
+            <p:cNvSpPr/>
+            <p:nvPr/>
+          </p:nvSpPr>
+          <p:spPr>
+            <a:xfrm>
+              <a:off x="7086005" y="2982515"/>
+              <a:ext cx="1235868" cy="892968"/>
+            </a:xfrm>
+            <a:prstGeom prst="rect">
+              <a:avLst/>
+            </a:prstGeom>
+            <a:solidFill>
+              <a:schemeClr val="bg1"/>
+            </a:solidFill>
+            <a:ln w="57150"/>
+          </p:spPr>
+          <p:style>
+            <a:lnRef idx="2">
+              <a:schemeClr val="accent1">
+                <a:shade val="50000"/>
+              </a:schemeClr>
+            </a:lnRef>
+            <a:fillRef idx="1">
+              <a:schemeClr val="accent1"/>
+            </a:fillRef>
+            <a:effectRef idx="0">
+              <a:schemeClr val="accent1"/>
+            </a:effectRef>
+            <a:fontRef idx="minor">
+              <a:schemeClr val="lt1"/>
+            </a:fontRef>
+          </p:style>
+          <p:txBody>
+            <a:bodyPr rtlCol="0" anchor="ctr"/>
+            <a:lstStyle/>
+            <a:p>
+              <a:pPr algn="ctr"/>
+              <a:r>
+                <a:rPr lang="en-US" altLang="zh-CN" sz="2400" b="1" dirty="0">
+                  <a:solidFill>
+                    <a:schemeClr val="tx1"/>
+                  </a:solidFill>
+                </a:rPr>
+                <a:t>Server</a:t>
+              </a:r>
+              <a:endParaRPr lang="zh-CN" altLang="en-US" sz="2400" b="1" dirty="0"/>
+            </a:p>
+          </p:txBody>
+        </p:sp>
+        <p:sp>
+          <p:nvSpPr>
+            <p:cNvPr id="11" name="Geschweifte Klammer links 10">
+              <a:extLst>
+                <a:ext uri="{FF2B5EF4-FFF2-40B4-BE49-F238E27FC236}">
+                  <a16:creationId xmlns:a16="http://schemas.microsoft.com/office/drawing/2014/main" id="{5AC91F23-0958-27FD-58A2-ED16CA29688A}"/>
+                </a:ext>
+              </a:extLst>
+            </p:cNvPr>
+            <p:cNvSpPr/>
+            <p:nvPr/>
+          </p:nvSpPr>
+          <p:spPr>
+            <a:xfrm rot="16200000">
+              <a:off x="5782271" y="160363"/>
+              <a:ext cx="607219" cy="2000250"/>
+            </a:xfrm>
+            <a:prstGeom prst="leftBrace">
+              <a:avLst/>
+            </a:prstGeom>
+            <a:ln w="38100">
+              <a:solidFill>
+                <a:schemeClr val="accent1">
+                  <a:lumMod val="75000"/>
+                </a:schemeClr>
+              </a:solidFill>
+            </a:ln>
+          </p:spPr>
+          <p:style>
+            <a:lnRef idx="1">
+              <a:schemeClr val="accent1"/>
+            </a:lnRef>
+            <a:fillRef idx="0">
+              <a:schemeClr val="accent1"/>
+            </a:fillRef>
+            <a:effectRef idx="0">
+              <a:schemeClr val="accent1"/>
+            </a:effectRef>
+            <a:fontRef idx="minor">
+              <a:schemeClr val="tx1"/>
+            </a:fontRef>
+          </p:style>
+          <p:txBody>
+            <a:bodyPr rtlCol="0" anchor="ctr"/>
+            <a:lstStyle/>
+            <a:p>
+              <a:pPr algn="ctr"/>
+              <a:endParaRPr lang="zh-CN" altLang="en-US"/>
+            </a:p>
+          </p:txBody>
+        </p:sp>
+        <p:sp>
+          <p:nvSpPr>
+            <p:cNvPr id="12" name="Geschweifte Klammer links 11">
+              <a:extLst>
+                <a:ext uri="{FF2B5EF4-FFF2-40B4-BE49-F238E27FC236}">
+                  <a16:creationId xmlns:a16="http://schemas.microsoft.com/office/drawing/2014/main" id="{4DC9FA7F-7EBF-2130-5E04-7B14432DC006}"/>
+                </a:ext>
+              </a:extLst>
+            </p:cNvPr>
+            <p:cNvSpPr/>
+            <p:nvPr/>
+          </p:nvSpPr>
+          <p:spPr>
+            <a:xfrm rot="10800000">
+              <a:off x="3336131" y="2428874"/>
+              <a:ext cx="607219" cy="2000250"/>
+            </a:xfrm>
+            <a:prstGeom prst="leftBrace">
+              <a:avLst/>
+            </a:prstGeom>
+            <a:ln w="38100">
+              <a:solidFill>
+                <a:schemeClr val="accent1">
+                  <a:lumMod val="75000"/>
+                </a:schemeClr>
+              </a:solidFill>
+            </a:ln>
+          </p:spPr>
+          <p:style>
+            <a:lnRef idx="1">
+              <a:schemeClr val="accent1"/>
+            </a:lnRef>
+            <a:fillRef idx="0">
+              <a:schemeClr val="accent1"/>
+            </a:fillRef>
+            <a:effectRef idx="0">
+              <a:schemeClr val="accent1"/>
+            </a:effectRef>
+            <a:fontRef idx="minor">
+              <a:schemeClr val="tx1"/>
+            </a:fontRef>
+          </p:style>
+          <p:txBody>
+            <a:bodyPr rtlCol="0" anchor="ctr"/>
+            <a:lstStyle/>
+            <a:p>
+              <a:pPr algn="ctr"/>
+              <a:endParaRPr lang="zh-CN" altLang="en-US"/>
+            </a:p>
+          </p:txBody>
+        </p:sp>
+        <p:sp>
+          <p:nvSpPr>
+            <p:cNvPr id="13" name="Geschweifte Klammer links 12">
+              <a:extLst>
+                <a:ext uri="{FF2B5EF4-FFF2-40B4-BE49-F238E27FC236}">
+                  <a16:creationId xmlns:a16="http://schemas.microsoft.com/office/drawing/2014/main" id="{633B582C-014D-873D-AE56-C2A7B8F6D643}"/>
+                </a:ext>
+              </a:extLst>
+            </p:cNvPr>
+            <p:cNvSpPr/>
+            <p:nvPr/>
+          </p:nvSpPr>
+          <p:spPr>
+            <a:xfrm>
+              <a:off x="8321873" y="2428874"/>
+              <a:ext cx="607219" cy="2000250"/>
+            </a:xfrm>
+            <a:prstGeom prst="leftBrace">
+              <a:avLst/>
+            </a:prstGeom>
+            <a:ln w="38100">
+              <a:solidFill>
+                <a:schemeClr val="accent1">
+                  <a:lumMod val="75000"/>
+                </a:schemeClr>
+              </a:solidFill>
+            </a:ln>
+          </p:spPr>
+          <p:style>
+            <a:lnRef idx="1">
+              <a:schemeClr val="accent1"/>
+            </a:lnRef>
+            <a:fillRef idx="0">
+              <a:schemeClr val="accent1"/>
+            </a:fillRef>
+            <a:effectRef idx="0">
+              <a:schemeClr val="accent1"/>
+            </a:effectRef>
+            <a:fontRef idx="minor">
+              <a:schemeClr val="tx1"/>
+            </a:fontRef>
+          </p:style>
+          <p:txBody>
+            <a:bodyPr rtlCol="0" anchor="ctr"/>
+            <a:lstStyle/>
+            <a:p>
+              <a:pPr algn="ctr"/>
+              <a:endParaRPr lang="zh-CN" altLang="en-US"/>
+            </a:p>
+          </p:txBody>
+        </p:sp>
+        <p:sp>
+          <p:nvSpPr>
+            <p:cNvPr id="14" name="Geschweifte Klammer links 13">
+              <a:extLst>
+                <a:ext uri="{FF2B5EF4-FFF2-40B4-BE49-F238E27FC236}">
+                  <a16:creationId xmlns:a16="http://schemas.microsoft.com/office/drawing/2014/main" id="{F27E2368-60CC-162C-FEA3-001A0F0F7B56}"/>
+                </a:ext>
+              </a:extLst>
+            </p:cNvPr>
+            <p:cNvSpPr/>
+            <p:nvPr/>
+          </p:nvSpPr>
+          <p:spPr>
+            <a:xfrm rot="5400000">
+              <a:off x="5782270" y="4724176"/>
+              <a:ext cx="607219" cy="2000250"/>
+            </a:xfrm>
+            <a:prstGeom prst="leftBrace">
+              <a:avLst/>
+            </a:prstGeom>
+            <a:ln w="38100">
+              <a:solidFill>
+                <a:schemeClr val="accent1">
+                  <a:lumMod val="75000"/>
+                </a:schemeClr>
+              </a:solidFill>
+            </a:ln>
+          </p:spPr>
+          <p:style>
+            <a:lnRef idx="1">
+              <a:schemeClr val="accent1"/>
+            </a:lnRef>
+            <a:fillRef idx="0">
+              <a:schemeClr val="accent1"/>
+            </a:fillRef>
+            <a:effectRef idx="0">
+              <a:schemeClr val="accent1"/>
+            </a:effectRef>
+            <a:fontRef idx="minor">
+              <a:schemeClr val="tx1"/>
+            </a:fontRef>
+          </p:style>
+          <p:txBody>
+            <a:bodyPr rtlCol="0" anchor="ctr"/>
+            <a:lstStyle/>
+            <a:p>
+              <a:pPr algn="ctr"/>
+              <a:endParaRPr lang="zh-CN" altLang="en-US"/>
+            </a:p>
+          </p:txBody>
+        </p:sp>
+        <p:sp>
+          <p:nvSpPr>
+            <p:cNvPr id="15" name="Stern: 5 Zacken 14">
+              <a:extLst>
+                <a:ext uri="{FF2B5EF4-FFF2-40B4-BE49-F238E27FC236}">
+                  <a16:creationId xmlns:a16="http://schemas.microsoft.com/office/drawing/2014/main" id="{0A2F9FC3-0EE6-4309-3669-1449865D2038}"/>
+                </a:ext>
+              </a:extLst>
+            </p:cNvPr>
+            <p:cNvSpPr/>
+            <p:nvPr/>
+          </p:nvSpPr>
+          <p:spPr>
+            <a:xfrm>
+              <a:off x="4791373" y="2717304"/>
               <a:ext cx="588762" cy="530422"/>
             </a:xfrm>
             <a:prstGeom prst="star5">
@@ -7151,6 +5696,430 @@
             <a:p>
               <a:pPr algn="ctr"/>
               <a:endParaRPr lang="zh-CN" altLang="en-US"/>
+            </a:p>
+          </p:txBody>
+        </p:sp>
+        <p:sp>
+          <p:nvSpPr>
+            <p:cNvPr id="16" name="Rechteck 15">
+              <a:extLst>
+                <a:ext uri="{FF2B5EF4-FFF2-40B4-BE49-F238E27FC236}">
+                  <a16:creationId xmlns:a16="http://schemas.microsoft.com/office/drawing/2014/main" id="{3BE8418B-FA52-3101-22F2-9DB9EB0EBDFA}"/>
+                </a:ext>
+              </a:extLst>
+            </p:cNvPr>
+            <p:cNvSpPr/>
+            <p:nvPr/>
+          </p:nvSpPr>
+          <p:spPr>
+            <a:xfrm>
+              <a:off x="2237480" y="2581274"/>
+              <a:ext cx="1235868" cy="490539"/>
+            </a:xfrm>
+            <a:prstGeom prst="rect">
+              <a:avLst/>
+            </a:prstGeom>
+            <a:noFill/>
+            <a:ln w="57150"/>
+          </p:spPr>
+          <p:style>
+            <a:lnRef idx="2">
+              <a:schemeClr val="accent1">
+                <a:shade val="50000"/>
+              </a:schemeClr>
+            </a:lnRef>
+            <a:fillRef idx="1">
+              <a:schemeClr val="accent1"/>
+            </a:fillRef>
+            <a:effectRef idx="0">
+              <a:schemeClr val="accent1"/>
+            </a:effectRef>
+            <a:fontRef idx="minor">
+              <a:schemeClr val="lt1"/>
+            </a:fontRef>
+          </p:style>
+          <p:txBody>
+            <a:bodyPr rtlCol="0" anchor="ctr"/>
+            <a:lstStyle/>
+            <a:p>
+              <a:pPr algn="ctr"/>
+              <a:r>
+                <a:rPr lang="en-US" altLang="zh-CN" sz="2000" b="1" dirty="0">
+                  <a:solidFill>
+                    <a:schemeClr val="tx1"/>
+                  </a:solidFill>
+                </a:rPr>
+                <a:t>Client</a:t>
+              </a:r>
+              <a:endParaRPr lang="zh-CN" altLang="en-US" sz="2000" b="1" dirty="0">
+                <a:solidFill>
+                  <a:schemeClr val="tx1"/>
+                </a:solidFill>
+              </a:endParaRPr>
+            </a:p>
+          </p:txBody>
+        </p:sp>
+        <p:sp>
+          <p:nvSpPr>
+            <p:cNvPr id="20" name="Rechteck 19">
+              <a:extLst>
+                <a:ext uri="{FF2B5EF4-FFF2-40B4-BE49-F238E27FC236}">
+                  <a16:creationId xmlns:a16="http://schemas.microsoft.com/office/drawing/2014/main" id="{C34791E4-F28B-BB9C-0EFB-F0EBBA9CDC64}"/>
+                </a:ext>
+              </a:extLst>
+            </p:cNvPr>
+            <p:cNvSpPr/>
+            <p:nvPr/>
+          </p:nvSpPr>
+          <p:spPr>
+            <a:xfrm>
+              <a:off x="2237480" y="3712368"/>
+              <a:ext cx="1235868" cy="490539"/>
+            </a:xfrm>
+            <a:prstGeom prst="rect">
+              <a:avLst/>
+            </a:prstGeom>
+            <a:noFill/>
+            <a:ln w="57150"/>
+          </p:spPr>
+          <p:style>
+            <a:lnRef idx="2">
+              <a:schemeClr val="accent1">
+                <a:shade val="50000"/>
+              </a:schemeClr>
+            </a:lnRef>
+            <a:fillRef idx="1">
+              <a:schemeClr val="accent1"/>
+            </a:fillRef>
+            <a:effectRef idx="0">
+              <a:schemeClr val="accent1"/>
+            </a:effectRef>
+            <a:fontRef idx="minor">
+              <a:schemeClr val="lt1"/>
+            </a:fontRef>
+          </p:style>
+          <p:txBody>
+            <a:bodyPr rtlCol="0" anchor="ctr"/>
+            <a:lstStyle/>
+            <a:p>
+              <a:pPr algn="ctr"/>
+              <a:r>
+                <a:rPr lang="en-US" altLang="zh-CN" sz="2000" b="1" dirty="0">
+                  <a:solidFill>
+                    <a:schemeClr val="tx1"/>
+                  </a:solidFill>
+                </a:rPr>
+                <a:t>Client</a:t>
+              </a:r>
+              <a:endParaRPr lang="zh-CN" altLang="en-US" sz="2000" b="1" dirty="0">
+                <a:solidFill>
+                  <a:schemeClr val="tx1"/>
+                </a:solidFill>
+              </a:endParaRPr>
+            </a:p>
+          </p:txBody>
+        </p:sp>
+        <p:sp>
+          <p:nvSpPr>
+            <p:cNvPr id="22" name="Rechteck 21">
+              <a:extLst>
+                <a:ext uri="{FF2B5EF4-FFF2-40B4-BE49-F238E27FC236}">
+                  <a16:creationId xmlns:a16="http://schemas.microsoft.com/office/drawing/2014/main" id="{E0E7299A-3611-4F66-21B9-F33287372507}"/>
+                </a:ext>
+              </a:extLst>
+            </p:cNvPr>
+            <p:cNvSpPr/>
+            <p:nvPr/>
+          </p:nvSpPr>
+          <p:spPr>
+            <a:xfrm>
+              <a:off x="2237480" y="3145632"/>
+              <a:ext cx="1235868" cy="490539"/>
+            </a:xfrm>
+            <a:prstGeom prst="rect">
+              <a:avLst/>
+            </a:prstGeom>
+            <a:noFill/>
+            <a:ln w="57150">
+              <a:noFill/>
+            </a:ln>
+          </p:spPr>
+          <p:style>
+            <a:lnRef idx="2">
+              <a:schemeClr val="accent1">
+                <a:shade val="50000"/>
+              </a:schemeClr>
+            </a:lnRef>
+            <a:fillRef idx="1">
+              <a:schemeClr val="accent1"/>
+            </a:fillRef>
+            <a:effectRef idx="0">
+              <a:schemeClr val="accent1"/>
+            </a:effectRef>
+            <a:fontRef idx="minor">
+              <a:schemeClr val="lt1"/>
+            </a:fontRef>
+          </p:style>
+          <p:txBody>
+            <a:bodyPr rtlCol="0" anchor="ctr"/>
+            <a:lstStyle/>
+            <a:p>
+              <a:pPr algn="ctr"/>
+              <a:r>
+                <a:rPr lang="en-US" altLang="zh-CN" sz="2000" b="1" dirty="0">
+                  <a:solidFill>
+                    <a:schemeClr val="tx1"/>
+                  </a:solidFill>
+                </a:rPr>
+                <a:t>…</a:t>
+              </a:r>
+              <a:endParaRPr lang="zh-CN" altLang="en-US" sz="2000" b="1" dirty="0">
+                <a:solidFill>
+                  <a:schemeClr val="tx1"/>
+                </a:solidFill>
+              </a:endParaRPr>
+            </a:p>
+          </p:txBody>
+        </p:sp>
+        <p:sp>
+          <p:nvSpPr>
+            <p:cNvPr id="23" name="Rechteck 22">
+              <a:extLst>
+                <a:ext uri="{FF2B5EF4-FFF2-40B4-BE49-F238E27FC236}">
+                  <a16:creationId xmlns:a16="http://schemas.microsoft.com/office/drawing/2014/main" id="{39F0EE96-5850-F1E2-4360-AFFEA4746D56}"/>
+                </a:ext>
+              </a:extLst>
+            </p:cNvPr>
+            <p:cNvSpPr/>
+            <p:nvPr/>
+          </p:nvSpPr>
+          <p:spPr>
+            <a:xfrm>
+              <a:off x="8840392" y="2655091"/>
+              <a:ext cx="1235868" cy="490539"/>
+            </a:xfrm>
+            <a:prstGeom prst="rect">
+              <a:avLst/>
+            </a:prstGeom>
+            <a:noFill/>
+            <a:ln w="57150"/>
+          </p:spPr>
+          <p:style>
+            <a:lnRef idx="2">
+              <a:schemeClr val="accent1">
+                <a:shade val="50000"/>
+              </a:schemeClr>
+            </a:lnRef>
+            <a:fillRef idx="1">
+              <a:schemeClr val="accent1"/>
+            </a:fillRef>
+            <a:effectRef idx="0">
+              <a:schemeClr val="accent1"/>
+            </a:effectRef>
+            <a:fontRef idx="minor">
+              <a:schemeClr val="lt1"/>
+            </a:fontRef>
+          </p:style>
+          <p:txBody>
+            <a:bodyPr rtlCol="0" anchor="ctr"/>
+            <a:lstStyle/>
+            <a:p>
+              <a:pPr algn="ctr"/>
+              <a:r>
+                <a:rPr lang="en-US" altLang="zh-CN" sz="2000" b="1" dirty="0">
+                  <a:solidFill>
+                    <a:schemeClr val="tx1"/>
+                  </a:solidFill>
+                </a:rPr>
+                <a:t>Client</a:t>
+              </a:r>
+              <a:endParaRPr lang="zh-CN" altLang="en-US" sz="2000" b="1" dirty="0">
+                <a:solidFill>
+                  <a:schemeClr val="tx1"/>
+                </a:solidFill>
+              </a:endParaRPr>
+            </a:p>
+          </p:txBody>
+        </p:sp>
+        <p:sp>
+          <p:nvSpPr>
+            <p:cNvPr id="24" name="Rechteck 23">
+              <a:extLst>
+                <a:ext uri="{FF2B5EF4-FFF2-40B4-BE49-F238E27FC236}">
+                  <a16:creationId xmlns:a16="http://schemas.microsoft.com/office/drawing/2014/main" id="{905093C8-CB56-9358-C980-A2CC00E22F60}"/>
+                </a:ext>
+              </a:extLst>
+            </p:cNvPr>
+            <p:cNvSpPr/>
+            <p:nvPr/>
+          </p:nvSpPr>
+          <p:spPr>
+            <a:xfrm>
+              <a:off x="8840392" y="3786185"/>
+              <a:ext cx="1235868" cy="490539"/>
+            </a:xfrm>
+            <a:prstGeom prst="rect">
+              <a:avLst/>
+            </a:prstGeom>
+            <a:noFill/>
+            <a:ln w="57150"/>
+          </p:spPr>
+          <p:style>
+            <a:lnRef idx="2">
+              <a:schemeClr val="accent1">
+                <a:shade val="50000"/>
+              </a:schemeClr>
+            </a:lnRef>
+            <a:fillRef idx="1">
+              <a:schemeClr val="accent1"/>
+            </a:fillRef>
+            <a:effectRef idx="0">
+              <a:schemeClr val="accent1"/>
+            </a:effectRef>
+            <a:fontRef idx="minor">
+              <a:schemeClr val="lt1"/>
+            </a:fontRef>
+          </p:style>
+          <p:txBody>
+            <a:bodyPr rtlCol="0" anchor="ctr"/>
+            <a:lstStyle/>
+            <a:p>
+              <a:pPr algn="ctr"/>
+              <a:r>
+                <a:rPr lang="en-US" altLang="zh-CN" sz="2000" b="1" dirty="0">
+                  <a:solidFill>
+                    <a:schemeClr val="tx1"/>
+                  </a:solidFill>
+                </a:rPr>
+                <a:t>Client</a:t>
+              </a:r>
+              <a:endParaRPr lang="zh-CN" altLang="en-US" sz="2000" b="1" dirty="0">
+                <a:solidFill>
+                  <a:schemeClr val="tx1"/>
+                </a:solidFill>
+              </a:endParaRPr>
+            </a:p>
+          </p:txBody>
+        </p:sp>
+        <p:sp>
+          <p:nvSpPr>
+            <p:cNvPr id="25" name="Rechteck 24">
+              <a:extLst>
+                <a:ext uri="{FF2B5EF4-FFF2-40B4-BE49-F238E27FC236}">
+                  <a16:creationId xmlns:a16="http://schemas.microsoft.com/office/drawing/2014/main" id="{6B5E8559-70E6-A06D-6E37-46528744BA94}"/>
+                </a:ext>
+              </a:extLst>
+            </p:cNvPr>
+            <p:cNvSpPr/>
+            <p:nvPr/>
+          </p:nvSpPr>
+          <p:spPr>
+            <a:xfrm>
+              <a:off x="8840392" y="3219449"/>
+              <a:ext cx="1235868" cy="490539"/>
+            </a:xfrm>
+            <a:prstGeom prst="rect">
+              <a:avLst/>
+            </a:prstGeom>
+            <a:noFill/>
+            <a:ln w="57150">
+              <a:noFill/>
+            </a:ln>
+          </p:spPr>
+          <p:style>
+            <a:lnRef idx="2">
+              <a:schemeClr val="accent1">
+                <a:shade val="50000"/>
+              </a:schemeClr>
+            </a:lnRef>
+            <a:fillRef idx="1">
+              <a:schemeClr val="accent1"/>
+            </a:fillRef>
+            <a:effectRef idx="0">
+              <a:schemeClr val="accent1"/>
+            </a:effectRef>
+            <a:fontRef idx="minor">
+              <a:schemeClr val="lt1"/>
+            </a:fontRef>
+          </p:style>
+          <p:txBody>
+            <a:bodyPr rtlCol="0" anchor="ctr"/>
+            <a:lstStyle/>
+            <a:p>
+              <a:pPr algn="ctr"/>
+              <a:r>
+                <a:rPr lang="en-US" altLang="zh-CN" sz="2000" b="1" dirty="0">
+                  <a:solidFill>
+                    <a:schemeClr val="tx1"/>
+                  </a:solidFill>
+                </a:rPr>
+                <a:t>…</a:t>
+              </a:r>
+              <a:endParaRPr lang="zh-CN" altLang="en-US" sz="2000" b="1" dirty="0">
+                <a:solidFill>
+                  <a:schemeClr val="tx1"/>
+                </a:solidFill>
+              </a:endParaRPr>
+            </a:p>
+          </p:txBody>
+        </p:sp>
+        <p:sp>
+          <p:nvSpPr>
+            <p:cNvPr id="26" name="Rechteck 25">
+              <a:extLst>
+                <a:ext uri="{FF2B5EF4-FFF2-40B4-BE49-F238E27FC236}">
+                  <a16:creationId xmlns:a16="http://schemas.microsoft.com/office/drawing/2014/main" id="{29E04525-1344-3B8A-EDB1-B794046702B1}"/>
+                </a:ext>
+              </a:extLst>
+            </p:cNvPr>
+            <p:cNvSpPr/>
+            <p:nvPr/>
+          </p:nvSpPr>
+          <p:spPr>
+            <a:xfrm>
+              <a:off x="4514850" y="6075314"/>
+              <a:ext cx="1235868" cy="490539"/>
+            </a:xfrm>
+            <a:prstGeom prst="rect">
+              <a:avLst/>
+            </a:prstGeom>
+            <a:noFill/>
+            <a:ln w="57150"/>
+          </p:spPr>
+          <p:style>
+            <a:lnRef idx="2">
+              <a:schemeClr val="accent1">
+                <a:shade val="50000"/>
+              </a:schemeClr>
+            </a:lnRef>
+            <a:fillRef idx="1">
+              <a:schemeClr val="accent1"/>
+            </a:fillRef>
+            <a:effectRef idx="0">
+              <a:schemeClr val="accent1"/>
+            </a:effectRef>
+            <a:fontRef idx="minor">
+              <a:schemeClr val="lt1"/>
+            </a:fontRef>
+          </p:style>
+          <p:txBody>
+            <a:bodyPr rtlCol="0" anchor="ctr"/>
+            <a:lstStyle/>
+            <a:p>
+              <a:pPr algn="ctr"/>
+              <a:r>
+                <a:rPr lang="en-US" altLang="zh-CN" sz="2000" b="1" dirty="0">
+                  <a:solidFill>
+                    <a:schemeClr val="tx1"/>
+                  </a:solidFill>
+                </a:rPr>
+                <a:t>Client</a:t>
+              </a:r>
+              <a:endParaRPr lang="zh-CN" altLang="en-US" sz="2000" b="1" dirty="0">
+                <a:solidFill>
+                  <a:schemeClr val="tx1"/>
+                </a:solidFill>
+              </a:endParaRPr>
             </a:p>
           </p:txBody>
         </p:sp>
@@ -7216,10 +6185,10 @@
         </p:sp>
         <p:sp>
           <p:nvSpPr>
-            <p:cNvPr id="9" name="Rechteck 8">
+            <p:cNvPr id="28" name="Rechteck 27">
               <a:extLst>
                 <a:ext uri="{FF2B5EF4-FFF2-40B4-BE49-F238E27FC236}">
-                  <a16:creationId xmlns:a16="http://schemas.microsoft.com/office/drawing/2014/main" id="{72C26214-C833-9E00-49DD-CD0C0031197C}"/>
+                  <a16:creationId xmlns:a16="http://schemas.microsoft.com/office/drawing/2014/main" id="{70AE5F4E-2968-ADB9-5028-799ECE716782}"/>
                 </a:ext>
               </a:extLst>
             </p:cNvPr>
@@ -7228,16 +6197,16 @@
           </p:nvSpPr>
           <p:spPr>
             <a:xfrm>
-              <a:off x="4902995" y="4427116"/>
-              <a:ext cx="1235868" cy="892968"/>
+              <a:off x="5768278" y="6091983"/>
+              <a:ext cx="642344" cy="490539"/>
             </a:xfrm>
             <a:prstGeom prst="rect">
               <a:avLst/>
             </a:prstGeom>
-            <a:solidFill>
-              <a:schemeClr val="bg1"/>
-            </a:solidFill>
-            <a:ln w="57150"/>
+            <a:noFill/>
+            <a:ln w="57150">
+              <a:noFill/>
+            </a:ln>
           </p:spPr>
           <p:style>
             <a:lnRef idx="2">
@@ -7261,23 +6230,27 @@
             <a:p>
               <a:pPr algn="ctr"/>
               <a:r>
-                <a:rPr lang="en-US" altLang="zh-CN" sz="2400" b="1" dirty="0">
+                <a:rPr lang="en-US" altLang="zh-CN" sz="2000" b="1" dirty="0">
                   <a:solidFill>
                     <a:schemeClr val="tx1"/>
                   </a:solidFill>
                 </a:rPr>
-                <a:t>Server</a:t>
+                <a:t>…</a:t>
               </a:r>
-              <a:endParaRPr lang="zh-CN" altLang="en-US" sz="2400" b="1" dirty="0"/>
+              <a:endParaRPr lang="zh-CN" altLang="en-US" sz="2000" b="1" dirty="0">
+                <a:solidFill>
+                  <a:schemeClr val="tx1"/>
+                </a:solidFill>
+              </a:endParaRPr>
             </a:p>
           </p:txBody>
         </p:sp>
         <p:sp>
           <p:nvSpPr>
-            <p:cNvPr id="26" name="Rechteck 25">
+            <p:cNvPr id="29" name="Rechteck 28">
               <a:extLst>
                 <a:ext uri="{FF2B5EF4-FFF2-40B4-BE49-F238E27FC236}">
-                  <a16:creationId xmlns:a16="http://schemas.microsoft.com/office/drawing/2014/main" id="{29E04525-1344-3B8A-EDB1-B794046702B1}"/>
+                  <a16:creationId xmlns:a16="http://schemas.microsoft.com/office/drawing/2014/main" id="{7E9AC9AB-3194-CB4B-6B60-6DE4C49B526F}"/>
                 </a:ext>
               </a:extLst>
             </p:cNvPr>
@@ -7286,15 +6259,13 @@
           </p:nvSpPr>
           <p:spPr>
             <a:xfrm>
-              <a:off x="4514850" y="6075314"/>
+              <a:off x="4588073" y="285598"/>
               <a:ext cx="1235868" cy="490539"/>
             </a:xfrm>
             <a:prstGeom prst="rect">
               <a:avLst/>
             </a:prstGeom>
-            <a:solidFill>
-              <a:schemeClr val="bg1"/>
-            </a:solidFill>
+            <a:noFill/>
             <a:ln w="57150"/>
           </p:spPr>
           <p:style>
@@ -7334,555 +6305,1628 @@
             </a:p>
           </p:txBody>
         </p:sp>
+        <p:sp>
+          <p:nvSpPr>
+            <p:cNvPr id="30" name="Rechteck 29">
+              <a:extLst>
+                <a:ext uri="{FF2B5EF4-FFF2-40B4-BE49-F238E27FC236}">
+                  <a16:creationId xmlns:a16="http://schemas.microsoft.com/office/drawing/2014/main" id="{11475EAB-6584-4CCF-1F92-0739CDC34CEE}"/>
+                </a:ext>
+              </a:extLst>
+            </p:cNvPr>
+            <p:cNvSpPr/>
+            <p:nvPr/>
+          </p:nvSpPr>
+          <p:spPr>
+            <a:xfrm>
+              <a:off x="6410622" y="283214"/>
+              <a:ext cx="1235868" cy="490539"/>
+            </a:xfrm>
+            <a:prstGeom prst="rect">
+              <a:avLst/>
+            </a:prstGeom>
+            <a:noFill/>
+            <a:ln w="57150"/>
+          </p:spPr>
+          <p:style>
+            <a:lnRef idx="2">
+              <a:schemeClr val="accent1">
+                <a:shade val="50000"/>
+              </a:schemeClr>
+            </a:lnRef>
+            <a:fillRef idx="1">
+              <a:schemeClr val="accent1"/>
+            </a:fillRef>
+            <a:effectRef idx="0">
+              <a:schemeClr val="accent1"/>
+            </a:effectRef>
+            <a:fontRef idx="minor">
+              <a:schemeClr val="lt1"/>
+            </a:fontRef>
+          </p:style>
+          <p:txBody>
+            <a:bodyPr rtlCol="0" anchor="ctr"/>
+            <a:lstStyle/>
+            <a:p>
+              <a:pPr algn="ctr"/>
+              <a:r>
+                <a:rPr lang="en-US" altLang="zh-CN" sz="2000" b="1" dirty="0">
+                  <a:solidFill>
+                    <a:schemeClr val="tx1"/>
+                  </a:solidFill>
+                </a:rPr>
+                <a:t>Client</a:t>
+              </a:r>
+              <a:endParaRPr lang="zh-CN" altLang="en-US" sz="2000" b="1" dirty="0">
+                <a:solidFill>
+                  <a:schemeClr val="tx1"/>
+                </a:solidFill>
+              </a:endParaRPr>
+            </a:p>
+          </p:txBody>
+        </p:sp>
+        <p:sp>
+          <p:nvSpPr>
+            <p:cNvPr id="31" name="Rechteck 30">
+              <a:extLst>
+                <a:ext uri="{FF2B5EF4-FFF2-40B4-BE49-F238E27FC236}">
+                  <a16:creationId xmlns:a16="http://schemas.microsoft.com/office/drawing/2014/main" id="{13377F5C-0221-2948-2169-5C2B6FE7DF14}"/>
+                </a:ext>
+              </a:extLst>
+            </p:cNvPr>
+            <p:cNvSpPr/>
+            <p:nvPr/>
+          </p:nvSpPr>
+          <p:spPr>
+            <a:xfrm>
+              <a:off x="5841501" y="302267"/>
+              <a:ext cx="642344" cy="490539"/>
+            </a:xfrm>
+            <a:prstGeom prst="rect">
+              <a:avLst/>
+            </a:prstGeom>
+            <a:noFill/>
+            <a:ln w="57150">
+              <a:noFill/>
+            </a:ln>
+          </p:spPr>
+          <p:style>
+            <a:lnRef idx="2">
+              <a:schemeClr val="accent1">
+                <a:shade val="50000"/>
+              </a:schemeClr>
+            </a:lnRef>
+            <a:fillRef idx="1">
+              <a:schemeClr val="accent1"/>
+            </a:fillRef>
+            <a:effectRef idx="0">
+              <a:schemeClr val="accent1"/>
+            </a:effectRef>
+            <a:fontRef idx="minor">
+              <a:schemeClr val="lt1"/>
+            </a:fontRef>
+          </p:style>
+          <p:txBody>
+            <a:bodyPr rtlCol="0" anchor="ctr"/>
+            <a:lstStyle/>
+            <a:p>
+              <a:pPr algn="ctr"/>
+              <a:r>
+                <a:rPr lang="en-US" altLang="zh-CN" sz="2000" b="1" dirty="0">
+                  <a:solidFill>
+                    <a:schemeClr val="tx1"/>
+                  </a:solidFill>
+                </a:rPr>
+                <a:t>…</a:t>
+              </a:r>
+              <a:endParaRPr lang="zh-CN" altLang="en-US" sz="2000" b="1" dirty="0">
+                <a:solidFill>
+                  <a:schemeClr val="tx1"/>
+                </a:solidFill>
+              </a:endParaRPr>
+            </a:p>
+          </p:txBody>
+        </p:sp>
+        <p:cxnSp>
+          <p:nvCxnSpPr>
+            <p:cNvPr id="33" name="Gerader Verbinder 32">
+              <a:extLst>
+                <a:ext uri="{FF2B5EF4-FFF2-40B4-BE49-F238E27FC236}">
+                  <a16:creationId xmlns:a16="http://schemas.microsoft.com/office/drawing/2014/main" id="{9A30A4A9-FEFD-FB81-66B1-ED9286873305}"/>
+                </a:ext>
+              </a:extLst>
+            </p:cNvPr>
+            <p:cNvCxnSpPr>
+              <a:stCxn id="4" idx="3"/>
+              <a:endCxn id="10" idx="1"/>
+            </p:cNvCxnSpPr>
+            <p:nvPr/>
+          </p:nvCxnSpPr>
+          <p:spPr>
+            <a:xfrm>
+              <a:off x="5179218" y="3428999"/>
+              <a:ext cx="1906787" cy="0"/>
+            </a:xfrm>
+            <a:prstGeom prst="line">
+              <a:avLst/>
+            </a:prstGeom>
+            <a:ln w="38100">
+              <a:solidFill>
+                <a:schemeClr val="accent1">
+                  <a:lumMod val="75000"/>
+                </a:schemeClr>
+              </a:solidFill>
+            </a:ln>
+          </p:spPr>
+          <p:style>
+            <a:lnRef idx="1">
+              <a:schemeClr val="accent1"/>
+            </a:lnRef>
+            <a:fillRef idx="0">
+              <a:schemeClr val="accent1"/>
+            </a:fillRef>
+            <a:effectRef idx="0">
+              <a:schemeClr val="accent1"/>
+            </a:effectRef>
+            <a:fontRef idx="minor">
+              <a:schemeClr val="tx1"/>
+            </a:fontRef>
+          </p:style>
+        </p:cxnSp>
+        <p:cxnSp>
+          <p:nvCxnSpPr>
+            <p:cNvPr id="34" name="Gerader Verbinder 33">
+              <a:extLst>
+                <a:ext uri="{FF2B5EF4-FFF2-40B4-BE49-F238E27FC236}">
+                  <a16:creationId xmlns:a16="http://schemas.microsoft.com/office/drawing/2014/main" id="{1D9CFC53-889C-7D8C-8FB3-261A9803571E}"/>
+                </a:ext>
+              </a:extLst>
+            </p:cNvPr>
+            <p:cNvCxnSpPr>
+              <a:cxnSpLocks/>
+              <a:stCxn id="9" idx="0"/>
+              <a:endCxn id="8" idx="2"/>
+            </p:cNvCxnSpPr>
+            <p:nvPr/>
+          </p:nvCxnSpPr>
+          <p:spPr>
+            <a:xfrm flipV="1">
+              <a:off x="6096000" y="2330276"/>
+              <a:ext cx="0" cy="2197447"/>
+            </a:xfrm>
+            <a:prstGeom prst="line">
+              <a:avLst/>
+            </a:prstGeom>
+            <a:ln w="38100">
+              <a:solidFill>
+                <a:schemeClr val="accent1">
+                  <a:lumMod val="75000"/>
+                </a:schemeClr>
+              </a:solidFill>
+            </a:ln>
+          </p:spPr>
+          <p:style>
+            <a:lnRef idx="1">
+              <a:schemeClr val="accent1"/>
+            </a:lnRef>
+            <a:fillRef idx="0">
+              <a:schemeClr val="accent1"/>
+            </a:fillRef>
+            <a:effectRef idx="0">
+              <a:schemeClr val="accent1"/>
+            </a:effectRef>
+            <a:fontRef idx="minor">
+              <a:schemeClr val="tx1"/>
+            </a:fontRef>
+          </p:style>
+        </p:cxnSp>
       </p:grpSp>
-      <p:cxnSp>
-        <p:nvCxnSpPr>
-          <p:cNvPr id="3" name="Verbinder: gekrümmt 2">
+    </p:spTree>
+    <p:extLst>
+      <p:ext uri="{BB962C8B-B14F-4D97-AF65-F5344CB8AC3E}">
+        <p14:creationId xmlns:p14="http://schemas.microsoft.com/office/powerpoint/2010/main" val="2076558699"/>
+      </p:ext>
+    </p:extLst>
+  </p:cSld>
+  <p:clrMapOvr>
+    <a:masterClrMapping/>
+  </p:clrMapOvr>
+</p:sld>
+</file>
+
+<file path=ppt/slides/slide4.xml><?xml version="1.0" encoding="utf-8"?>
+<p:sld xmlns:a="http://schemas.openxmlformats.org/drawingml/2006/main" xmlns:r="http://schemas.openxmlformats.org/officeDocument/2006/relationships" xmlns:p="http://schemas.openxmlformats.org/presentationml/2006/main">
+  <p:cSld>
+    <p:spTree>
+      <p:nvGrpSpPr>
+        <p:cNvPr id="1" name=""/>
+        <p:cNvGrpSpPr/>
+        <p:nvPr/>
+      </p:nvGrpSpPr>
+      <p:grpSpPr>
+        <a:xfrm>
+          <a:off x="0" y="0"/>
+          <a:ext cx="0" cy="0"/>
+          <a:chOff x="0" y="0"/>
+          <a:chExt cx="0" cy="0"/>
+        </a:xfrm>
+      </p:grpSpPr>
+      <p:grpSp>
+        <p:nvGrpSpPr>
+          <p:cNvPr id="2" name="Gruppieren 1">
             <a:extLst>
               <a:ext uri="{FF2B5EF4-FFF2-40B4-BE49-F238E27FC236}">
-                <a16:creationId xmlns:a16="http://schemas.microsoft.com/office/drawing/2014/main" id="{8FBAA9B9-D8FA-04A4-35A4-F9EF304D7556}"/>
+                <a16:creationId xmlns:a16="http://schemas.microsoft.com/office/drawing/2014/main" id="{E908F0EB-FD35-4479-A708-6CF5C6E3F6C1}"/>
               </a:ext>
             </a:extLst>
           </p:cNvPr>
-          <p:cNvCxnSpPr>
-            <a:cxnSpLocks/>
-            <a:stCxn id="26" idx="1"/>
-            <a:endCxn id="79" idx="1"/>
-          </p:cNvCxnSpPr>
+          <p:cNvGrpSpPr/>
           <p:nvPr/>
-        </p:nvCxnSpPr>
-        <p:spPr>
-          <a:xfrm rot="10800000">
-            <a:off x="5250656" y="3096816"/>
-            <a:ext cx="571500" cy="2891584"/>
+        </p:nvGrpSpPr>
+        <p:grpSpPr>
+          <a:xfrm>
+            <a:off x="2467402" y="874291"/>
+            <a:ext cx="7329954" cy="5359378"/>
+            <a:chOff x="2467402" y="874291"/>
+            <a:chExt cx="7329954" cy="5359378"/>
           </a:xfrm>
-          <a:prstGeom prst="curvedConnector3">
-            <a:avLst>
-              <a:gd name="adj1" fmla="val 140000"/>
-            </a:avLst>
-          </a:prstGeom>
-          <a:ln w="28575">
+        </p:grpSpPr>
+        <p:sp>
+          <p:nvSpPr>
+            <p:cNvPr id="4" name="Rechteck 3">
+              <a:extLst>
+                <a:ext uri="{FF2B5EF4-FFF2-40B4-BE49-F238E27FC236}">
+                  <a16:creationId xmlns:a16="http://schemas.microsoft.com/office/drawing/2014/main" id="{66E0AFE0-25BA-C7AE-DDDF-CB5A8FBB44C9}"/>
+                </a:ext>
+              </a:extLst>
+            </p:cNvPr>
+            <p:cNvSpPr/>
+            <p:nvPr/>
+          </p:nvSpPr>
+          <p:spPr>
+            <a:xfrm>
+              <a:off x="5250656" y="2650332"/>
+              <a:ext cx="1235868" cy="892968"/>
+            </a:xfrm>
+            <a:prstGeom prst="rect">
+              <a:avLst/>
+            </a:prstGeom>
             <a:solidFill>
-              <a:schemeClr val="accent2">
-                <a:lumMod val="75000"/>
+              <a:schemeClr val="bg1"/>
+            </a:solidFill>
+            <a:ln w="57150"/>
+          </p:spPr>
+          <p:style>
+            <a:lnRef idx="2">
+              <a:schemeClr val="accent1">
+                <a:shade val="50000"/>
               </a:schemeClr>
+            </a:lnRef>
+            <a:fillRef idx="1">
+              <a:schemeClr val="accent1"/>
+            </a:fillRef>
+            <a:effectRef idx="0">
+              <a:schemeClr val="accent1"/>
+            </a:effectRef>
+            <a:fontRef idx="minor">
+              <a:schemeClr val="lt1"/>
+            </a:fontRef>
+          </p:style>
+          <p:txBody>
+            <a:bodyPr rtlCol="0" anchor="ctr"/>
+            <a:lstStyle/>
+            <a:p>
+              <a:pPr algn="ctr"/>
+              <a:r>
+                <a:rPr lang="en-US" altLang="zh-CN" sz="2400" b="1" dirty="0">
+                  <a:solidFill>
+                    <a:schemeClr val="tx1"/>
+                  </a:solidFill>
+                </a:rPr>
+                <a:t>Server</a:t>
+              </a:r>
+              <a:endParaRPr lang="zh-CN" altLang="en-US" sz="2400" b="1" dirty="0"/>
+            </a:p>
+          </p:txBody>
+        </p:sp>
+        <p:sp>
+          <p:nvSpPr>
+            <p:cNvPr id="8" name="Rechteck 7">
+              <a:extLst>
+                <a:ext uri="{FF2B5EF4-FFF2-40B4-BE49-F238E27FC236}">
+                  <a16:creationId xmlns:a16="http://schemas.microsoft.com/office/drawing/2014/main" id="{78D4E099-7A3C-F860-175E-7358106C09B6}"/>
+                </a:ext>
+              </a:extLst>
+            </p:cNvPr>
+            <p:cNvSpPr/>
+            <p:nvPr/>
+          </p:nvSpPr>
+          <p:spPr>
+            <a:xfrm>
+              <a:off x="6785372" y="1105125"/>
+              <a:ext cx="1235868" cy="892968"/>
+            </a:xfrm>
+            <a:prstGeom prst="rect">
+              <a:avLst/>
+            </a:prstGeom>
+            <a:solidFill>
+              <a:schemeClr val="bg1"/>
             </a:solidFill>
-            <a:tailEnd type="triangle"/>
-          </a:ln>
-        </p:spPr>
-        <p:style>
-          <a:lnRef idx="1">
-            <a:schemeClr val="accent1"/>
-          </a:lnRef>
-          <a:fillRef idx="0">
-            <a:schemeClr val="accent1"/>
-          </a:fillRef>
-          <a:effectRef idx="0">
-            <a:schemeClr val="accent1"/>
-          </a:effectRef>
-          <a:fontRef idx="minor">
-            <a:schemeClr val="tx1"/>
-          </a:fontRef>
-        </p:style>
-      </p:cxnSp>
-      <p:cxnSp>
-        <p:nvCxnSpPr>
-          <p:cNvPr id="7" name="Verbinder: gekrümmt 6">
-            <a:extLst>
-              <a:ext uri="{FF2B5EF4-FFF2-40B4-BE49-F238E27FC236}">
-                <a16:creationId xmlns:a16="http://schemas.microsoft.com/office/drawing/2014/main" id="{94C9D848-AEE6-9DD0-D5FC-848D99EBB57D}"/>
-              </a:ext>
-            </a:extLst>
-          </p:cNvPr>
-          <p:cNvCxnSpPr>
-            <a:cxnSpLocks/>
-            <a:stCxn id="27" idx="0"/>
-            <a:endCxn id="79" idx="3"/>
-          </p:cNvCxnSpPr>
-          <p:nvPr/>
-        </p:nvCxnSpPr>
-        <p:spPr>
-          <a:xfrm rot="16200000" flipV="1">
-            <a:off x="6052617" y="3530723"/>
-            <a:ext cx="2643930" cy="1776115"/>
-          </a:xfrm>
-          <a:prstGeom prst="curvedConnector2">
-            <a:avLst/>
-          </a:prstGeom>
-          <a:ln w="28575">
-            <a:solidFill>
-              <a:schemeClr val="accent2">
-                <a:lumMod val="75000"/>
+            <a:ln w="57150"/>
+          </p:spPr>
+          <p:style>
+            <a:lnRef idx="2">
+              <a:schemeClr val="accent1">
+                <a:shade val="50000"/>
               </a:schemeClr>
-            </a:solidFill>
-            <a:tailEnd type="triangle"/>
-          </a:ln>
-        </p:spPr>
-        <p:style>
-          <a:lnRef idx="1">
-            <a:schemeClr val="accent1"/>
-          </a:lnRef>
-          <a:fillRef idx="0">
-            <a:schemeClr val="accent1"/>
-          </a:fillRef>
-          <a:effectRef idx="0">
-            <a:schemeClr val="accent1"/>
-          </a:effectRef>
-          <a:fontRef idx="minor">
-            <a:schemeClr val="tx1"/>
-          </a:fontRef>
-        </p:style>
-      </p:cxnSp>
-      <p:cxnSp>
-        <p:nvCxnSpPr>
-          <p:cNvPr id="12" name="Verbinder: gekrümmt 11">
-            <a:extLst>
-              <a:ext uri="{FF2B5EF4-FFF2-40B4-BE49-F238E27FC236}">
-                <a16:creationId xmlns:a16="http://schemas.microsoft.com/office/drawing/2014/main" id="{D1725F72-1D1F-24D5-7025-2662559F7712}"/>
-              </a:ext>
-            </a:extLst>
-          </p:cNvPr>
-          <p:cNvCxnSpPr>
-            <a:cxnSpLocks/>
-            <a:stCxn id="9" idx="1"/>
-            <a:endCxn id="79" idx="2"/>
-          </p:cNvCxnSpPr>
-          <p:nvPr/>
-        </p:nvCxnSpPr>
-        <p:spPr>
-          <a:xfrm rot="10800000">
-            <a:off x="5868591" y="3543300"/>
-            <a:ext cx="341711" cy="998116"/>
-          </a:xfrm>
-          <a:prstGeom prst="curvedConnector2">
-            <a:avLst/>
-          </a:prstGeom>
-          <a:ln w="28575">
-            <a:solidFill>
-              <a:schemeClr val="accent2">
-                <a:lumMod val="75000"/>
-              </a:schemeClr>
-            </a:solidFill>
-            <a:tailEnd type="triangle"/>
-          </a:ln>
-        </p:spPr>
-        <p:style>
-          <a:lnRef idx="1">
-            <a:schemeClr val="accent1"/>
-          </a:lnRef>
-          <a:fillRef idx="0">
-            <a:schemeClr val="accent1"/>
-          </a:fillRef>
-          <a:effectRef idx="0">
-            <a:schemeClr val="accent1"/>
-          </a:effectRef>
-          <a:fontRef idx="minor">
-            <a:schemeClr val="tx1"/>
-          </a:fontRef>
-        </p:style>
-      </p:cxnSp>
-      <p:cxnSp>
-        <p:nvCxnSpPr>
-          <p:cNvPr id="17" name="Verbinder: gekrümmt 16">
-            <a:extLst>
-              <a:ext uri="{FF2B5EF4-FFF2-40B4-BE49-F238E27FC236}">
-                <a16:creationId xmlns:a16="http://schemas.microsoft.com/office/drawing/2014/main" id="{6CB47300-AE5B-E388-E870-100D1C1A127D}"/>
-              </a:ext>
-            </a:extLst>
-          </p:cNvPr>
-          <p:cNvCxnSpPr>
-            <a:cxnSpLocks/>
-            <a:stCxn id="80" idx="1"/>
-            <a:endCxn id="79" idx="0"/>
-          </p:cNvCxnSpPr>
-          <p:nvPr/>
-        </p:nvCxnSpPr>
-        <p:spPr>
-          <a:xfrm rot="10800000" flipV="1">
-            <a:off x="5868590" y="1551608"/>
-            <a:ext cx="916782" cy="1098723"/>
-          </a:xfrm>
-          <a:prstGeom prst="curvedConnector2">
-            <a:avLst/>
-          </a:prstGeom>
-          <a:ln w="28575">
-            <a:solidFill>
-              <a:schemeClr val="accent2">
-                <a:lumMod val="75000"/>
-              </a:schemeClr>
-            </a:solidFill>
-            <a:tailEnd type="triangle"/>
-          </a:ln>
-        </p:spPr>
-        <p:style>
-          <a:lnRef idx="1">
-            <a:schemeClr val="accent1"/>
-          </a:lnRef>
-          <a:fillRef idx="0">
-            <a:schemeClr val="accent1"/>
-          </a:fillRef>
-          <a:effectRef idx="0">
-            <a:schemeClr val="accent1"/>
-          </a:effectRef>
-          <a:fontRef idx="minor">
-            <a:schemeClr val="tx1"/>
-          </a:fontRef>
-        </p:style>
-      </p:cxnSp>
-      <p:cxnSp>
-        <p:nvCxnSpPr>
-          <p:cNvPr id="20" name="Verbinder: gekrümmt 19">
-            <a:extLst>
-              <a:ext uri="{FF2B5EF4-FFF2-40B4-BE49-F238E27FC236}">
-                <a16:creationId xmlns:a16="http://schemas.microsoft.com/office/drawing/2014/main" id="{B852C05E-9276-2C9C-472D-B0F56172C4B8}"/>
-              </a:ext>
-            </a:extLst>
-          </p:cNvPr>
-          <p:cNvCxnSpPr>
-            <a:cxnSpLocks/>
-            <a:stCxn id="79" idx="1"/>
-            <a:endCxn id="16" idx="2"/>
-          </p:cNvCxnSpPr>
-          <p:nvPr/>
-        </p:nvCxnSpPr>
-        <p:spPr>
-          <a:xfrm rot="10800000">
-            <a:off x="3219746" y="2628900"/>
-            <a:ext cx="2030911" cy="467916"/>
-          </a:xfrm>
-          <a:prstGeom prst="curvedConnector2">
-            <a:avLst/>
-          </a:prstGeom>
-          <a:ln w="28575">
-            <a:solidFill>
-              <a:schemeClr val="accent6">
-                <a:lumMod val="75000"/>
-              </a:schemeClr>
-            </a:solidFill>
-            <a:tailEnd type="triangle"/>
-          </a:ln>
-        </p:spPr>
-        <p:style>
-          <a:lnRef idx="1">
-            <a:schemeClr val="accent1"/>
-          </a:lnRef>
-          <a:fillRef idx="0">
-            <a:schemeClr val="accent1"/>
-          </a:fillRef>
-          <a:effectRef idx="0">
-            <a:schemeClr val="accent1"/>
-          </a:effectRef>
-          <a:fontRef idx="minor">
-            <a:schemeClr val="tx1"/>
-          </a:fontRef>
-        </p:style>
-      </p:cxnSp>
-      <p:cxnSp>
-        <p:nvCxnSpPr>
-          <p:cNvPr id="23" name="Verbinder: gekrümmt 22">
-            <a:extLst>
-              <a:ext uri="{FF2B5EF4-FFF2-40B4-BE49-F238E27FC236}">
-                <a16:creationId xmlns:a16="http://schemas.microsoft.com/office/drawing/2014/main" id="{60123EF5-3B84-826B-9B37-4D6B6127618E}"/>
-              </a:ext>
-            </a:extLst>
-          </p:cNvPr>
-          <p:cNvCxnSpPr>
-            <a:cxnSpLocks/>
-            <a:stCxn id="16" idx="0"/>
-            <a:endCxn id="80" idx="0"/>
-          </p:cNvCxnSpPr>
-          <p:nvPr/>
-        </p:nvCxnSpPr>
-        <p:spPr>
-          <a:xfrm rot="5400000" flipH="1" flipV="1">
-            <a:off x="4794907" y="-470037"/>
-            <a:ext cx="1033236" cy="4183561"/>
-          </a:xfrm>
-          <a:prstGeom prst="curvedConnector3">
-            <a:avLst>
-              <a:gd name="adj1" fmla="val 130422"/>
-            </a:avLst>
-          </a:prstGeom>
-          <a:ln w="28575">
-            <a:solidFill>
-              <a:srgbClr val="7030A0"/>
-            </a:solidFill>
-            <a:tailEnd type="triangle"/>
-          </a:ln>
-        </p:spPr>
-        <p:style>
-          <a:lnRef idx="1">
-            <a:schemeClr val="accent1"/>
-          </a:lnRef>
-          <a:fillRef idx="0">
-            <a:schemeClr val="accent1"/>
-          </a:fillRef>
-          <a:effectRef idx="0">
-            <a:schemeClr val="accent1"/>
-          </a:effectRef>
-          <a:fontRef idx="minor">
-            <a:schemeClr val="tx1"/>
-          </a:fontRef>
-        </p:style>
-      </p:cxnSp>
-      <p:sp>
-        <p:nvSpPr>
-          <p:cNvPr id="29" name="Textfeld 28">
-            <a:extLst>
-              <a:ext uri="{FF2B5EF4-FFF2-40B4-BE49-F238E27FC236}">
-                <a16:creationId xmlns:a16="http://schemas.microsoft.com/office/drawing/2014/main" id="{1E3C51FD-D247-735D-FF79-78B05594841F}"/>
-              </a:ext>
-            </a:extLst>
-          </p:cNvPr>
-          <p:cNvSpPr txBox="1"/>
-          <p:nvPr/>
-        </p:nvSpPr>
-        <p:spPr>
-          <a:xfrm>
-            <a:off x="8021240" y="4149812"/>
-            <a:ext cx="1776116" cy="461665"/>
-          </a:xfrm>
-          <a:prstGeom prst="rect">
-            <a:avLst/>
-          </a:prstGeom>
-          <a:noFill/>
-        </p:spPr>
-        <p:txBody>
-          <a:bodyPr wrap="square" rtlCol="0">
-            <a:spAutoFit/>
-          </a:bodyPr>
-          <a:lstStyle/>
-          <a:p>
-            <a:pPr algn="ctr"/>
-            <a:r>
-              <a:rPr lang="en-US" altLang="zh-CN" sz="2400" b="1" dirty="0">
-                <a:solidFill>
-                  <a:schemeClr val="accent2">
-                    <a:lumMod val="75000"/>
-                  </a:schemeClr>
-                </a:solidFill>
-              </a:rPr>
-              <a:t>2. Forward</a:t>
-            </a:r>
-          </a:p>
-        </p:txBody>
-      </p:sp>
-      <p:sp>
-        <p:nvSpPr>
-          <p:cNvPr id="30" name="Textfeld 29">
-            <a:extLst>
-              <a:ext uri="{FF2B5EF4-FFF2-40B4-BE49-F238E27FC236}">
-                <a16:creationId xmlns:a16="http://schemas.microsoft.com/office/drawing/2014/main" id="{B816C256-EB56-99AF-B7A4-3CBEA20118E3}"/>
-              </a:ext>
-            </a:extLst>
-          </p:cNvPr>
-          <p:cNvSpPr txBox="1"/>
-          <p:nvPr/>
-        </p:nvSpPr>
-        <p:spPr>
-          <a:xfrm>
-            <a:off x="3271182" y="3081635"/>
-            <a:ext cx="1633575" cy="461665"/>
-          </a:xfrm>
-          <a:prstGeom prst="rect">
-            <a:avLst/>
-          </a:prstGeom>
-          <a:noFill/>
-        </p:spPr>
-        <p:txBody>
-          <a:bodyPr wrap="square" rtlCol="0">
-            <a:spAutoFit/>
-          </a:bodyPr>
-          <a:lstStyle/>
-          <a:p>
-            <a:pPr algn="ctr"/>
-            <a:r>
-              <a:rPr lang="en-US" altLang="zh-CN" sz="2400" b="1" dirty="0">
-                <a:solidFill>
-                  <a:schemeClr val="accent6">
-                    <a:lumMod val="75000"/>
-                  </a:schemeClr>
-                </a:solidFill>
-              </a:rPr>
-              <a:t>3. Assign</a:t>
-            </a:r>
-          </a:p>
-        </p:txBody>
-      </p:sp>
-      <p:sp>
-        <p:nvSpPr>
-          <p:cNvPr id="33" name="Textfeld 32">
-            <a:extLst>
-              <a:ext uri="{FF2B5EF4-FFF2-40B4-BE49-F238E27FC236}">
-                <a16:creationId xmlns:a16="http://schemas.microsoft.com/office/drawing/2014/main" id="{22484981-CB9C-3167-12C6-39DBD52F7A5B}"/>
-              </a:ext>
-            </a:extLst>
-          </p:cNvPr>
-          <p:cNvSpPr txBox="1"/>
-          <p:nvPr/>
-        </p:nvSpPr>
-        <p:spPr>
-          <a:xfrm>
-            <a:off x="4185586" y="874291"/>
-            <a:ext cx="1633575" cy="461665"/>
-          </a:xfrm>
-          <a:prstGeom prst="rect">
-            <a:avLst/>
-          </a:prstGeom>
-          <a:noFill/>
-        </p:spPr>
-        <p:txBody>
-          <a:bodyPr wrap="square" rtlCol="0">
-            <a:spAutoFit/>
-          </a:bodyPr>
-          <a:lstStyle/>
-          <a:p>
-            <a:pPr algn="ctr"/>
-            <a:r>
-              <a:rPr lang="en-US" altLang="zh-CN" sz="2400" b="1" dirty="0">
-                <a:solidFill>
-                  <a:srgbClr val="7030A0"/>
-                </a:solidFill>
-              </a:rPr>
-              <a:t>4. Join</a:t>
-            </a:r>
-          </a:p>
-        </p:txBody>
-      </p:sp>
-      <p:cxnSp>
-        <p:nvCxnSpPr>
-          <p:cNvPr id="34" name="Verbinder: gekrümmt 33">
-            <a:extLst>
-              <a:ext uri="{FF2B5EF4-FFF2-40B4-BE49-F238E27FC236}">
-                <a16:creationId xmlns:a16="http://schemas.microsoft.com/office/drawing/2014/main" id="{C13D8CFD-84FA-D08F-3E47-3A94898AC225}"/>
-              </a:ext>
-            </a:extLst>
-          </p:cNvPr>
-          <p:cNvCxnSpPr>
-            <a:cxnSpLocks/>
-            <a:stCxn id="80" idx="1"/>
-            <a:endCxn id="16" idx="3"/>
-          </p:cNvCxnSpPr>
-          <p:nvPr/>
-        </p:nvCxnSpPr>
-        <p:spPr>
-          <a:xfrm rot="10800000" flipV="1">
-            <a:off x="3837680" y="1551609"/>
-            <a:ext cx="2947693" cy="832022"/>
-          </a:xfrm>
-          <a:prstGeom prst="curvedConnector3">
-            <a:avLst>
-              <a:gd name="adj1" fmla="val 33035"/>
-            </a:avLst>
-          </a:prstGeom>
-          <a:ln w="28575">
+            </a:lnRef>
+            <a:fillRef idx="1">
+              <a:schemeClr val="accent1"/>
+            </a:fillRef>
+            <a:effectRef idx="0">
+              <a:schemeClr val="accent1"/>
+            </a:effectRef>
+            <a:fontRef idx="minor">
+              <a:schemeClr val="lt1"/>
+            </a:fontRef>
+          </p:style>
+          <p:txBody>
+            <a:bodyPr rtlCol="0" anchor="ctr"/>
+            <a:lstStyle/>
+            <a:p>
+              <a:pPr algn="ctr"/>
+              <a:r>
+                <a:rPr lang="en-US" altLang="zh-CN" sz="2400" b="1" dirty="0">
+                  <a:solidFill>
+                    <a:schemeClr val="tx1"/>
+                  </a:solidFill>
+                </a:rPr>
+                <a:t>Server</a:t>
+              </a:r>
+              <a:endParaRPr lang="zh-CN" altLang="en-US" sz="2400" b="1" dirty="0"/>
+            </a:p>
+          </p:txBody>
+        </p:sp>
+        <p:sp>
+          <p:nvSpPr>
+            <p:cNvPr id="15" name="Stern: 5 Zacken 14">
+              <a:extLst>
+                <a:ext uri="{FF2B5EF4-FFF2-40B4-BE49-F238E27FC236}">
+                  <a16:creationId xmlns:a16="http://schemas.microsoft.com/office/drawing/2014/main" id="{0A2F9FC3-0EE6-4309-3669-1449865D2038}"/>
+                </a:ext>
+              </a:extLst>
+            </p:cNvPr>
+            <p:cNvSpPr/>
+            <p:nvPr/>
+          </p:nvSpPr>
+          <p:spPr>
+            <a:xfrm>
+              <a:off x="6098679" y="2385121"/>
+              <a:ext cx="588762" cy="530422"/>
+            </a:xfrm>
+            <a:prstGeom prst="star5">
+              <a:avLst>
+                <a:gd name="adj" fmla="val 30109"/>
+                <a:gd name="hf" fmla="val 105146"/>
+                <a:gd name="vf" fmla="val 110557"/>
+              </a:avLst>
+            </a:prstGeom>
             <a:solidFill>
               <a:schemeClr val="accent4">
                 <a:lumMod val="60000"/>
                 <a:lumOff val="40000"/>
               </a:schemeClr>
             </a:solidFill>
-            <a:tailEnd type="triangle"/>
-          </a:ln>
-        </p:spPr>
-        <p:style>
-          <a:lnRef idx="1">
-            <a:schemeClr val="accent1"/>
-          </a:lnRef>
-          <a:fillRef idx="0">
-            <a:schemeClr val="accent1"/>
-          </a:fillRef>
-          <a:effectRef idx="0">
-            <a:schemeClr val="accent1"/>
-          </a:effectRef>
-          <a:fontRef idx="minor">
-            <a:schemeClr val="tx1"/>
-          </a:fontRef>
-        </p:style>
-      </p:cxnSp>
-      <p:sp>
-        <p:nvSpPr>
-          <p:cNvPr id="39" name="Textfeld 38">
-            <a:extLst>
-              <a:ext uri="{FF2B5EF4-FFF2-40B4-BE49-F238E27FC236}">
-                <a16:creationId xmlns:a16="http://schemas.microsoft.com/office/drawing/2014/main" id="{61A99687-8EE4-A135-BB7D-8A35FCAAD563}"/>
-              </a:ext>
-            </a:extLst>
-          </p:cNvPr>
-          <p:cNvSpPr txBox="1"/>
-          <p:nvPr/>
-        </p:nvSpPr>
-        <p:spPr>
-          <a:xfrm>
-            <a:off x="3947143" y="1731467"/>
-            <a:ext cx="1633575" cy="461665"/>
-          </a:xfrm>
-          <a:prstGeom prst="rect">
-            <a:avLst/>
-          </a:prstGeom>
-          <a:noFill/>
-        </p:spPr>
-        <p:txBody>
-          <a:bodyPr wrap="square" rtlCol="0">
-            <a:spAutoFit/>
-          </a:bodyPr>
-          <a:lstStyle/>
-          <a:p>
-            <a:pPr algn="ctr"/>
-            <a:r>
-              <a:rPr lang="en-US" altLang="zh-CN" sz="2400" b="1" dirty="0">
+            <a:ln w="28575">
+              <a:solidFill>
+                <a:schemeClr val="accent2">
+                  <a:lumMod val="75000"/>
+                </a:schemeClr>
+              </a:solidFill>
+            </a:ln>
+          </p:spPr>
+          <p:style>
+            <a:lnRef idx="2">
+              <a:schemeClr val="accent1">
+                <a:shade val="50000"/>
+              </a:schemeClr>
+            </a:lnRef>
+            <a:fillRef idx="1">
+              <a:schemeClr val="accent1"/>
+            </a:fillRef>
+            <a:effectRef idx="0">
+              <a:schemeClr val="accent1"/>
+            </a:effectRef>
+            <a:fontRef idx="minor">
+              <a:schemeClr val="lt1"/>
+            </a:fontRef>
+          </p:style>
+          <p:txBody>
+            <a:bodyPr rtlCol="0" anchor="ctr"/>
+            <a:lstStyle/>
+            <a:p>
+              <a:pPr algn="ctr"/>
+              <a:endParaRPr lang="zh-CN" altLang="en-US"/>
+            </a:p>
+          </p:txBody>
+        </p:sp>
+        <p:cxnSp>
+          <p:nvCxnSpPr>
+            <p:cNvPr id="5" name="Gerader Verbinder 4">
+              <a:extLst>
+                <a:ext uri="{FF2B5EF4-FFF2-40B4-BE49-F238E27FC236}">
+                  <a16:creationId xmlns:a16="http://schemas.microsoft.com/office/drawing/2014/main" id="{64C1C543-0A68-EF28-F6FF-031C12048930}"/>
+                </a:ext>
+              </a:extLst>
+            </p:cNvPr>
+            <p:cNvCxnSpPr>
+              <a:cxnSpLocks/>
+              <a:stCxn id="8" idx="2"/>
+              <a:endCxn id="4" idx="3"/>
+            </p:cNvCxnSpPr>
+            <p:nvPr/>
+          </p:nvCxnSpPr>
+          <p:spPr>
+            <a:xfrm flipH="1">
+              <a:off x="6486524" y="1998093"/>
+              <a:ext cx="916782" cy="1098723"/>
+            </a:xfrm>
+            <a:prstGeom prst="line">
+              <a:avLst/>
+            </a:prstGeom>
+            <a:ln w="38100">
+              <a:solidFill>
+                <a:schemeClr val="accent1">
+                  <a:lumMod val="75000"/>
+                </a:schemeClr>
+              </a:solidFill>
+            </a:ln>
+          </p:spPr>
+          <p:style>
+            <a:lnRef idx="1">
+              <a:schemeClr val="accent1"/>
+            </a:lnRef>
+            <a:fillRef idx="0">
+              <a:schemeClr val="accent1"/>
+            </a:fillRef>
+            <a:effectRef idx="0">
+              <a:schemeClr val="accent1"/>
+            </a:effectRef>
+            <a:fontRef idx="minor">
+              <a:schemeClr val="tx1"/>
+            </a:fontRef>
+          </p:style>
+        </p:cxnSp>
+        <p:cxnSp>
+          <p:nvCxnSpPr>
+            <p:cNvPr id="32" name="Gerader Verbinder 31">
+              <a:extLst>
+                <a:ext uri="{FF2B5EF4-FFF2-40B4-BE49-F238E27FC236}">
+                  <a16:creationId xmlns:a16="http://schemas.microsoft.com/office/drawing/2014/main" id="{36037DF4-A8FE-DA28-90DC-B2DACAEA89C8}"/>
+                </a:ext>
+              </a:extLst>
+            </p:cNvPr>
+            <p:cNvCxnSpPr>
+              <a:cxnSpLocks/>
+              <a:stCxn id="9" idx="2"/>
+              <a:endCxn id="27" idx="0"/>
+            </p:cNvCxnSpPr>
+            <p:nvPr/>
+          </p:nvCxnSpPr>
+          <p:spPr>
+            <a:xfrm>
+              <a:off x="6828235" y="4987900"/>
+              <a:ext cx="1434404" cy="752846"/>
+            </a:xfrm>
+            <a:prstGeom prst="line">
+              <a:avLst/>
+            </a:prstGeom>
+            <a:ln w="38100">
+              <a:solidFill>
+                <a:schemeClr val="accent1">
+                  <a:lumMod val="75000"/>
+                </a:schemeClr>
+              </a:solidFill>
+            </a:ln>
+          </p:spPr>
+          <p:style>
+            <a:lnRef idx="1">
+              <a:schemeClr val="accent1"/>
+            </a:lnRef>
+            <a:fillRef idx="0">
+              <a:schemeClr val="accent1"/>
+            </a:fillRef>
+            <a:effectRef idx="0">
+              <a:schemeClr val="accent1"/>
+            </a:effectRef>
+            <a:fontRef idx="minor">
+              <a:schemeClr val="tx1"/>
+            </a:fontRef>
+          </p:style>
+        </p:cxnSp>
+        <p:cxnSp>
+          <p:nvCxnSpPr>
+            <p:cNvPr id="37" name="Gerader Verbinder 36">
+              <a:extLst>
+                <a:ext uri="{FF2B5EF4-FFF2-40B4-BE49-F238E27FC236}">
+                  <a16:creationId xmlns:a16="http://schemas.microsoft.com/office/drawing/2014/main" id="{1EF1A1B2-2FD3-55FE-052C-044A5C613A5E}"/>
+                </a:ext>
+              </a:extLst>
+            </p:cNvPr>
+            <p:cNvCxnSpPr>
+              <a:cxnSpLocks/>
+              <a:stCxn id="26" idx="0"/>
+              <a:endCxn id="9" idx="2"/>
+            </p:cNvCxnSpPr>
+            <p:nvPr/>
+          </p:nvCxnSpPr>
+          <p:spPr>
+            <a:xfrm flipV="1">
+              <a:off x="6440090" y="4987900"/>
+              <a:ext cx="388145" cy="755230"/>
+            </a:xfrm>
+            <a:prstGeom prst="line">
+              <a:avLst/>
+            </a:prstGeom>
+            <a:ln w="38100">
+              <a:solidFill>
+                <a:schemeClr val="accent1">
+                  <a:lumMod val="75000"/>
+                </a:schemeClr>
+              </a:solidFill>
+            </a:ln>
+          </p:spPr>
+          <p:style>
+            <a:lnRef idx="1">
+              <a:schemeClr val="accent1"/>
+            </a:lnRef>
+            <a:fillRef idx="0">
+              <a:schemeClr val="accent1"/>
+            </a:fillRef>
+            <a:effectRef idx="0">
+              <a:schemeClr val="accent1"/>
+            </a:effectRef>
+            <a:fontRef idx="minor">
+              <a:schemeClr val="tx1"/>
+            </a:fontRef>
+          </p:style>
+        </p:cxnSp>
+        <p:cxnSp>
+          <p:nvCxnSpPr>
+            <p:cNvPr id="40" name="Gerader Verbinder 39">
+              <a:extLst>
+                <a:ext uri="{FF2B5EF4-FFF2-40B4-BE49-F238E27FC236}">
+                  <a16:creationId xmlns:a16="http://schemas.microsoft.com/office/drawing/2014/main" id="{649EBBF3-0FF1-C0E2-DB67-B659F4FE79AC}"/>
+                </a:ext>
+              </a:extLst>
+            </p:cNvPr>
+            <p:cNvCxnSpPr>
+              <a:cxnSpLocks/>
+              <a:stCxn id="4" idx="3"/>
+              <a:endCxn id="9" idx="0"/>
+            </p:cNvCxnSpPr>
+            <p:nvPr/>
+          </p:nvCxnSpPr>
+          <p:spPr>
+            <a:xfrm>
+              <a:off x="6486524" y="3096816"/>
+              <a:ext cx="341711" cy="998116"/>
+            </a:xfrm>
+            <a:prstGeom prst="line">
+              <a:avLst/>
+            </a:prstGeom>
+            <a:ln w="38100">
+              <a:solidFill>
+                <a:schemeClr val="accent1">
+                  <a:lumMod val="75000"/>
+                </a:schemeClr>
+              </a:solidFill>
+            </a:ln>
+          </p:spPr>
+          <p:style>
+            <a:lnRef idx="1">
+              <a:schemeClr val="accent1"/>
+            </a:lnRef>
+            <a:fillRef idx="0">
+              <a:schemeClr val="accent1"/>
+            </a:fillRef>
+            <a:effectRef idx="0">
+              <a:schemeClr val="accent1"/>
+            </a:effectRef>
+            <a:fontRef idx="minor">
+              <a:schemeClr val="tx1"/>
+            </a:fontRef>
+          </p:style>
+        </p:cxnSp>
+        <p:grpSp>
+          <p:nvGrpSpPr>
+            <p:cNvPr id="175" name="Gruppieren 174">
+              <a:extLst>
+                <a:ext uri="{FF2B5EF4-FFF2-40B4-BE49-F238E27FC236}">
+                  <a16:creationId xmlns:a16="http://schemas.microsoft.com/office/drawing/2014/main" id="{EA1C22E8-BA92-4EF3-4A5C-1AE923FC91E9}"/>
+                </a:ext>
+              </a:extLst>
+            </p:cNvPr>
+            <p:cNvGrpSpPr/>
+            <p:nvPr/>
+          </p:nvGrpSpPr>
+          <p:grpSpPr>
+            <a:xfrm>
+              <a:off x="2601811" y="1105125"/>
+              <a:ext cx="6278762" cy="5128544"/>
+              <a:chOff x="1294505" y="1437309"/>
+              <a:chExt cx="6278762" cy="5128544"/>
+            </a:xfrm>
+          </p:grpSpPr>
+          <p:sp>
+            <p:nvSpPr>
+              <p:cNvPr id="16" name="Rechteck 15">
+                <a:extLst>
+                  <a:ext uri="{FF2B5EF4-FFF2-40B4-BE49-F238E27FC236}">
+                    <a16:creationId xmlns:a16="http://schemas.microsoft.com/office/drawing/2014/main" id="{3BE8418B-FA52-3101-22F2-9DB9EB0EBDFA}"/>
+                  </a:ext>
+                </a:extLst>
+              </p:cNvPr>
+              <p:cNvSpPr/>
+              <p:nvPr/>
+            </p:nvSpPr>
+            <p:spPr>
+              <a:xfrm>
+                <a:off x="1294505" y="2470545"/>
+                <a:ext cx="1235868" cy="490539"/>
+              </a:xfrm>
+              <a:prstGeom prst="rect">
+                <a:avLst/>
+              </a:prstGeom>
+              <a:noFill/>
+              <a:ln w="57150"/>
+            </p:spPr>
+            <p:style>
+              <a:lnRef idx="2">
+                <a:schemeClr val="accent1">
+                  <a:shade val="50000"/>
+                </a:schemeClr>
+              </a:lnRef>
+              <a:fillRef idx="1">
+                <a:schemeClr val="accent1"/>
+              </a:fillRef>
+              <a:effectRef idx="0">
+                <a:schemeClr val="accent1"/>
+              </a:effectRef>
+              <a:fontRef idx="minor">
+                <a:schemeClr val="lt1"/>
+              </a:fontRef>
+            </p:style>
+            <p:txBody>
+              <a:bodyPr rtlCol="0" anchor="ctr"/>
+              <a:lstStyle/>
+              <a:p>
+                <a:pPr algn="ctr"/>
+                <a:r>
+                  <a:rPr lang="en-US" altLang="zh-CN" sz="2000" b="1" dirty="0">
+                    <a:solidFill>
+                      <a:schemeClr val="tx1"/>
+                    </a:solidFill>
+                  </a:rPr>
+                  <a:t>Client</a:t>
+                </a:r>
+                <a:endParaRPr lang="zh-CN" altLang="en-US" sz="2000" b="1" dirty="0">
+                  <a:solidFill>
+                    <a:schemeClr val="tx1"/>
+                  </a:solidFill>
+                </a:endParaRPr>
+              </a:p>
+            </p:txBody>
+          </p:sp>
+          <p:sp>
+            <p:nvSpPr>
+              <p:cNvPr id="79" name="Rechteck 78">
+                <a:extLst>
+                  <a:ext uri="{FF2B5EF4-FFF2-40B4-BE49-F238E27FC236}">
+                    <a16:creationId xmlns:a16="http://schemas.microsoft.com/office/drawing/2014/main" id="{2070E8A9-65BC-C2ED-BF93-D33E2C531D84}"/>
+                  </a:ext>
+                </a:extLst>
+              </p:cNvPr>
+              <p:cNvSpPr/>
+              <p:nvPr/>
+            </p:nvSpPr>
+            <p:spPr>
+              <a:xfrm>
+                <a:off x="3943350" y="2982516"/>
+                <a:ext cx="1235868" cy="892968"/>
+              </a:xfrm>
+              <a:prstGeom prst="rect">
+                <a:avLst/>
+              </a:prstGeom>
+              <a:solidFill>
+                <a:schemeClr val="bg1"/>
+              </a:solidFill>
+              <a:ln w="57150"/>
+            </p:spPr>
+            <p:style>
+              <a:lnRef idx="2">
+                <a:schemeClr val="accent1">
+                  <a:shade val="50000"/>
+                </a:schemeClr>
+              </a:lnRef>
+              <a:fillRef idx="1">
+                <a:schemeClr val="accent1"/>
+              </a:fillRef>
+              <a:effectRef idx="0">
+                <a:schemeClr val="accent1"/>
+              </a:effectRef>
+              <a:fontRef idx="minor">
+                <a:schemeClr val="lt1"/>
+              </a:fontRef>
+            </p:style>
+            <p:txBody>
+              <a:bodyPr rtlCol="0" anchor="ctr"/>
+              <a:lstStyle/>
+              <a:p>
+                <a:pPr algn="ctr"/>
+                <a:r>
+                  <a:rPr lang="en-US" altLang="zh-CN" sz="2400" b="1" dirty="0">
+                    <a:solidFill>
+                      <a:schemeClr val="tx1"/>
+                    </a:solidFill>
+                  </a:rPr>
+                  <a:t>Server</a:t>
+                </a:r>
+                <a:endParaRPr lang="zh-CN" altLang="en-US" sz="2400" b="1" dirty="0"/>
+              </a:p>
+            </p:txBody>
+          </p:sp>
+          <p:sp>
+            <p:nvSpPr>
+              <p:cNvPr id="80" name="Rechteck 79">
+                <a:extLst>
+                  <a:ext uri="{FF2B5EF4-FFF2-40B4-BE49-F238E27FC236}">
+                    <a16:creationId xmlns:a16="http://schemas.microsoft.com/office/drawing/2014/main" id="{712EEC66-3DA1-8482-A417-AD60DBE43B9C}"/>
+                  </a:ext>
+                </a:extLst>
+              </p:cNvPr>
+              <p:cNvSpPr/>
+              <p:nvPr/>
+            </p:nvSpPr>
+            <p:spPr>
+              <a:xfrm>
+                <a:off x="5478066" y="1437309"/>
+                <a:ext cx="1235868" cy="892968"/>
+              </a:xfrm>
+              <a:prstGeom prst="rect">
+                <a:avLst/>
+              </a:prstGeom>
+              <a:solidFill>
+                <a:schemeClr val="bg1"/>
+              </a:solidFill>
+              <a:ln w="57150"/>
+            </p:spPr>
+            <p:style>
+              <a:lnRef idx="2">
+                <a:schemeClr val="accent1">
+                  <a:shade val="50000"/>
+                </a:schemeClr>
+              </a:lnRef>
+              <a:fillRef idx="1">
+                <a:schemeClr val="accent1"/>
+              </a:fillRef>
+              <a:effectRef idx="0">
+                <a:schemeClr val="accent1"/>
+              </a:effectRef>
+              <a:fontRef idx="minor">
+                <a:schemeClr val="lt1"/>
+              </a:fontRef>
+            </p:style>
+            <p:txBody>
+              <a:bodyPr rtlCol="0" anchor="ctr"/>
+              <a:lstStyle/>
+              <a:p>
+                <a:pPr algn="ctr"/>
+                <a:r>
+                  <a:rPr lang="en-US" altLang="zh-CN" sz="2400" b="1" dirty="0">
+                    <a:solidFill>
+                      <a:schemeClr val="tx1"/>
+                    </a:solidFill>
+                  </a:rPr>
+                  <a:t>Server</a:t>
+                </a:r>
+                <a:endParaRPr lang="zh-CN" altLang="en-US" sz="2400" b="1" dirty="0"/>
+              </a:p>
+            </p:txBody>
+          </p:sp>
+          <p:sp>
+            <p:nvSpPr>
+              <p:cNvPr id="81" name="Stern: 5 Zacken 80">
+                <a:extLst>
+                  <a:ext uri="{FF2B5EF4-FFF2-40B4-BE49-F238E27FC236}">
+                    <a16:creationId xmlns:a16="http://schemas.microsoft.com/office/drawing/2014/main" id="{4DA53FAB-E7F5-B8C9-BBC4-46F3619841DA}"/>
+                  </a:ext>
+                </a:extLst>
+              </p:cNvPr>
+              <p:cNvSpPr/>
+              <p:nvPr/>
+            </p:nvSpPr>
+            <p:spPr>
+              <a:xfrm>
+                <a:off x="4791373" y="2717305"/>
+                <a:ext cx="588762" cy="530422"/>
+              </a:xfrm>
+              <a:prstGeom prst="star5">
+                <a:avLst>
+                  <a:gd name="adj" fmla="val 30109"/>
+                  <a:gd name="hf" fmla="val 105146"/>
+                  <a:gd name="vf" fmla="val 110557"/>
+                </a:avLst>
+              </a:prstGeom>
+              <a:solidFill>
+                <a:schemeClr val="accent4">
+                  <a:lumMod val="60000"/>
+                  <a:lumOff val="40000"/>
+                </a:schemeClr>
+              </a:solidFill>
+              <a:ln w="28575">
                 <a:solidFill>
-                  <a:schemeClr val="accent4">
-                    <a:lumMod val="60000"/>
-                    <a:lumOff val="40000"/>
+                  <a:schemeClr val="accent2">
+                    <a:lumMod val="75000"/>
                   </a:schemeClr>
                 </a:solidFill>
-              </a:rPr>
-              <a:t>5. Accept</a:t>
-            </a:r>
-          </a:p>
-        </p:txBody>
-      </p:sp>
-      <p:sp>
-        <p:nvSpPr>
-          <p:cNvPr id="43" name="Textfeld 42">
-            <a:extLst>
-              <a:ext uri="{FF2B5EF4-FFF2-40B4-BE49-F238E27FC236}">
-                <a16:creationId xmlns:a16="http://schemas.microsoft.com/office/drawing/2014/main" id="{10F0B0D5-5496-3586-43B1-C91CB87C981B}"/>
-              </a:ext>
-            </a:extLst>
-          </p:cNvPr>
-          <p:cNvSpPr txBox="1"/>
-          <p:nvPr/>
-        </p:nvSpPr>
-        <p:spPr>
-          <a:xfrm>
-            <a:off x="2467402" y="5750642"/>
-            <a:ext cx="1921407" cy="461665"/>
-          </a:xfrm>
-          <a:prstGeom prst="rect">
-            <a:avLst/>
-          </a:prstGeom>
-          <a:noFill/>
-        </p:spPr>
-        <p:txBody>
-          <a:bodyPr wrap="square" rtlCol="0">
-            <a:spAutoFit/>
-          </a:bodyPr>
-          <a:lstStyle/>
-          <a:p>
-            <a:pPr algn="ctr"/>
-            <a:r>
-              <a:rPr lang="en-US" altLang="zh-CN" sz="2400" b="1" dirty="0">
-                <a:solidFill>
-                  <a:srgbClr val="FF0000"/>
-                </a:solidFill>
-              </a:rPr>
-              <a:t>1. Discovery</a:t>
-            </a:r>
-          </a:p>
-        </p:txBody>
-      </p:sp>
+              </a:ln>
+            </p:spPr>
+            <p:style>
+              <a:lnRef idx="2">
+                <a:schemeClr val="accent1">
+                  <a:shade val="50000"/>
+                </a:schemeClr>
+              </a:lnRef>
+              <a:fillRef idx="1">
+                <a:schemeClr val="accent1"/>
+              </a:fillRef>
+              <a:effectRef idx="0">
+                <a:schemeClr val="accent1"/>
+              </a:effectRef>
+              <a:fontRef idx="minor">
+                <a:schemeClr val="lt1"/>
+              </a:fontRef>
+            </p:style>
+            <p:txBody>
+              <a:bodyPr rtlCol="0" anchor="ctr"/>
+              <a:lstStyle/>
+              <a:p>
+                <a:pPr algn="ctr"/>
+                <a:endParaRPr lang="zh-CN" altLang="en-US" dirty="0"/>
+              </a:p>
+            </p:txBody>
+          </p:sp>
+          <p:sp>
+            <p:nvSpPr>
+              <p:cNvPr id="27" name="Rechteck 26">
+                <a:extLst>
+                  <a:ext uri="{FF2B5EF4-FFF2-40B4-BE49-F238E27FC236}">
+                    <a16:creationId xmlns:a16="http://schemas.microsoft.com/office/drawing/2014/main" id="{DB3E222B-413C-49EC-B46D-3901F802482D}"/>
+                  </a:ext>
+                </a:extLst>
+              </p:cNvPr>
+              <p:cNvSpPr/>
+              <p:nvPr/>
+            </p:nvSpPr>
+            <p:spPr>
+              <a:xfrm>
+                <a:off x="6337399" y="6072930"/>
+                <a:ext cx="1235868" cy="490539"/>
+              </a:xfrm>
+              <a:prstGeom prst="rect">
+                <a:avLst/>
+              </a:prstGeom>
+              <a:noFill/>
+              <a:ln w="57150"/>
+            </p:spPr>
+            <p:style>
+              <a:lnRef idx="2">
+                <a:schemeClr val="accent1">
+                  <a:shade val="50000"/>
+                </a:schemeClr>
+              </a:lnRef>
+              <a:fillRef idx="1">
+                <a:schemeClr val="accent1"/>
+              </a:fillRef>
+              <a:effectRef idx="0">
+                <a:schemeClr val="accent1"/>
+              </a:effectRef>
+              <a:fontRef idx="minor">
+                <a:schemeClr val="lt1"/>
+              </a:fontRef>
+            </p:style>
+            <p:txBody>
+              <a:bodyPr rtlCol="0" anchor="ctr"/>
+              <a:lstStyle/>
+              <a:p>
+                <a:pPr algn="ctr"/>
+                <a:r>
+                  <a:rPr lang="en-US" altLang="zh-CN" sz="2000" b="1" dirty="0">
+                    <a:solidFill>
+                      <a:schemeClr val="tx1"/>
+                    </a:solidFill>
+                  </a:rPr>
+                  <a:t>Client</a:t>
+                </a:r>
+                <a:endParaRPr lang="zh-CN" altLang="en-US" sz="2000" b="1" dirty="0">
+                  <a:solidFill>
+                    <a:schemeClr val="tx1"/>
+                  </a:solidFill>
+                </a:endParaRPr>
+              </a:p>
+            </p:txBody>
+          </p:sp>
+          <p:sp>
+            <p:nvSpPr>
+              <p:cNvPr id="9" name="Rechteck 8">
+                <a:extLst>
+                  <a:ext uri="{FF2B5EF4-FFF2-40B4-BE49-F238E27FC236}">
+                    <a16:creationId xmlns:a16="http://schemas.microsoft.com/office/drawing/2014/main" id="{72C26214-C833-9E00-49DD-CD0C0031197C}"/>
+                  </a:ext>
+                </a:extLst>
+              </p:cNvPr>
+              <p:cNvSpPr/>
+              <p:nvPr/>
+            </p:nvSpPr>
+            <p:spPr>
+              <a:xfrm>
+                <a:off x="4902995" y="4427116"/>
+                <a:ext cx="1235868" cy="892968"/>
+              </a:xfrm>
+              <a:prstGeom prst="rect">
+                <a:avLst/>
+              </a:prstGeom>
+              <a:solidFill>
+                <a:schemeClr val="bg1"/>
+              </a:solidFill>
+              <a:ln w="57150"/>
+            </p:spPr>
+            <p:style>
+              <a:lnRef idx="2">
+                <a:schemeClr val="accent1">
+                  <a:shade val="50000"/>
+                </a:schemeClr>
+              </a:lnRef>
+              <a:fillRef idx="1">
+                <a:schemeClr val="accent1"/>
+              </a:fillRef>
+              <a:effectRef idx="0">
+                <a:schemeClr val="accent1"/>
+              </a:effectRef>
+              <a:fontRef idx="minor">
+                <a:schemeClr val="lt1"/>
+              </a:fontRef>
+            </p:style>
+            <p:txBody>
+              <a:bodyPr rtlCol="0" anchor="ctr"/>
+              <a:lstStyle/>
+              <a:p>
+                <a:pPr algn="ctr"/>
+                <a:r>
+                  <a:rPr lang="en-US" altLang="zh-CN" sz="2400" b="1" dirty="0">
+                    <a:solidFill>
+                      <a:schemeClr val="tx1"/>
+                    </a:solidFill>
+                  </a:rPr>
+                  <a:t>Server</a:t>
+                </a:r>
+                <a:endParaRPr lang="zh-CN" altLang="en-US" sz="2400" b="1" dirty="0"/>
+              </a:p>
+            </p:txBody>
+          </p:sp>
+          <p:sp>
+            <p:nvSpPr>
+              <p:cNvPr id="26" name="Rechteck 25">
+                <a:extLst>
+                  <a:ext uri="{FF2B5EF4-FFF2-40B4-BE49-F238E27FC236}">
+                    <a16:creationId xmlns:a16="http://schemas.microsoft.com/office/drawing/2014/main" id="{29E04525-1344-3B8A-EDB1-B794046702B1}"/>
+                  </a:ext>
+                </a:extLst>
+              </p:cNvPr>
+              <p:cNvSpPr/>
+              <p:nvPr/>
+            </p:nvSpPr>
+            <p:spPr>
+              <a:xfrm>
+                <a:off x="4514850" y="6075314"/>
+                <a:ext cx="1235868" cy="490539"/>
+              </a:xfrm>
+              <a:prstGeom prst="rect">
+                <a:avLst/>
+              </a:prstGeom>
+              <a:solidFill>
+                <a:schemeClr val="bg1"/>
+              </a:solidFill>
+              <a:ln w="57150"/>
+            </p:spPr>
+            <p:style>
+              <a:lnRef idx="2">
+                <a:schemeClr val="accent1">
+                  <a:shade val="50000"/>
+                </a:schemeClr>
+              </a:lnRef>
+              <a:fillRef idx="1">
+                <a:schemeClr val="accent1"/>
+              </a:fillRef>
+              <a:effectRef idx="0">
+                <a:schemeClr val="accent1"/>
+              </a:effectRef>
+              <a:fontRef idx="minor">
+                <a:schemeClr val="lt1"/>
+              </a:fontRef>
+            </p:style>
+            <p:txBody>
+              <a:bodyPr rtlCol="0" anchor="ctr"/>
+              <a:lstStyle/>
+              <a:p>
+                <a:pPr algn="ctr"/>
+                <a:r>
+                  <a:rPr lang="en-US" altLang="zh-CN" sz="2000" b="1" dirty="0">
+                    <a:solidFill>
+                      <a:schemeClr val="tx1"/>
+                    </a:solidFill>
+                  </a:rPr>
+                  <a:t>Client</a:t>
+                </a:r>
+                <a:endParaRPr lang="zh-CN" altLang="en-US" sz="2000" b="1" dirty="0">
+                  <a:solidFill>
+                    <a:schemeClr val="tx1"/>
+                  </a:solidFill>
+                </a:endParaRPr>
+              </a:p>
+            </p:txBody>
+          </p:sp>
+        </p:grpSp>
+        <p:cxnSp>
+          <p:nvCxnSpPr>
+            <p:cNvPr id="3" name="Verbinder: gekrümmt 2">
+              <a:extLst>
+                <a:ext uri="{FF2B5EF4-FFF2-40B4-BE49-F238E27FC236}">
+                  <a16:creationId xmlns:a16="http://schemas.microsoft.com/office/drawing/2014/main" id="{8FBAA9B9-D8FA-04A4-35A4-F9EF304D7556}"/>
+                </a:ext>
+              </a:extLst>
+            </p:cNvPr>
+            <p:cNvCxnSpPr>
+              <a:cxnSpLocks/>
+              <a:stCxn id="26" idx="1"/>
+              <a:endCxn id="79" idx="1"/>
+            </p:cNvCxnSpPr>
+            <p:nvPr/>
+          </p:nvCxnSpPr>
+          <p:spPr>
+            <a:xfrm rot="10800000">
+              <a:off x="5250656" y="3096816"/>
+              <a:ext cx="571500" cy="2891584"/>
+            </a:xfrm>
+            <a:prstGeom prst="curvedConnector3">
+              <a:avLst>
+                <a:gd name="adj1" fmla="val 140000"/>
+              </a:avLst>
+            </a:prstGeom>
+            <a:ln w="28575">
+              <a:solidFill>
+                <a:schemeClr val="accent2">
+                  <a:lumMod val="75000"/>
+                </a:schemeClr>
+              </a:solidFill>
+              <a:tailEnd type="triangle"/>
+            </a:ln>
+          </p:spPr>
+          <p:style>
+            <a:lnRef idx="1">
+              <a:schemeClr val="accent1"/>
+            </a:lnRef>
+            <a:fillRef idx="0">
+              <a:schemeClr val="accent1"/>
+            </a:fillRef>
+            <a:effectRef idx="0">
+              <a:schemeClr val="accent1"/>
+            </a:effectRef>
+            <a:fontRef idx="minor">
+              <a:schemeClr val="tx1"/>
+            </a:fontRef>
+          </p:style>
+        </p:cxnSp>
+        <p:cxnSp>
+          <p:nvCxnSpPr>
+            <p:cNvPr id="7" name="Verbinder: gekrümmt 6">
+              <a:extLst>
+                <a:ext uri="{FF2B5EF4-FFF2-40B4-BE49-F238E27FC236}">
+                  <a16:creationId xmlns:a16="http://schemas.microsoft.com/office/drawing/2014/main" id="{94C9D848-AEE6-9DD0-D5FC-848D99EBB57D}"/>
+                </a:ext>
+              </a:extLst>
+            </p:cNvPr>
+            <p:cNvCxnSpPr>
+              <a:cxnSpLocks/>
+              <a:stCxn id="27" idx="0"/>
+              <a:endCxn id="79" idx="3"/>
+            </p:cNvCxnSpPr>
+            <p:nvPr/>
+          </p:nvCxnSpPr>
+          <p:spPr>
+            <a:xfrm rot="16200000" flipV="1">
+              <a:off x="6052617" y="3530723"/>
+              <a:ext cx="2643930" cy="1776115"/>
+            </a:xfrm>
+            <a:prstGeom prst="curvedConnector2">
+              <a:avLst/>
+            </a:prstGeom>
+            <a:ln w="28575">
+              <a:solidFill>
+                <a:schemeClr val="accent2">
+                  <a:lumMod val="75000"/>
+                </a:schemeClr>
+              </a:solidFill>
+              <a:tailEnd type="triangle"/>
+            </a:ln>
+          </p:spPr>
+          <p:style>
+            <a:lnRef idx="1">
+              <a:schemeClr val="accent1"/>
+            </a:lnRef>
+            <a:fillRef idx="0">
+              <a:schemeClr val="accent1"/>
+            </a:fillRef>
+            <a:effectRef idx="0">
+              <a:schemeClr val="accent1"/>
+            </a:effectRef>
+            <a:fontRef idx="minor">
+              <a:schemeClr val="tx1"/>
+            </a:fontRef>
+          </p:style>
+        </p:cxnSp>
+        <p:cxnSp>
+          <p:nvCxnSpPr>
+            <p:cNvPr id="12" name="Verbinder: gekrümmt 11">
+              <a:extLst>
+                <a:ext uri="{FF2B5EF4-FFF2-40B4-BE49-F238E27FC236}">
+                  <a16:creationId xmlns:a16="http://schemas.microsoft.com/office/drawing/2014/main" id="{D1725F72-1D1F-24D5-7025-2662559F7712}"/>
+                </a:ext>
+              </a:extLst>
+            </p:cNvPr>
+            <p:cNvCxnSpPr>
+              <a:cxnSpLocks/>
+              <a:stCxn id="9" idx="1"/>
+              <a:endCxn id="79" idx="2"/>
+            </p:cNvCxnSpPr>
+            <p:nvPr/>
+          </p:nvCxnSpPr>
+          <p:spPr>
+            <a:xfrm rot="10800000">
+              <a:off x="5868591" y="3543300"/>
+              <a:ext cx="341711" cy="998116"/>
+            </a:xfrm>
+            <a:prstGeom prst="curvedConnector2">
+              <a:avLst/>
+            </a:prstGeom>
+            <a:ln w="28575">
+              <a:solidFill>
+                <a:schemeClr val="accent2">
+                  <a:lumMod val="75000"/>
+                </a:schemeClr>
+              </a:solidFill>
+              <a:tailEnd type="triangle"/>
+            </a:ln>
+          </p:spPr>
+          <p:style>
+            <a:lnRef idx="1">
+              <a:schemeClr val="accent1"/>
+            </a:lnRef>
+            <a:fillRef idx="0">
+              <a:schemeClr val="accent1"/>
+            </a:fillRef>
+            <a:effectRef idx="0">
+              <a:schemeClr val="accent1"/>
+            </a:effectRef>
+            <a:fontRef idx="minor">
+              <a:schemeClr val="tx1"/>
+            </a:fontRef>
+          </p:style>
+        </p:cxnSp>
+        <p:cxnSp>
+          <p:nvCxnSpPr>
+            <p:cNvPr id="17" name="Verbinder: gekrümmt 16">
+              <a:extLst>
+                <a:ext uri="{FF2B5EF4-FFF2-40B4-BE49-F238E27FC236}">
+                  <a16:creationId xmlns:a16="http://schemas.microsoft.com/office/drawing/2014/main" id="{6CB47300-AE5B-E388-E870-100D1C1A127D}"/>
+                </a:ext>
+              </a:extLst>
+            </p:cNvPr>
+            <p:cNvCxnSpPr>
+              <a:cxnSpLocks/>
+              <a:stCxn id="80" idx="1"/>
+              <a:endCxn id="79" idx="0"/>
+            </p:cNvCxnSpPr>
+            <p:nvPr/>
+          </p:nvCxnSpPr>
+          <p:spPr>
+            <a:xfrm rot="10800000" flipV="1">
+              <a:off x="5868590" y="1551608"/>
+              <a:ext cx="916782" cy="1098723"/>
+            </a:xfrm>
+            <a:prstGeom prst="curvedConnector2">
+              <a:avLst/>
+            </a:prstGeom>
+            <a:ln w="28575">
+              <a:solidFill>
+                <a:schemeClr val="accent2">
+                  <a:lumMod val="75000"/>
+                </a:schemeClr>
+              </a:solidFill>
+              <a:tailEnd type="triangle"/>
+            </a:ln>
+          </p:spPr>
+          <p:style>
+            <a:lnRef idx="1">
+              <a:schemeClr val="accent1"/>
+            </a:lnRef>
+            <a:fillRef idx="0">
+              <a:schemeClr val="accent1"/>
+            </a:fillRef>
+            <a:effectRef idx="0">
+              <a:schemeClr val="accent1"/>
+            </a:effectRef>
+            <a:fontRef idx="minor">
+              <a:schemeClr val="tx1"/>
+            </a:fontRef>
+          </p:style>
+        </p:cxnSp>
+        <p:cxnSp>
+          <p:nvCxnSpPr>
+            <p:cNvPr id="20" name="Verbinder: gekrümmt 19">
+              <a:extLst>
+                <a:ext uri="{FF2B5EF4-FFF2-40B4-BE49-F238E27FC236}">
+                  <a16:creationId xmlns:a16="http://schemas.microsoft.com/office/drawing/2014/main" id="{B852C05E-9276-2C9C-472D-B0F56172C4B8}"/>
+                </a:ext>
+              </a:extLst>
+            </p:cNvPr>
+            <p:cNvCxnSpPr>
+              <a:cxnSpLocks/>
+              <a:stCxn id="79" idx="1"/>
+              <a:endCxn id="16" idx="2"/>
+            </p:cNvCxnSpPr>
+            <p:nvPr/>
+          </p:nvCxnSpPr>
+          <p:spPr>
+            <a:xfrm rot="10800000">
+              <a:off x="3219746" y="2628900"/>
+              <a:ext cx="2030911" cy="467916"/>
+            </a:xfrm>
+            <a:prstGeom prst="curvedConnector2">
+              <a:avLst/>
+            </a:prstGeom>
+            <a:ln w="28575">
+              <a:solidFill>
+                <a:schemeClr val="accent6">
+                  <a:lumMod val="75000"/>
+                </a:schemeClr>
+              </a:solidFill>
+              <a:tailEnd type="triangle"/>
+            </a:ln>
+          </p:spPr>
+          <p:style>
+            <a:lnRef idx="1">
+              <a:schemeClr val="accent1"/>
+            </a:lnRef>
+            <a:fillRef idx="0">
+              <a:schemeClr val="accent1"/>
+            </a:fillRef>
+            <a:effectRef idx="0">
+              <a:schemeClr val="accent1"/>
+            </a:effectRef>
+            <a:fontRef idx="minor">
+              <a:schemeClr val="tx1"/>
+            </a:fontRef>
+          </p:style>
+        </p:cxnSp>
+        <p:cxnSp>
+          <p:nvCxnSpPr>
+            <p:cNvPr id="23" name="Verbinder: gekrümmt 22">
+              <a:extLst>
+                <a:ext uri="{FF2B5EF4-FFF2-40B4-BE49-F238E27FC236}">
+                  <a16:creationId xmlns:a16="http://schemas.microsoft.com/office/drawing/2014/main" id="{60123EF5-3B84-826B-9B37-4D6B6127618E}"/>
+                </a:ext>
+              </a:extLst>
+            </p:cNvPr>
+            <p:cNvCxnSpPr>
+              <a:cxnSpLocks/>
+              <a:stCxn id="16" idx="0"/>
+              <a:endCxn id="80" idx="0"/>
+            </p:cNvCxnSpPr>
+            <p:nvPr/>
+          </p:nvCxnSpPr>
+          <p:spPr>
+            <a:xfrm rot="5400000" flipH="1" flipV="1">
+              <a:off x="4794907" y="-470037"/>
+              <a:ext cx="1033236" cy="4183561"/>
+            </a:xfrm>
+            <a:prstGeom prst="curvedConnector3">
+              <a:avLst>
+                <a:gd name="adj1" fmla="val 130422"/>
+              </a:avLst>
+            </a:prstGeom>
+            <a:ln w="28575">
+              <a:solidFill>
+                <a:srgbClr val="7030A0"/>
+              </a:solidFill>
+              <a:tailEnd type="triangle"/>
+            </a:ln>
+          </p:spPr>
+          <p:style>
+            <a:lnRef idx="1">
+              <a:schemeClr val="accent1"/>
+            </a:lnRef>
+            <a:fillRef idx="0">
+              <a:schemeClr val="accent1"/>
+            </a:fillRef>
+            <a:effectRef idx="0">
+              <a:schemeClr val="accent1"/>
+            </a:effectRef>
+            <a:fontRef idx="minor">
+              <a:schemeClr val="tx1"/>
+            </a:fontRef>
+          </p:style>
+        </p:cxnSp>
+        <p:sp>
+          <p:nvSpPr>
+            <p:cNvPr id="29" name="Textfeld 28">
+              <a:extLst>
+                <a:ext uri="{FF2B5EF4-FFF2-40B4-BE49-F238E27FC236}">
+                  <a16:creationId xmlns:a16="http://schemas.microsoft.com/office/drawing/2014/main" id="{1E3C51FD-D247-735D-FF79-78B05594841F}"/>
+                </a:ext>
+              </a:extLst>
+            </p:cNvPr>
+            <p:cNvSpPr txBox="1"/>
+            <p:nvPr/>
+          </p:nvSpPr>
+          <p:spPr>
+            <a:xfrm>
+              <a:off x="8021240" y="4149812"/>
+              <a:ext cx="1776116" cy="461665"/>
+            </a:xfrm>
+            <a:prstGeom prst="rect">
+              <a:avLst/>
+            </a:prstGeom>
+            <a:noFill/>
+          </p:spPr>
+          <p:txBody>
+            <a:bodyPr wrap="square" rtlCol="0">
+              <a:spAutoFit/>
+            </a:bodyPr>
+            <a:lstStyle/>
+            <a:p>
+              <a:pPr algn="ctr"/>
+              <a:r>
+                <a:rPr lang="en-US" altLang="zh-CN" sz="2400" b="1" dirty="0">
+                  <a:solidFill>
+                    <a:schemeClr val="accent2">
+                      <a:lumMod val="75000"/>
+                    </a:schemeClr>
+                  </a:solidFill>
+                </a:rPr>
+                <a:t>2. Forward</a:t>
+              </a:r>
+            </a:p>
+          </p:txBody>
+        </p:sp>
+        <p:sp>
+          <p:nvSpPr>
+            <p:cNvPr id="30" name="Textfeld 29">
+              <a:extLst>
+                <a:ext uri="{FF2B5EF4-FFF2-40B4-BE49-F238E27FC236}">
+                  <a16:creationId xmlns:a16="http://schemas.microsoft.com/office/drawing/2014/main" id="{B816C256-EB56-99AF-B7A4-3CBEA20118E3}"/>
+                </a:ext>
+              </a:extLst>
+            </p:cNvPr>
+            <p:cNvSpPr txBox="1"/>
+            <p:nvPr/>
+          </p:nvSpPr>
+          <p:spPr>
+            <a:xfrm>
+              <a:off x="3271182" y="3081635"/>
+              <a:ext cx="1633575" cy="461665"/>
+            </a:xfrm>
+            <a:prstGeom prst="rect">
+              <a:avLst/>
+            </a:prstGeom>
+            <a:noFill/>
+          </p:spPr>
+          <p:txBody>
+            <a:bodyPr wrap="square" rtlCol="0">
+              <a:spAutoFit/>
+            </a:bodyPr>
+            <a:lstStyle/>
+            <a:p>
+              <a:pPr algn="ctr"/>
+              <a:r>
+                <a:rPr lang="en-US" altLang="zh-CN" sz="2400" b="1" dirty="0">
+                  <a:solidFill>
+                    <a:schemeClr val="accent6">
+                      <a:lumMod val="75000"/>
+                    </a:schemeClr>
+                  </a:solidFill>
+                </a:rPr>
+                <a:t>3. Assign</a:t>
+              </a:r>
+            </a:p>
+          </p:txBody>
+        </p:sp>
+        <p:sp>
+          <p:nvSpPr>
+            <p:cNvPr id="33" name="Textfeld 32">
+              <a:extLst>
+                <a:ext uri="{FF2B5EF4-FFF2-40B4-BE49-F238E27FC236}">
+                  <a16:creationId xmlns:a16="http://schemas.microsoft.com/office/drawing/2014/main" id="{22484981-CB9C-3167-12C6-39DBD52F7A5B}"/>
+                </a:ext>
+              </a:extLst>
+            </p:cNvPr>
+            <p:cNvSpPr txBox="1"/>
+            <p:nvPr/>
+          </p:nvSpPr>
+          <p:spPr>
+            <a:xfrm>
+              <a:off x="4185586" y="874291"/>
+              <a:ext cx="1633575" cy="461665"/>
+            </a:xfrm>
+            <a:prstGeom prst="rect">
+              <a:avLst/>
+            </a:prstGeom>
+            <a:noFill/>
+          </p:spPr>
+          <p:txBody>
+            <a:bodyPr wrap="square" rtlCol="0">
+              <a:spAutoFit/>
+            </a:bodyPr>
+            <a:lstStyle/>
+            <a:p>
+              <a:pPr algn="ctr"/>
+              <a:r>
+                <a:rPr lang="en-US" altLang="zh-CN" sz="2400" b="1" dirty="0">
+                  <a:solidFill>
+                    <a:srgbClr val="7030A0"/>
+                  </a:solidFill>
+                </a:rPr>
+                <a:t>4. Join</a:t>
+              </a:r>
+            </a:p>
+          </p:txBody>
+        </p:sp>
+        <p:cxnSp>
+          <p:nvCxnSpPr>
+            <p:cNvPr id="34" name="Verbinder: gekrümmt 33">
+              <a:extLst>
+                <a:ext uri="{FF2B5EF4-FFF2-40B4-BE49-F238E27FC236}">
+                  <a16:creationId xmlns:a16="http://schemas.microsoft.com/office/drawing/2014/main" id="{C13D8CFD-84FA-D08F-3E47-3A94898AC225}"/>
+                </a:ext>
+              </a:extLst>
+            </p:cNvPr>
+            <p:cNvCxnSpPr>
+              <a:cxnSpLocks/>
+              <a:stCxn id="80" idx="1"/>
+              <a:endCxn id="16" idx="3"/>
+            </p:cNvCxnSpPr>
+            <p:nvPr/>
+          </p:nvCxnSpPr>
+          <p:spPr>
+            <a:xfrm rot="10800000" flipV="1">
+              <a:off x="3837680" y="1551609"/>
+              <a:ext cx="2947693" cy="832022"/>
+            </a:xfrm>
+            <a:prstGeom prst="curvedConnector3">
+              <a:avLst>
+                <a:gd name="adj1" fmla="val 33035"/>
+              </a:avLst>
+            </a:prstGeom>
+            <a:ln w="28575">
+              <a:solidFill>
+                <a:schemeClr val="accent4">
+                  <a:lumMod val="60000"/>
+                  <a:lumOff val="40000"/>
+                </a:schemeClr>
+              </a:solidFill>
+              <a:tailEnd type="triangle"/>
+            </a:ln>
+          </p:spPr>
+          <p:style>
+            <a:lnRef idx="1">
+              <a:schemeClr val="accent1"/>
+            </a:lnRef>
+            <a:fillRef idx="0">
+              <a:schemeClr val="accent1"/>
+            </a:fillRef>
+            <a:effectRef idx="0">
+              <a:schemeClr val="accent1"/>
+            </a:effectRef>
+            <a:fontRef idx="minor">
+              <a:schemeClr val="tx1"/>
+            </a:fontRef>
+          </p:style>
+        </p:cxnSp>
+        <p:sp>
+          <p:nvSpPr>
+            <p:cNvPr id="39" name="Textfeld 38">
+              <a:extLst>
+                <a:ext uri="{FF2B5EF4-FFF2-40B4-BE49-F238E27FC236}">
+                  <a16:creationId xmlns:a16="http://schemas.microsoft.com/office/drawing/2014/main" id="{61A99687-8EE4-A135-BB7D-8A35FCAAD563}"/>
+                </a:ext>
+              </a:extLst>
+            </p:cNvPr>
+            <p:cNvSpPr txBox="1"/>
+            <p:nvPr/>
+          </p:nvSpPr>
+          <p:spPr>
+            <a:xfrm>
+              <a:off x="3947143" y="1731467"/>
+              <a:ext cx="1633575" cy="461665"/>
+            </a:xfrm>
+            <a:prstGeom prst="rect">
+              <a:avLst/>
+            </a:prstGeom>
+            <a:noFill/>
+          </p:spPr>
+          <p:txBody>
+            <a:bodyPr wrap="square" rtlCol="0">
+              <a:spAutoFit/>
+            </a:bodyPr>
+            <a:lstStyle/>
+            <a:p>
+              <a:pPr algn="ctr"/>
+              <a:r>
+                <a:rPr lang="en-US" altLang="zh-CN" sz="2400" b="1" dirty="0">
+                  <a:solidFill>
+                    <a:schemeClr val="accent4">
+                      <a:lumMod val="60000"/>
+                      <a:lumOff val="40000"/>
+                    </a:schemeClr>
+                  </a:solidFill>
+                </a:rPr>
+                <a:t>5. Accept</a:t>
+              </a:r>
+            </a:p>
+          </p:txBody>
+        </p:sp>
+        <p:sp>
+          <p:nvSpPr>
+            <p:cNvPr id="43" name="Textfeld 42">
+              <a:extLst>
+                <a:ext uri="{FF2B5EF4-FFF2-40B4-BE49-F238E27FC236}">
+                  <a16:creationId xmlns:a16="http://schemas.microsoft.com/office/drawing/2014/main" id="{10F0B0D5-5496-3586-43B1-C91CB87C981B}"/>
+                </a:ext>
+              </a:extLst>
+            </p:cNvPr>
+            <p:cNvSpPr txBox="1"/>
+            <p:nvPr/>
+          </p:nvSpPr>
+          <p:spPr>
+            <a:xfrm>
+              <a:off x="2467402" y="5750642"/>
+              <a:ext cx="1921407" cy="461665"/>
+            </a:xfrm>
+            <a:prstGeom prst="rect">
+              <a:avLst/>
+            </a:prstGeom>
+            <a:noFill/>
+          </p:spPr>
+          <p:txBody>
+            <a:bodyPr wrap="square" rtlCol="0">
+              <a:spAutoFit/>
+            </a:bodyPr>
+            <a:lstStyle/>
+            <a:p>
+              <a:pPr algn="ctr"/>
+              <a:r>
+                <a:rPr lang="en-US" altLang="zh-CN" sz="2400" b="1" dirty="0">
+                  <a:solidFill>
+                    <a:srgbClr val="FF0000"/>
+                  </a:solidFill>
+                </a:rPr>
+                <a:t>1. Discovery</a:t>
+              </a:r>
+            </a:p>
+          </p:txBody>
+        </p:sp>
+      </p:grpSp>
     </p:spTree>
     <p:extLst>
       <p:ext uri="{BB962C8B-B14F-4D97-AF65-F5344CB8AC3E}">
@@ -8775,6 +8819,4444 @@
 </p:sld>
 </file>
 
+<file path=ppt/slides/slide6.xml><?xml version="1.0" encoding="utf-8"?>
+<p:sld xmlns:a="http://schemas.openxmlformats.org/drawingml/2006/main" xmlns:r="http://schemas.openxmlformats.org/officeDocument/2006/relationships" xmlns:p="http://schemas.openxmlformats.org/presentationml/2006/main">
+  <p:cSld>
+    <p:spTree>
+      <p:nvGrpSpPr>
+        <p:cNvPr id="1" name=""/>
+        <p:cNvGrpSpPr/>
+        <p:nvPr/>
+      </p:nvGrpSpPr>
+      <p:grpSpPr>
+        <a:xfrm>
+          <a:off x="0" y="0"/>
+          <a:ext cx="0" cy="0"/>
+          <a:chOff x="0" y="0"/>
+          <a:chExt cx="0" cy="0"/>
+        </a:xfrm>
+      </p:grpSpPr>
+      <p:grpSp>
+        <p:nvGrpSpPr>
+          <p:cNvPr id="82" name="Gruppieren 81">
+            <a:extLst>
+              <a:ext uri="{FF2B5EF4-FFF2-40B4-BE49-F238E27FC236}">
+                <a16:creationId xmlns:a16="http://schemas.microsoft.com/office/drawing/2014/main" id="{DAE1303D-0F98-8DB4-35EB-DB58DF71CA7B}"/>
+              </a:ext>
+            </a:extLst>
+          </p:cNvPr>
+          <p:cNvGrpSpPr/>
+          <p:nvPr/>
+        </p:nvGrpSpPr>
+        <p:grpSpPr>
+          <a:xfrm>
+            <a:off x="1358437" y="1345849"/>
+            <a:ext cx="4878947" cy="4166301"/>
+            <a:chOff x="1108405" y="1062662"/>
+            <a:chExt cx="4878947" cy="4166301"/>
+          </a:xfrm>
+        </p:grpSpPr>
+        <p:cxnSp>
+          <p:nvCxnSpPr>
+            <p:cNvPr id="3" name="Gerader Verbinder 2">
+              <a:extLst>
+                <a:ext uri="{FF2B5EF4-FFF2-40B4-BE49-F238E27FC236}">
+                  <a16:creationId xmlns:a16="http://schemas.microsoft.com/office/drawing/2014/main" id="{E9335118-10E4-A97D-28CE-ED5244FC84EB}"/>
+                </a:ext>
+              </a:extLst>
+            </p:cNvPr>
+            <p:cNvCxnSpPr/>
+            <p:nvPr/>
+          </p:nvCxnSpPr>
+          <p:spPr>
+            <a:xfrm>
+              <a:off x="1399212" y="1071301"/>
+              <a:ext cx="0" cy="4157662"/>
+            </a:xfrm>
+            <a:prstGeom prst="line">
+              <a:avLst/>
+            </a:prstGeom>
+            <a:ln w="38100">
+              <a:prstDash val="dashDot"/>
+            </a:ln>
+          </p:spPr>
+          <p:style>
+            <a:lnRef idx="1">
+              <a:schemeClr val="accent1"/>
+            </a:lnRef>
+            <a:fillRef idx="0">
+              <a:schemeClr val="accent1"/>
+            </a:fillRef>
+            <a:effectRef idx="0">
+              <a:schemeClr val="accent1"/>
+            </a:effectRef>
+            <a:fontRef idx="minor">
+              <a:schemeClr val="tx1"/>
+            </a:fontRef>
+          </p:style>
+        </p:cxnSp>
+        <p:sp>
+          <p:nvSpPr>
+            <p:cNvPr id="6" name="Ellipse 5">
+              <a:extLst>
+                <a:ext uri="{FF2B5EF4-FFF2-40B4-BE49-F238E27FC236}">
+                  <a16:creationId xmlns:a16="http://schemas.microsoft.com/office/drawing/2014/main" id="{04E7F929-CE93-0A7A-9541-D469D745FF27}"/>
+                </a:ext>
+              </a:extLst>
+            </p:cNvPr>
+            <p:cNvSpPr/>
+            <p:nvPr/>
+          </p:nvSpPr>
+          <p:spPr>
+            <a:xfrm>
+              <a:off x="1272411" y="1545398"/>
+              <a:ext cx="246458" cy="242888"/>
+            </a:xfrm>
+            <a:prstGeom prst="ellipse">
+              <a:avLst/>
+            </a:prstGeom>
+            <a:ln>
+              <a:noFill/>
+            </a:ln>
+          </p:spPr>
+          <p:style>
+            <a:lnRef idx="2">
+              <a:schemeClr val="accent1">
+                <a:shade val="50000"/>
+              </a:schemeClr>
+            </a:lnRef>
+            <a:fillRef idx="1">
+              <a:schemeClr val="accent1"/>
+            </a:fillRef>
+            <a:effectRef idx="0">
+              <a:schemeClr val="accent1"/>
+            </a:effectRef>
+            <a:fontRef idx="minor">
+              <a:schemeClr val="lt1"/>
+            </a:fontRef>
+          </p:style>
+          <p:txBody>
+            <a:bodyPr rtlCol="0" anchor="ctr"/>
+            <a:lstStyle/>
+            <a:p>
+              <a:pPr algn="ctr"/>
+              <a:endParaRPr lang="zh-CN" altLang="en-US"/>
+            </a:p>
+          </p:txBody>
+        </p:sp>
+        <p:sp>
+          <p:nvSpPr>
+            <p:cNvPr id="7" name="Ellipse 6">
+              <a:extLst>
+                <a:ext uri="{FF2B5EF4-FFF2-40B4-BE49-F238E27FC236}">
+                  <a16:creationId xmlns:a16="http://schemas.microsoft.com/office/drawing/2014/main" id="{52F37457-62E5-F25A-C090-142DC4343E32}"/>
+                </a:ext>
+              </a:extLst>
+            </p:cNvPr>
+            <p:cNvSpPr/>
+            <p:nvPr/>
+          </p:nvSpPr>
+          <p:spPr>
+            <a:xfrm>
+              <a:off x="1272411" y="2479768"/>
+              <a:ext cx="246458" cy="242888"/>
+            </a:xfrm>
+            <a:prstGeom prst="ellipse">
+              <a:avLst/>
+            </a:prstGeom>
+            <a:ln>
+              <a:noFill/>
+            </a:ln>
+          </p:spPr>
+          <p:style>
+            <a:lnRef idx="2">
+              <a:schemeClr val="accent1">
+                <a:shade val="50000"/>
+              </a:schemeClr>
+            </a:lnRef>
+            <a:fillRef idx="1">
+              <a:schemeClr val="accent1"/>
+            </a:fillRef>
+            <a:effectRef idx="0">
+              <a:schemeClr val="accent1"/>
+            </a:effectRef>
+            <a:fontRef idx="minor">
+              <a:schemeClr val="lt1"/>
+            </a:fontRef>
+          </p:style>
+          <p:txBody>
+            <a:bodyPr rtlCol="0" anchor="ctr"/>
+            <a:lstStyle/>
+            <a:p>
+              <a:pPr algn="ctr"/>
+              <a:endParaRPr lang="zh-CN" altLang="en-US"/>
+            </a:p>
+          </p:txBody>
+        </p:sp>
+        <p:sp>
+          <p:nvSpPr>
+            <p:cNvPr id="8" name="Ellipse 7">
+              <a:extLst>
+                <a:ext uri="{FF2B5EF4-FFF2-40B4-BE49-F238E27FC236}">
+                  <a16:creationId xmlns:a16="http://schemas.microsoft.com/office/drawing/2014/main" id="{6949AF85-DABA-4E5C-7BAD-9D9FC5A42A88}"/>
+                </a:ext>
+              </a:extLst>
+            </p:cNvPr>
+            <p:cNvSpPr/>
+            <p:nvPr/>
+          </p:nvSpPr>
+          <p:spPr>
+            <a:xfrm>
+              <a:off x="1272411" y="3414138"/>
+              <a:ext cx="246458" cy="242888"/>
+            </a:xfrm>
+            <a:prstGeom prst="ellipse">
+              <a:avLst/>
+            </a:prstGeom>
+            <a:ln>
+              <a:noFill/>
+            </a:ln>
+          </p:spPr>
+          <p:style>
+            <a:lnRef idx="2">
+              <a:schemeClr val="accent1">
+                <a:shade val="50000"/>
+              </a:schemeClr>
+            </a:lnRef>
+            <a:fillRef idx="1">
+              <a:schemeClr val="accent1"/>
+            </a:fillRef>
+            <a:effectRef idx="0">
+              <a:schemeClr val="accent1"/>
+            </a:effectRef>
+            <a:fontRef idx="minor">
+              <a:schemeClr val="lt1"/>
+            </a:fontRef>
+          </p:style>
+          <p:txBody>
+            <a:bodyPr rtlCol="0" anchor="ctr"/>
+            <a:lstStyle/>
+            <a:p>
+              <a:pPr algn="ctr"/>
+              <a:endParaRPr lang="zh-CN" altLang="en-US"/>
+            </a:p>
+          </p:txBody>
+        </p:sp>
+        <p:sp>
+          <p:nvSpPr>
+            <p:cNvPr id="9" name="Ellipse 8">
+              <a:extLst>
+                <a:ext uri="{FF2B5EF4-FFF2-40B4-BE49-F238E27FC236}">
+                  <a16:creationId xmlns:a16="http://schemas.microsoft.com/office/drawing/2014/main" id="{ADFC3CCE-B76C-9526-54CE-650426AD65F3}"/>
+                </a:ext>
+              </a:extLst>
+            </p:cNvPr>
+            <p:cNvSpPr/>
+            <p:nvPr/>
+          </p:nvSpPr>
+          <p:spPr>
+            <a:xfrm>
+              <a:off x="1272411" y="4348508"/>
+              <a:ext cx="246458" cy="242888"/>
+            </a:xfrm>
+            <a:prstGeom prst="ellipse">
+              <a:avLst/>
+            </a:prstGeom>
+            <a:ln>
+              <a:noFill/>
+            </a:ln>
+          </p:spPr>
+          <p:style>
+            <a:lnRef idx="2">
+              <a:schemeClr val="accent1">
+                <a:shade val="50000"/>
+              </a:schemeClr>
+            </a:lnRef>
+            <a:fillRef idx="1">
+              <a:schemeClr val="accent1"/>
+            </a:fillRef>
+            <a:effectRef idx="0">
+              <a:schemeClr val="accent1"/>
+            </a:effectRef>
+            <a:fontRef idx="minor">
+              <a:schemeClr val="lt1"/>
+            </a:fontRef>
+          </p:style>
+          <p:txBody>
+            <a:bodyPr rtlCol="0" anchor="ctr"/>
+            <a:lstStyle/>
+            <a:p>
+              <a:pPr algn="ctr"/>
+              <a:endParaRPr lang="zh-CN" altLang="en-US"/>
+            </a:p>
+          </p:txBody>
+        </p:sp>
+        <p:cxnSp>
+          <p:nvCxnSpPr>
+            <p:cNvPr id="10" name="Gerader Verbinder 9">
+              <a:extLst>
+                <a:ext uri="{FF2B5EF4-FFF2-40B4-BE49-F238E27FC236}">
+                  <a16:creationId xmlns:a16="http://schemas.microsoft.com/office/drawing/2014/main" id="{120E9A97-B0E3-AA2C-12CD-BB66D8D0194B}"/>
+                </a:ext>
+              </a:extLst>
+            </p:cNvPr>
+            <p:cNvCxnSpPr/>
+            <p:nvPr/>
+          </p:nvCxnSpPr>
+          <p:spPr>
+            <a:xfrm>
+              <a:off x="2564460" y="1062662"/>
+              <a:ext cx="0" cy="4157662"/>
+            </a:xfrm>
+            <a:prstGeom prst="line">
+              <a:avLst/>
+            </a:prstGeom>
+            <a:ln w="38100">
+              <a:prstDash val="dashDot"/>
+            </a:ln>
+          </p:spPr>
+          <p:style>
+            <a:lnRef idx="1">
+              <a:schemeClr val="accent1"/>
+            </a:lnRef>
+            <a:fillRef idx="0">
+              <a:schemeClr val="accent1"/>
+            </a:fillRef>
+            <a:effectRef idx="0">
+              <a:schemeClr val="accent1"/>
+            </a:effectRef>
+            <a:fontRef idx="minor">
+              <a:schemeClr val="tx1"/>
+            </a:fontRef>
+          </p:style>
+        </p:cxnSp>
+        <p:sp>
+          <p:nvSpPr>
+            <p:cNvPr id="11" name="Ellipse 10">
+              <a:extLst>
+                <a:ext uri="{FF2B5EF4-FFF2-40B4-BE49-F238E27FC236}">
+                  <a16:creationId xmlns:a16="http://schemas.microsoft.com/office/drawing/2014/main" id="{6B0E4089-5F32-6F73-5EB7-3B67F0D755B6}"/>
+                </a:ext>
+              </a:extLst>
+            </p:cNvPr>
+            <p:cNvSpPr/>
+            <p:nvPr/>
+          </p:nvSpPr>
+          <p:spPr>
+            <a:xfrm>
+              <a:off x="2437659" y="1536759"/>
+              <a:ext cx="246458" cy="242888"/>
+            </a:xfrm>
+            <a:prstGeom prst="ellipse">
+              <a:avLst/>
+            </a:prstGeom>
+            <a:ln>
+              <a:noFill/>
+            </a:ln>
+          </p:spPr>
+          <p:style>
+            <a:lnRef idx="2">
+              <a:schemeClr val="accent1">
+                <a:shade val="50000"/>
+              </a:schemeClr>
+            </a:lnRef>
+            <a:fillRef idx="1">
+              <a:schemeClr val="accent1"/>
+            </a:fillRef>
+            <a:effectRef idx="0">
+              <a:schemeClr val="accent1"/>
+            </a:effectRef>
+            <a:fontRef idx="minor">
+              <a:schemeClr val="lt1"/>
+            </a:fontRef>
+          </p:style>
+          <p:txBody>
+            <a:bodyPr rtlCol="0" anchor="ctr"/>
+            <a:lstStyle/>
+            <a:p>
+              <a:pPr algn="ctr"/>
+              <a:endParaRPr lang="zh-CN" altLang="en-US"/>
+            </a:p>
+          </p:txBody>
+        </p:sp>
+        <p:sp>
+          <p:nvSpPr>
+            <p:cNvPr id="12" name="Ellipse 11">
+              <a:extLst>
+                <a:ext uri="{FF2B5EF4-FFF2-40B4-BE49-F238E27FC236}">
+                  <a16:creationId xmlns:a16="http://schemas.microsoft.com/office/drawing/2014/main" id="{575C12DD-AC0A-4287-DADE-BDE223AEEA73}"/>
+                </a:ext>
+              </a:extLst>
+            </p:cNvPr>
+            <p:cNvSpPr/>
+            <p:nvPr/>
+          </p:nvSpPr>
+          <p:spPr>
+            <a:xfrm>
+              <a:off x="2437659" y="2471129"/>
+              <a:ext cx="246458" cy="242888"/>
+            </a:xfrm>
+            <a:prstGeom prst="ellipse">
+              <a:avLst/>
+            </a:prstGeom>
+            <a:ln>
+              <a:noFill/>
+            </a:ln>
+          </p:spPr>
+          <p:style>
+            <a:lnRef idx="2">
+              <a:schemeClr val="accent1">
+                <a:shade val="50000"/>
+              </a:schemeClr>
+            </a:lnRef>
+            <a:fillRef idx="1">
+              <a:schemeClr val="accent1"/>
+            </a:fillRef>
+            <a:effectRef idx="0">
+              <a:schemeClr val="accent1"/>
+            </a:effectRef>
+            <a:fontRef idx="minor">
+              <a:schemeClr val="lt1"/>
+            </a:fontRef>
+          </p:style>
+          <p:txBody>
+            <a:bodyPr rtlCol="0" anchor="ctr"/>
+            <a:lstStyle/>
+            <a:p>
+              <a:pPr algn="ctr"/>
+              <a:endParaRPr lang="zh-CN" altLang="en-US"/>
+            </a:p>
+          </p:txBody>
+        </p:sp>
+        <p:sp>
+          <p:nvSpPr>
+            <p:cNvPr id="13" name="Ellipse 12">
+              <a:extLst>
+                <a:ext uri="{FF2B5EF4-FFF2-40B4-BE49-F238E27FC236}">
+                  <a16:creationId xmlns:a16="http://schemas.microsoft.com/office/drawing/2014/main" id="{251178A3-783D-28B3-7353-E25B6D858020}"/>
+                </a:ext>
+              </a:extLst>
+            </p:cNvPr>
+            <p:cNvSpPr/>
+            <p:nvPr/>
+          </p:nvSpPr>
+          <p:spPr>
+            <a:xfrm>
+              <a:off x="2437659" y="3405499"/>
+              <a:ext cx="246458" cy="242888"/>
+            </a:xfrm>
+            <a:prstGeom prst="ellipse">
+              <a:avLst/>
+            </a:prstGeom>
+            <a:ln>
+              <a:noFill/>
+            </a:ln>
+          </p:spPr>
+          <p:style>
+            <a:lnRef idx="2">
+              <a:schemeClr val="accent1">
+                <a:shade val="50000"/>
+              </a:schemeClr>
+            </a:lnRef>
+            <a:fillRef idx="1">
+              <a:schemeClr val="accent1"/>
+            </a:fillRef>
+            <a:effectRef idx="0">
+              <a:schemeClr val="accent1"/>
+            </a:effectRef>
+            <a:fontRef idx="minor">
+              <a:schemeClr val="lt1"/>
+            </a:fontRef>
+          </p:style>
+          <p:txBody>
+            <a:bodyPr rtlCol="0" anchor="ctr"/>
+            <a:lstStyle/>
+            <a:p>
+              <a:pPr algn="ctr"/>
+              <a:endParaRPr lang="zh-CN" altLang="en-US"/>
+            </a:p>
+          </p:txBody>
+        </p:sp>
+        <p:sp>
+          <p:nvSpPr>
+            <p:cNvPr id="14" name="Ellipse 13">
+              <a:extLst>
+                <a:ext uri="{FF2B5EF4-FFF2-40B4-BE49-F238E27FC236}">
+                  <a16:creationId xmlns:a16="http://schemas.microsoft.com/office/drawing/2014/main" id="{6D30A410-A563-A600-9838-B7DDFD835F1C}"/>
+                </a:ext>
+              </a:extLst>
+            </p:cNvPr>
+            <p:cNvSpPr/>
+            <p:nvPr/>
+          </p:nvSpPr>
+          <p:spPr>
+            <a:xfrm>
+              <a:off x="2437659" y="4339869"/>
+              <a:ext cx="246458" cy="242888"/>
+            </a:xfrm>
+            <a:prstGeom prst="ellipse">
+              <a:avLst/>
+            </a:prstGeom>
+            <a:ln>
+              <a:noFill/>
+            </a:ln>
+          </p:spPr>
+          <p:style>
+            <a:lnRef idx="2">
+              <a:schemeClr val="accent1">
+                <a:shade val="50000"/>
+              </a:schemeClr>
+            </a:lnRef>
+            <a:fillRef idx="1">
+              <a:schemeClr val="accent1"/>
+            </a:fillRef>
+            <a:effectRef idx="0">
+              <a:schemeClr val="accent1"/>
+            </a:effectRef>
+            <a:fontRef idx="minor">
+              <a:schemeClr val="lt1"/>
+            </a:fontRef>
+          </p:style>
+          <p:txBody>
+            <a:bodyPr rtlCol="0" anchor="ctr"/>
+            <a:lstStyle/>
+            <a:p>
+              <a:pPr algn="ctr"/>
+              <a:endParaRPr lang="zh-CN" altLang="en-US"/>
+            </a:p>
+          </p:txBody>
+        </p:sp>
+        <p:cxnSp>
+          <p:nvCxnSpPr>
+            <p:cNvPr id="15" name="Gerader Verbinder 14">
+              <a:extLst>
+                <a:ext uri="{FF2B5EF4-FFF2-40B4-BE49-F238E27FC236}">
+                  <a16:creationId xmlns:a16="http://schemas.microsoft.com/office/drawing/2014/main" id="{BC8C13D4-1E9B-A293-CB20-D3367638D45D}"/>
+                </a:ext>
+              </a:extLst>
+            </p:cNvPr>
+            <p:cNvCxnSpPr/>
+            <p:nvPr/>
+          </p:nvCxnSpPr>
+          <p:spPr>
+            <a:xfrm>
+              <a:off x="3767101" y="1062662"/>
+              <a:ext cx="0" cy="4157662"/>
+            </a:xfrm>
+            <a:prstGeom prst="line">
+              <a:avLst/>
+            </a:prstGeom>
+            <a:ln w="38100">
+              <a:prstDash val="dashDot"/>
+            </a:ln>
+          </p:spPr>
+          <p:style>
+            <a:lnRef idx="1">
+              <a:schemeClr val="accent1"/>
+            </a:lnRef>
+            <a:fillRef idx="0">
+              <a:schemeClr val="accent1"/>
+            </a:fillRef>
+            <a:effectRef idx="0">
+              <a:schemeClr val="accent1"/>
+            </a:effectRef>
+            <a:fontRef idx="minor">
+              <a:schemeClr val="tx1"/>
+            </a:fontRef>
+          </p:style>
+        </p:cxnSp>
+        <p:sp>
+          <p:nvSpPr>
+            <p:cNvPr id="16" name="Ellipse 15">
+              <a:extLst>
+                <a:ext uri="{FF2B5EF4-FFF2-40B4-BE49-F238E27FC236}">
+                  <a16:creationId xmlns:a16="http://schemas.microsoft.com/office/drawing/2014/main" id="{D9112B56-9F54-7A0B-DEDD-6CD57C441757}"/>
+                </a:ext>
+              </a:extLst>
+            </p:cNvPr>
+            <p:cNvSpPr/>
+            <p:nvPr/>
+          </p:nvSpPr>
+          <p:spPr>
+            <a:xfrm>
+              <a:off x="3640300" y="1536759"/>
+              <a:ext cx="246458" cy="242888"/>
+            </a:xfrm>
+            <a:prstGeom prst="ellipse">
+              <a:avLst/>
+            </a:prstGeom>
+            <a:ln>
+              <a:noFill/>
+            </a:ln>
+          </p:spPr>
+          <p:style>
+            <a:lnRef idx="2">
+              <a:schemeClr val="accent1">
+                <a:shade val="50000"/>
+              </a:schemeClr>
+            </a:lnRef>
+            <a:fillRef idx="1">
+              <a:schemeClr val="accent1"/>
+            </a:fillRef>
+            <a:effectRef idx="0">
+              <a:schemeClr val="accent1"/>
+            </a:effectRef>
+            <a:fontRef idx="minor">
+              <a:schemeClr val="lt1"/>
+            </a:fontRef>
+          </p:style>
+          <p:txBody>
+            <a:bodyPr rtlCol="0" anchor="ctr"/>
+            <a:lstStyle/>
+            <a:p>
+              <a:pPr algn="ctr"/>
+              <a:endParaRPr lang="zh-CN" altLang="en-US"/>
+            </a:p>
+          </p:txBody>
+        </p:sp>
+        <p:sp>
+          <p:nvSpPr>
+            <p:cNvPr id="17" name="Ellipse 16">
+              <a:extLst>
+                <a:ext uri="{FF2B5EF4-FFF2-40B4-BE49-F238E27FC236}">
+                  <a16:creationId xmlns:a16="http://schemas.microsoft.com/office/drawing/2014/main" id="{D8EB55F4-B4F5-789F-F428-69284183D4C0}"/>
+                </a:ext>
+              </a:extLst>
+            </p:cNvPr>
+            <p:cNvSpPr/>
+            <p:nvPr/>
+          </p:nvSpPr>
+          <p:spPr>
+            <a:xfrm>
+              <a:off x="3640300" y="2471129"/>
+              <a:ext cx="246458" cy="242888"/>
+            </a:xfrm>
+            <a:prstGeom prst="ellipse">
+              <a:avLst/>
+            </a:prstGeom>
+            <a:ln>
+              <a:noFill/>
+            </a:ln>
+          </p:spPr>
+          <p:style>
+            <a:lnRef idx="2">
+              <a:schemeClr val="accent1">
+                <a:shade val="50000"/>
+              </a:schemeClr>
+            </a:lnRef>
+            <a:fillRef idx="1">
+              <a:schemeClr val="accent1"/>
+            </a:fillRef>
+            <a:effectRef idx="0">
+              <a:schemeClr val="accent1"/>
+            </a:effectRef>
+            <a:fontRef idx="minor">
+              <a:schemeClr val="lt1"/>
+            </a:fontRef>
+          </p:style>
+          <p:txBody>
+            <a:bodyPr rtlCol="0" anchor="ctr"/>
+            <a:lstStyle/>
+            <a:p>
+              <a:pPr algn="ctr"/>
+              <a:endParaRPr lang="zh-CN" altLang="en-US"/>
+            </a:p>
+          </p:txBody>
+        </p:sp>
+        <p:sp>
+          <p:nvSpPr>
+            <p:cNvPr id="18" name="Ellipse 17">
+              <a:extLst>
+                <a:ext uri="{FF2B5EF4-FFF2-40B4-BE49-F238E27FC236}">
+                  <a16:creationId xmlns:a16="http://schemas.microsoft.com/office/drawing/2014/main" id="{BE631901-7E13-FEE3-9B4F-E765157E9ACB}"/>
+                </a:ext>
+              </a:extLst>
+            </p:cNvPr>
+            <p:cNvSpPr/>
+            <p:nvPr/>
+          </p:nvSpPr>
+          <p:spPr>
+            <a:xfrm>
+              <a:off x="3640300" y="3405499"/>
+              <a:ext cx="246458" cy="242888"/>
+            </a:xfrm>
+            <a:prstGeom prst="ellipse">
+              <a:avLst/>
+            </a:prstGeom>
+            <a:ln>
+              <a:noFill/>
+            </a:ln>
+          </p:spPr>
+          <p:style>
+            <a:lnRef idx="2">
+              <a:schemeClr val="accent1">
+                <a:shade val="50000"/>
+              </a:schemeClr>
+            </a:lnRef>
+            <a:fillRef idx="1">
+              <a:schemeClr val="accent1"/>
+            </a:fillRef>
+            <a:effectRef idx="0">
+              <a:schemeClr val="accent1"/>
+            </a:effectRef>
+            <a:fontRef idx="minor">
+              <a:schemeClr val="lt1"/>
+            </a:fontRef>
+          </p:style>
+          <p:txBody>
+            <a:bodyPr rtlCol="0" anchor="ctr"/>
+            <a:lstStyle/>
+            <a:p>
+              <a:pPr algn="ctr"/>
+              <a:endParaRPr lang="zh-CN" altLang="en-US"/>
+            </a:p>
+          </p:txBody>
+        </p:sp>
+        <p:sp>
+          <p:nvSpPr>
+            <p:cNvPr id="19" name="Ellipse 18">
+              <a:extLst>
+                <a:ext uri="{FF2B5EF4-FFF2-40B4-BE49-F238E27FC236}">
+                  <a16:creationId xmlns:a16="http://schemas.microsoft.com/office/drawing/2014/main" id="{3F1C40B4-34FC-B9D6-9F2E-493551229B73}"/>
+                </a:ext>
+              </a:extLst>
+            </p:cNvPr>
+            <p:cNvSpPr/>
+            <p:nvPr/>
+          </p:nvSpPr>
+          <p:spPr>
+            <a:xfrm>
+              <a:off x="3640300" y="4339869"/>
+              <a:ext cx="246458" cy="242888"/>
+            </a:xfrm>
+            <a:prstGeom prst="ellipse">
+              <a:avLst/>
+            </a:prstGeom>
+            <a:ln>
+              <a:noFill/>
+            </a:ln>
+          </p:spPr>
+          <p:style>
+            <a:lnRef idx="2">
+              <a:schemeClr val="accent1">
+                <a:shade val="50000"/>
+              </a:schemeClr>
+            </a:lnRef>
+            <a:fillRef idx="1">
+              <a:schemeClr val="accent1"/>
+            </a:fillRef>
+            <a:effectRef idx="0">
+              <a:schemeClr val="accent1"/>
+            </a:effectRef>
+            <a:fontRef idx="minor">
+              <a:schemeClr val="lt1"/>
+            </a:fontRef>
+          </p:style>
+          <p:txBody>
+            <a:bodyPr rtlCol="0" anchor="ctr"/>
+            <a:lstStyle/>
+            <a:p>
+              <a:pPr algn="ctr"/>
+              <a:endParaRPr lang="zh-CN" altLang="en-US"/>
+            </a:p>
+          </p:txBody>
+        </p:sp>
+        <p:sp>
+          <p:nvSpPr>
+            <p:cNvPr id="26" name="Stern: 5 Zacken 25">
+              <a:extLst>
+                <a:ext uri="{FF2B5EF4-FFF2-40B4-BE49-F238E27FC236}">
+                  <a16:creationId xmlns:a16="http://schemas.microsoft.com/office/drawing/2014/main" id="{96665A2B-7AD8-A9AB-D971-1B33FAB53826}"/>
+                </a:ext>
+              </a:extLst>
+            </p:cNvPr>
+            <p:cNvSpPr/>
+            <p:nvPr/>
+          </p:nvSpPr>
+          <p:spPr>
+            <a:xfrm>
+              <a:off x="2277224" y="1392992"/>
+              <a:ext cx="588762" cy="530422"/>
+            </a:xfrm>
+            <a:prstGeom prst="star5">
+              <a:avLst>
+                <a:gd name="adj" fmla="val 30109"/>
+                <a:gd name="hf" fmla="val 105146"/>
+                <a:gd name="vf" fmla="val 110557"/>
+              </a:avLst>
+            </a:prstGeom>
+            <a:solidFill>
+              <a:schemeClr val="accent4">
+                <a:lumMod val="60000"/>
+                <a:lumOff val="40000"/>
+              </a:schemeClr>
+            </a:solidFill>
+            <a:ln w="28575">
+              <a:solidFill>
+                <a:schemeClr val="accent2">
+                  <a:lumMod val="75000"/>
+                </a:schemeClr>
+              </a:solidFill>
+            </a:ln>
+          </p:spPr>
+          <p:style>
+            <a:lnRef idx="2">
+              <a:schemeClr val="accent1">
+                <a:shade val="50000"/>
+              </a:schemeClr>
+            </a:lnRef>
+            <a:fillRef idx="1">
+              <a:schemeClr val="accent1"/>
+            </a:fillRef>
+            <a:effectRef idx="0">
+              <a:schemeClr val="accent1"/>
+            </a:effectRef>
+            <a:fontRef idx="minor">
+              <a:schemeClr val="lt1"/>
+            </a:fontRef>
+          </p:style>
+          <p:txBody>
+            <a:bodyPr rtlCol="0" anchor="ctr"/>
+            <a:lstStyle/>
+            <a:p>
+              <a:pPr algn="ctr"/>
+              <a:endParaRPr lang="zh-CN" altLang="en-US" dirty="0"/>
+            </a:p>
+          </p:txBody>
+        </p:sp>
+        <p:sp>
+          <p:nvSpPr>
+            <p:cNvPr id="27" name="Stern: 5 Zacken 26">
+              <a:extLst>
+                <a:ext uri="{FF2B5EF4-FFF2-40B4-BE49-F238E27FC236}">
+                  <a16:creationId xmlns:a16="http://schemas.microsoft.com/office/drawing/2014/main" id="{B40C0E61-763D-EEAA-6515-F29EFCBED945}"/>
+                </a:ext>
+              </a:extLst>
+            </p:cNvPr>
+            <p:cNvSpPr/>
+            <p:nvPr/>
+          </p:nvSpPr>
+          <p:spPr>
+            <a:xfrm>
+              <a:off x="3469148" y="1392992"/>
+              <a:ext cx="588762" cy="530422"/>
+            </a:xfrm>
+            <a:prstGeom prst="star5">
+              <a:avLst>
+                <a:gd name="adj" fmla="val 30109"/>
+                <a:gd name="hf" fmla="val 105146"/>
+                <a:gd name="vf" fmla="val 110557"/>
+              </a:avLst>
+            </a:prstGeom>
+            <a:solidFill>
+              <a:schemeClr val="accent4">
+                <a:lumMod val="60000"/>
+                <a:lumOff val="40000"/>
+              </a:schemeClr>
+            </a:solidFill>
+            <a:ln w="28575">
+              <a:solidFill>
+                <a:schemeClr val="accent2">
+                  <a:lumMod val="75000"/>
+                </a:schemeClr>
+              </a:solidFill>
+            </a:ln>
+          </p:spPr>
+          <p:style>
+            <a:lnRef idx="2">
+              <a:schemeClr val="accent1">
+                <a:shade val="50000"/>
+              </a:schemeClr>
+            </a:lnRef>
+            <a:fillRef idx="1">
+              <a:schemeClr val="accent1"/>
+            </a:fillRef>
+            <a:effectRef idx="0">
+              <a:schemeClr val="accent1"/>
+            </a:effectRef>
+            <a:fontRef idx="minor">
+              <a:schemeClr val="lt1"/>
+            </a:fontRef>
+          </p:style>
+          <p:txBody>
+            <a:bodyPr rtlCol="0" anchor="ctr"/>
+            <a:lstStyle/>
+            <a:p>
+              <a:pPr algn="ctr"/>
+              <a:endParaRPr lang="zh-CN" altLang="en-US" dirty="0"/>
+            </a:p>
+          </p:txBody>
+        </p:sp>
+        <p:cxnSp>
+          <p:nvCxnSpPr>
+            <p:cNvPr id="28" name="Gerader Verbinder 27">
+              <a:extLst>
+                <a:ext uri="{FF2B5EF4-FFF2-40B4-BE49-F238E27FC236}">
+                  <a16:creationId xmlns:a16="http://schemas.microsoft.com/office/drawing/2014/main" id="{4B57684F-D494-3AF7-6C24-C62477AFF14A}"/>
+                </a:ext>
+              </a:extLst>
+            </p:cNvPr>
+            <p:cNvCxnSpPr/>
+            <p:nvPr/>
+          </p:nvCxnSpPr>
+          <p:spPr>
+            <a:xfrm>
+              <a:off x="5696543" y="1062662"/>
+              <a:ext cx="0" cy="4157662"/>
+            </a:xfrm>
+            <a:prstGeom prst="line">
+              <a:avLst/>
+            </a:prstGeom>
+            <a:ln w="38100">
+              <a:prstDash val="dashDot"/>
+            </a:ln>
+          </p:spPr>
+          <p:style>
+            <a:lnRef idx="1">
+              <a:schemeClr val="accent1"/>
+            </a:lnRef>
+            <a:fillRef idx="0">
+              <a:schemeClr val="accent1"/>
+            </a:fillRef>
+            <a:effectRef idx="0">
+              <a:schemeClr val="accent1"/>
+            </a:effectRef>
+            <a:fontRef idx="minor">
+              <a:schemeClr val="tx1"/>
+            </a:fontRef>
+          </p:style>
+        </p:cxnSp>
+        <p:sp>
+          <p:nvSpPr>
+            <p:cNvPr id="29" name="Ellipse 28">
+              <a:extLst>
+                <a:ext uri="{FF2B5EF4-FFF2-40B4-BE49-F238E27FC236}">
+                  <a16:creationId xmlns:a16="http://schemas.microsoft.com/office/drawing/2014/main" id="{0C7A71E7-18D5-1C6D-1C32-1CECC59D4269}"/>
+                </a:ext>
+              </a:extLst>
+            </p:cNvPr>
+            <p:cNvSpPr/>
+            <p:nvPr/>
+          </p:nvSpPr>
+          <p:spPr>
+            <a:xfrm>
+              <a:off x="5569742" y="1536759"/>
+              <a:ext cx="246458" cy="242888"/>
+            </a:xfrm>
+            <a:prstGeom prst="ellipse">
+              <a:avLst/>
+            </a:prstGeom>
+            <a:ln>
+              <a:noFill/>
+            </a:ln>
+          </p:spPr>
+          <p:style>
+            <a:lnRef idx="2">
+              <a:schemeClr val="accent1">
+                <a:shade val="50000"/>
+              </a:schemeClr>
+            </a:lnRef>
+            <a:fillRef idx="1">
+              <a:schemeClr val="accent1"/>
+            </a:fillRef>
+            <a:effectRef idx="0">
+              <a:schemeClr val="accent1"/>
+            </a:effectRef>
+            <a:fontRef idx="minor">
+              <a:schemeClr val="lt1"/>
+            </a:fontRef>
+          </p:style>
+          <p:txBody>
+            <a:bodyPr rtlCol="0" anchor="ctr"/>
+            <a:lstStyle/>
+            <a:p>
+              <a:pPr algn="ctr"/>
+              <a:endParaRPr lang="zh-CN" altLang="en-US"/>
+            </a:p>
+          </p:txBody>
+        </p:sp>
+        <p:sp>
+          <p:nvSpPr>
+            <p:cNvPr id="30" name="Ellipse 29">
+              <a:extLst>
+                <a:ext uri="{FF2B5EF4-FFF2-40B4-BE49-F238E27FC236}">
+                  <a16:creationId xmlns:a16="http://schemas.microsoft.com/office/drawing/2014/main" id="{80993C0A-DDD2-3051-C6EB-70C25F9DC710}"/>
+                </a:ext>
+              </a:extLst>
+            </p:cNvPr>
+            <p:cNvSpPr/>
+            <p:nvPr/>
+          </p:nvSpPr>
+          <p:spPr>
+            <a:xfrm>
+              <a:off x="5569742" y="2471129"/>
+              <a:ext cx="246458" cy="242888"/>
+            </a:xfrm>
+            <a:prstGeom prst="ellipse">
+              <a:avLst/>
+            </a:prstGeom>
+            <a:ln>
+              <a:noFill/>
+            </a:ln>
+          </p:spPr>
+          <p:style>
+            <a:lnRef idx="2">
+              <a:schemeClr val="accent1">
+                <a:shade val="50000"/>
+              </a:schemeClr>
+            </a:lnRef>
+            <a:fillRef idx="1">
+              <a:schemeClr val="accent1"/>
+            </a:fillRef>
+            <a:effectRef idx="0">
+              <a:schemeClr val="accent1"/>
+            </a:effectRef>
+            <a:fontRef idx="minor">
+              <a:schemeClr val="lt1"/>
+            </a:fontRef>
+          </p:style>
+          <p:txBody>
+            <a:bodyPr rtlCol="0" anchor="ctr"/>
+            <a:lstStyle/>
+            <a:p>
+              <a:pPr algn="ctr"/>
+              <a:endParaRPr lang="zh-CN" altLang="en-US"/>
+            </a:p>
+          </p:txBody>
+        </p:sp>
+        <p:sp>
+          <p:nvSpPr>
+            <p:cNvPr id="31" name="Ellipse 30">
+              <a:extLst>
+                <a:ext uri="{FF2B5EF4-FFF2-40B4-BE49-F238E27FC236}">
+                  <a16:creationId xmlns:a16="http://schemas.microsoft.com/office/drawing/2014/main" id="{892487E5-01BF-1ACB-51D9-08A0E3C1294E}"/>
+                </a:ext>
+              </a:extLst>
+            </p:cNvPr>
+            <p:cNvSpPr/>
+            <p:nvPr/>
+          </p:nvSpPr>
+          <p:spPr>
+            <a:xfrm>
+              <a:off x="5569742" y="3405499"/>
+              <a:ext cx="246458" cy="242888"/>
+            </a:xfrm>
+            <a:prstGeom prst="ellipse">
+              <a:avLst/>
+            </a:prstGeom>
+            <a:ln>
+              <a:noFill/>
+            </a:ln>
+          </p:spPr>
+          <p:style>
+            <a:lnRef idx="2">
+              <a:schemeClr val="accent1">
+                <a:shade val="50000"/>
+              </a:schemeClr>
+            </a:lnRef>
+            <a:fillRef idx="1">
+              <a:schemeClr val="accent1"/>
+            </a:fillRef>
+            <a:effectRef idx="0">
+              <a:schemeClr val="accent1"/>
+            </a:effectRef>
+            <a:fontRef idx="minor">
+              <a:schemeClr val="lt1"/>
+            </a:fontRef>
+          </p:style>
+          <p:txBody>
+            <a:bodyPr rtlCol="0" anchor="ctr"/>
+            <a:lstStyle/>
+            <a:p>
+              <a:pPr algn="ctr"/>
+              <a:endParaRPr lang="zh-CN" altLang="en-US"/>
+            </a:p>
+          </p:txBody>
+        </p:sp>
+        <p:sp>
+          <p:nvSpPr>
+            <p:cNvPr id="32" name="Ellipse 31">
+              <a:extLst>
+                <a:ext uri="{FF2B5EF4-FFF2-40B4-BE49-F238E27FC236}">
+                  <a16:creationId xmlns:a16="http://schemas.microsoft.com/office/drawing/2014/main" id="{4AC3A91D-8F2D-10DC-7127-CDEA92A7BAC3}"/>
+                </a:ext>
+              </a:extLst>
+            </p:cNvPr>
+            <p:cNvSpPr/>
+            <p:nvPr/>
+          </p:nvSpPr>
+          <p:spPr>
+            <a:xfrm>
+              <a:off x="5569742" y="4339869"/>
+              <a:ext cx="246458" cy="242888"/>
+            </a:xfrm>
+            <a:prstGeom prst="ellipse">
+              <a:avLst/>
+            </a:prstGeom>
+            <a:ln>
+              <a:noFill/>
+            </a:ln>
+          </p:spPr>
+          <p:style>
+            <a:lnRef idx="2">
+              <a:schemeClr val="accent1">
+                <a:shade val="50000"/>
+              </a:schemeClr>
+            </a:lnRef>
+            <a:fillRef idx="1">
+              <a:schemeClr val="accent1"/>
+            </a:fillRef>
+            <a:effectRef idx="0">
+              <a:schemeClr val="accent1"/>
+            </a:effectRef>
+            <a:fontRef idx="minor">
+              <a:schemeClr val="lt1"/>
+            </a:fontRef>
+          </p:style>
+          <p:txBody>
+            <a:bodyPr rtlCol="0" anchor="ctr"/>
+            <a:lstStyle/>
+            <a:p>
+              <a:pPr algn="ctr"/>
+              <a:endParaRPr lang="zh-CN" altLang="en-US"/>
+            </a:p>
+          </p:txBody>
+        </p:sp>
+        <p:sp>
+          <p:nvSpPr>
+            <p:cNvPr id="33" name="Stern: 5 Zacken 32">
+              <a:extLst>
+                <a:ext uri="{FF2B5EF4-FFF2-40B4-BE49-F238E27FC236}">
+                  <a16:creationId xmlns:a16="http://schemas.microsoft.com/office/drawing/2014/main" id="{75A71493-7B5A-F881-E693-F25FB08DFD31}"/>
+                </a:ext>
+              </a:extLst>
+            </p:cNvPr>
+            <p:cNvSpPr/>
+            <p:nvPr/>
+          </p:nvSpPr>
+          <p:spPr>
+            <a:xfrm>
+              <a:off x="5398590" y="2327362"/>
+              <a:ext cx="588762" cy="530422"/>
+            </a:xfrm>
+            <a:prstGeom prst="star5">
+              <a:avLst>
+                <a:gd name="adj" fmla="val 30109"/>
+                <a:gd name="hf" fmla="val 105146"/>
+                <a:gd name="vf" fmla="val 110557"/>
+              </a:avLst>
+            </a:prstGeom>
+            <a:solidFill>
+              <a:schemeClr val="accent4">
+                <a:lumMod val="60000"/>
+                <a:lumOff val="40000"/>
+              </a:schemeClr>
+            </a:solidFill>
+            <a:ln w="28575">
+              <a:solidFill>
+                <a:schemeClr val="accent2">
+                  <a:lumMod val="75000"/>
+                </a:schemeClr>
+              </a:solidFill>
+            </a:ln>
+          </p:spPr>
+          <p:style>
+            <a:lnRef idx="2">
+              <a:schemeClr val="accent1">
+                <a:shade val="50000"/>
+              </a:schemeClr>
+            </a:lnRef>
+            <a:fillRef idx="1">
+              <a:schemeClr val="accent1"/>
+            </a:fillRef>
+            <a:effectRef idx="0">
+              <a:schemeClr val="accent1"/>
+            </a:effectRef>
+            <a:fontRef idx="minor">
+              <a:schemeClr val="lt1"/>
+            </a:fontRef>
+          </p:style>
+          <p:txBody>
+            <a:bodyPr rtlCol="0" anchor="ctr"/>
+            <a:lstStyle/>
+            <a:p>
+              <a:pPr algn="ctr"/>
+              <a:endParaRPr lang="zh-CN" altLang="en-US" dirty="0"/>
+            </a:p>
+          </p:txBody>
+        </p:sp>
+        <p:grpSp>
+          <p:nvGrpSpPr>
+            <p:cNvPr id="46" name="Gruppieren 45">
+              <a:extLst>
+                <a:ext uri="{FF2B5EF4-FFF2-40B4-BE49-F238E27FC236}">
+                  <a16:creationId xmlns:a16="http://schemas.microsoft.com/office/drawing/2014/main" id="{752DB480-923E-9C88-02A1-7EFB59ED211A}"/>
+                </a:ext>
+              </a:extLst>
+            </p:cNvPr>
+            <p:cNvGrpSpPr/>
+            <p:nvPr/>
+          </p:nvGrpSpPr>
+          <p:grpSpPr>
+            <a:xfrm>
+              <a:off x="1428413" y="1271541"/>
+              <a:ext cx="632603" cy="934370"/>
+              <a:chOff x="8074325" y="1871662"/>
+              <a:chExt cx="632603" cy="934370"/>
+            </a:xfrm>
+          </p:grpSpPr>
+          <p:cxnSp>
+            <p:nvCxnSpPr>
+              <p:cNvPr id="47" name="Gerade Verbindung mit Pfeil 46">
+                <a:extLst>
+                  <a:ext uri="{FF2B5EF4-FFF2-40B4-BE49-F238E27FC236}">
+                    <a16:creationId xmlns:a16="http://schemas.microsoft.com/office/drawing/2014/main" id="{CEB1BBD4-8AFF-4AD7-314A-3B5A1C022FF7}"/>
+                  </a:ext>
+                </a:extLst>
+              </p:cNvPr>
+              <p:cNvCxnSpPr/>
+              <p:nvPr/>
+            </p:nvCxnSpPr>
+            <p:spPr>
+              <a:xfrm flipV="1">
+                <a:off x="8074325" y="1871662"/>
+                <a:ext cx="483079" cy="440217"/>
+              </a:xfrm>
+              <a:prstGeom prst="straightConnector1">
+                <a:avLst/>
+              </a:prstGeom>
+              <a:ln w="57150">
+                <a:tailEnd type="triangle"/>
+              </a:ln>
+            </p:spPr>
+            <p:style>
+              <a:lnRef idx="1">
+                <a:schemeClr val="accent1"/>
+              </a:lnRef>
+              <a:fillRef idx="0">
+                <a:schemeClr val="accent1"/>
+              </a:fillRef>
+              <a:effectRef idx="0">
+                <a:schemeClr val="accent1"/>
+              </a:effectRef>
+              <a:fontRef idx="minor">
+                <a:schemeClr val="tx1"/>
+              </a:fontRef>
+            </p:style>
+          </p:cxnSp>
+          <p:cxnSp>
+            <p:nvCxnSpPr>
+              <p:cNvPr id="48" name="Gerade Verbindung mit Pfeil 47">
+                <a:extLst>
+                  <a:ext uri="{FF2B5EF4-FFF2-40B4-BE49-F238E27FC236}">
+                    <a16:creationId xmlns:a16="http://schemas.microsoft.com/office/drawing/2014/main" id="{8F6EAC1C-A81D-A426-79DA-3A6391A99F7E}"/>
+                  </a:ext>
+                </a:extLst>
+              </p:cNvPr>
+              <p:cNvCxnSpPr>
+                <a:cxnSpLocks/>
+              </p:cNvCxnSpPr>
+              <p:nvPr/>
+            </p:nvCxnSpPr>
+            <p:spPr>
+              <a:xfrm flipV="1">
+                <a:off x="8074325" y="2139351"/>
+                <a:ext cx="632603" cy="172528"/>
+              </a:xfrm>
+              <a:prstGeom prst="straightConnector1">
+                <a:avLst/>
+              </a:prstGeom>
+              <a:ln w="57150">
+                <a:tailEnd type="triangle"/>
+              </a:ln>
+            </p:spPr>
+            <p:style>
+              <a:lnRef idx="1">
+                <a:schemeClr val="accent1"/>
+              </a:lnRef>
+              <a:fillRef idx="0">
+                <a:schemeClr val="accent1"/>
+              </a:fillRef>
+              <a:effectRef idx="0">
+                <a:schemeClr val="accent1"/>
+              </a:effectRef>
+              <a:fontRef idx="minor">
+                <a:schemeClr val="tx1"/>
+              </a:fontRef>
+            </p:style>
+          </p:cxnSp>
+          <p:cxnSp>
+            <p:nvCxnSpPr>
+              <p:cNvPr id="49" name="Gerade Verbindung mit Pfeil 48">
+                <a:extLst>
+                  <a:ext uri="{FF2B5EF4-FFF2-40B4-BE49-F238E27FC236}">
+                    <a16:creationId xmlns:a16="http://schemas.microsoft.com/office/drawing/2014/main" id="{D96BCA31-98C3-4250-8D90-451830DC0917}"/>
+                  </a:ext>
+                </a:extLst>
+              </p:cNvPr>
+              <p:cNvCxnSpPr>
+                <a:cxnSpLocks/>
+              </p:cNvCxnSpPr>
+              <p:nvPr/>
+            </p:nvCxnSpPr>
+            <p:spPr>
+              <a:xfrm>
+                <a:off x="8074325" y="2311879"/>
+                <a:ext cx="580845" cy="189781"/>
+              </a:xfrm>
+              <a:prstGeom prst="straightConnector1">
+                <a:avLst/>
+              </a:prstGeom>
+              <a:ln w="57150">
+                <a:tailEnd type="triangle"/>
+              </a:ln>
+            </p:spPr>
+            <p:style>
+              <a:lnRef idx="1">
+                <a:schemeClr val="accent1"/>
+              </a:lnRef>
+              <a:fillRef idx="0">
+                <a:schemeClr val="accent1"/>
+              </a:fillRef>
+              <a:effectRef idx="0">
+                <a:schemeClr val="accent1"/>
+              </a:effectRef>
+              <a:fontRef idx="minor">
+                <a:schemeClr val="tx1"/>
+              </a:fontRef>
+            </p:style>
+          </p:cxnSp>
+          <p:cxnSp>
+            <p:nvCxnSpPr>
+              <p:cNvPr id="50" name="Gerade Verbindung mit Pfeil 49">
+                <a:extLst>
+                  <a:ext uri="{FF2B5EF4-FFF2-40B4-BE49-F238E27FC236}">
+                    <a16:creationId xmlns:a16="http://schemas.microsoft.com/office/drawing/2014/main" id="{2A85B35B-9F83-F50A-C15F-87E9C45223F6}"/>
+                  </a:ext>
+                </a:extLst>
+              </p:cNvPr>
+              <p:cNvCxnSpPr>
+                <a:cxnSpLocks/>
+              </p:cNvCxnSpPr>
+              <p:nvPr/>
+            </p:nvCxnSpPr>
+            <p:spPr>
+              <a:xfrm>
+                <a:off x="8074325" y="2311879"/>
+                <a:ext cx="374044" cy="494153"/>
+              </a:xfrm>
+              <a:prstGeom prst="straightConnector1">
+                <a:avLst/>
+              </a:prstGeom>
+              <a:ln w="57150">
+                <a:tailEnd type="triangle"/>
+              </a:ln>
+            </p:spPr>
+            <p:style>
+              <a:lnRef idx="1">
+                <a:schemeClr val="accent1"/>
+              </a:lnRef>
+              <a:fillRef idx="0">
+                <a:schemeClr val="accent1"/>
+              </a:fillRef>
+              <a:effectRef idx="0">
+                <a:schemeClr val="accent1"/>
+              </a:effectRef>
+              <a:fontRef idx="minor">
+                <a:schemeClr val="tx1"/>
+              </a:fontRef>
+            </p:style>
+          </p:cxnSp>
+        </p:grpSp>
+        <p:sp>
+          <p:nvSpPr>
+            <p:cNvPr id="25" name="Stern: 5 Zacken 24">
+              <a:extLst>
+                <a:ext uri="{FF2B5EF4-FFF2-40B4-BE49-F238E27FC236}">
+                  <a16:creationId xmlns:a16="http://schemas.microsoft.com/office/drawing/2014/main" id="{417136E4-6263-9203-B043-DD685842B4F0}"/>
+                </a:ext>
+              </a:extLst>
+            </p:cNvPr>
+            <p:cNvSpPr/>
+            <p:nvPr/>
+          </p:nvSpPr>
+          <p:spPr>
+            <a:xfrm>
+              <a:off x="1108405" y="1401631"/>
+              <a:ext cx="588762" cy="530422"/>
+            </a:xfrm>
+            <a:prstGeom prst="star5">
+              <a:avLst>
+                <a:gd name="adj" fmla="val 30109"/>
+                <a:gd name="hf" fmla="val 105146"/>
+                <a:gd name="vf" fmla="val 110557"/>
+              </a:avLst>
+            </a:prstGeom>
+            <a:solidFill>
+              <a:schemeClr val="accent4">
+                <a:lumMod val="60000"/>
+                <a:lumOff val="40000"/>
+              </a:schemeClr>
+            </a:solidFill>
+            <a:ln w="28575">
+              <a:solidFill>
+                <a:schemeClr val="accent2">
+                  <a:lumMod val="75000"/>
+                </a:schemeClr>
+              </a:solidFill>
+            </a:ln>
+          </p:spPr>
+          <p:style>
+            <a:lnRef idx="2">
+              <a:schemeClr val="accent1">
+                <a:shade val="50000"/>
+              </a:schemeClr>
+            </a:lnRef>
+            <a:fillRef idx="1">
+              <a:schemeClr val="accent1"/>
+            </a:fillRef>
+            <a:effectRef idx="0">
+              <a:schemeClr val="accent1"/>
+            </a:effectRef>
+            <a:fontRef idx="minor">
+              <a:schemeClr val="lt1"/>
+            </a:fontRef>
+          </p:style>
+          <p:txBody>
+            <a:bodyPr rtlCol="0" anchor="ctr"/>
+            <a:lstStyle/>
+            <a:p>
+              <a:pPr algn="ctr"/>
+              <a:endParaRPr lang="zh-CN" altLang="en-US" dirty="0"/>
+            </a:p>
+          </p:txBody>
+        </p:sp>
+        <p:grpSp>
+          <p:nvGrpSpPr>
+            <p:cNvPr id="51" name="Gruppieren 50">
+              <a:extLst>
+                <a:ext uri="{FF2B5EF4-FFF2-40B4-BE49-F238E27FC236}">
+                  <a16:creationId xmlns:a16="http://schemas.microsoft.com/office/drawing/2014/main" id="{2A503D96-61FE-3FC8-D547-E52D5C649D0E}"/>
+                </a:ext>
+              </a:extLst>
+            </p:cNvPr>
+            <p:cNvGrpSpPr/>
+            <p:nvPr/>
+          </p:nvGrpSpPr>
+          <p:grpSpPr>
+            <a:xfrm>
+              <a:off x="2591779" y="2160995"/>
+              <a:ext cx="632603" cy="934370"/>
+              <a:chOff x="8074325" y="1871662"/>
+              <a:chExt cx="632603" cy="934370"/>
+            </a:xfrm>
+          </p:grpSpPr>
+          <p:cxnSp>
+            <p:nvCxnSpPr>
+              <p:cNvPr id="52" name="Gerade Verbindung mit Pfeil 51">
+                <a:extLst>
+                  <a:ext uri="{FF2B5EF4-FFF2-40B4-BE49-F238E27FC236}">
+                    <a16:creationId xmlns:a16="http://schemas.microsoft.com/office/drawing/2014/main" id="{FEB2AC36-22FD-AE0C-C345-EB3468853977}"/>
+                  </a:ext>
+                </a:extLst>
+              </p:cNvPr>
+              <p:cNvCxnSpPr/>
+              <p:nvPr/>
+            </p:nvCxnSpPr>
+            <p:spPr>
+              <a:xfrm flipV="1">
+                <a:off x="8074325" y="1871662"/>
+                <a:ext cx="483079" cy="440217"/>
+              </a:xfrm>
+              <a:prstGeom prst="straightConnector1">
+                <a:avLst/>
+              </a:prstGeom>
+              <a:ln w="57150">
+                <a:tailEnd type="triangle"/>
+              </a:ln>
+            </p:spPr>
+            <p:style>
+              <a:lnRef idx="1">
+                <a:schemeClr val="accent1"/>
+              </a:lnRef>
+              <a:fillRef idx="0">
+                <a:schemeClr val="accent1"/>
+              </a:fillRef>
+              <a:effectRef idx="0">
+                <a:schemeClr val="accent1"/>
+              </a:effectRef>
+              <a:fontRef idx="minor">
+                <a:schemeClr val="tx1"/>
+              </a:fontRef>
+            </p:style>
+          </p:cxnSp>
+          <p:cxnSp>
+            <p:nvCxnSpPr>
+              <p:cNvPr id="53" name="Gerade Verbindung mit Pfeil 52">
+                <a:extLst>
+                  <a:ext uri="{FF2B5EF4-FFF2-40B4-BE49-F238E27FC236}">
+                    <a16:creationId xmlns:a16="http://schemas.microsoft.com/office/drawing/2014/main" id="{4192291F-9535-EFB4-9335-4FF3F81C2635}"/>
+                  </a:ext>
+                </a:extLst>
+              </p:cNvPr>
+              <p:cNvCxnSpPr>
+                <a:cxnSpLocks/>
+              </p:cNvCxnSpPr>
+              <p:nvPr/>
+            </p:nvCxnSpPr>
+            <p:spPr>
+              <a:xfrm flipV="1">
+                <a:off x="8074325" y="2139351"/>
+                <a:ext cx="632603" cy="172528"/>
+              </a:xfrm>
+              <a:prstGeom prst="straightConnector1">
+                <a:avLst/>
+              </a:prstGeom>
+              <a:ln w="57150">
+                <a:tailEnd type="triangle"/>
+              </a:ln>
+            </p:spPr>
+            <p:style>
+              <a:lnRef idx="1">
+                <a:schemeClr val="accent1"/>
+              </a:lnRef>
+              <a:fillRef idx="0">
+                <a:schemeClr val="accent1"/>
+              </a:fillRef>
+              <a:effectRef idx="0">
+                <a:schemeClr val="accent1"/>
+              </a:effectRef>
+              <a:fontRef idx="minor">
+                <a:schemeClr val="tx1"/>
+              </a:fontRef>
+            </p:style>
+          </p:cxnSp>
+          <p:cxnSp>
+            <p:nvCxnSpPr>
+              <p:cNvPr id="54" name="Gerade Verbindung mit Pfeil 53">
+                <a:extLst>
+                  <a:ext uri="{FF2B5EF4-FFF2-40B4-BE49-F238E27FC236}">
+                    <a16:creationId xmlns:a16="http://schemas.microsoft.com/office/drawing/2014/main" id="{AF250D62-D69E-1405-8274-677A689B7D52}"/>
+                  </a:ext>
+                </a:extLst>
+              </p:cNvPr>
+              <p:cNvCxnSpPr>
+                <a:cxnSpLocks/>
+              </p:cNvCxnSpPr>
+              <p:nvPr/>
+            </p:nvCxnSpPr>
+            <p:spPr>
+              <a:xfrm>
+                <a:off x="8074325" y="2311879"/>
+                <a:ext cx="580845" cy="189781"/>
+              </a:xfrm>
+              <a:prstGeom prst="straightConnector1">
+                <a:avLst/>
+              </a:prstGeom>
+              <a:ln w="57150">
+                <a:tailEnd type="triangle"/>
+              </a:ln>
+            </p:spPr>
+            <p:style>
+              <a:lnRef idx="1">
+                <a:schemeClr val="accent1"/>
+              </a:lnRef>
+              <a:fillRef idx="0">
+                <a:schemeClr val="accent1"/>
+              </a:fillRef>
+              <a:effectRef idx="0">
+                <a:schemeClr val="accent1"/>
+              </a:effectRef>
+              <a:fontRef idx="minor">
+                <a:schemeClr val="tx1"/>
+              </a:fontRef>
+            </p:style>
+          </p:cxnSp>
+          <p:cxnSp>
+            <p:nvCxnSpPr>
+              <p:cNvPr id="55" name="Gerade Verbindung mit Pfeil 54">
+                <a:extLst>
+                  <a:ext uri="{FF2B5EF4-FFF2-40B4-BE49-F238E27FC236}">
+                    <a16:creationId xmlns:a16="http://schemas.microsoft.com/office/drawing/2014/main" id="{1857351B-1E27-8402-272D-0C5FA5EC45B7}"/>
+                  </a:ext>
+                </a:extLst>
+              </p:cNvPr>
+              <p:cNvCxnSpPr>
+                <a:cxnSpLocks/>
+              </p:cNvCxnSpPr>
+              <p:nvPr/>
+            </p:nvCxnSpPr>
+            <p:spPr>
+              <a:xfrm>
+                <a:off x="8074325" y="2311879"/>
+                <a:ext cx="374044" cy="494153"/>
+              </a:xfrm>
+              <a:prstGeom prst="straightConnector1">
+                <a:avLst/>
+              </a:prstGeom>
+              <a:ln w="57150">
+                <a:tailEnd type="triangle"/>
+              </a:ln>
+            </p:spPr>
+            <p:style>
+              <a:lnRef idx="1">
+                <a:schemeClr val="accent1"/>
+              </a:lnRef>
+              <a:fillRef idx="0">
+                <a:schemeClr val="accent1"/>
+              </a:fillRef>
+              <a:effectRef idx="0">
+                <a:schemeClr val="accent1"/>
+              </a:effectRef>
+              <a:fontRef idx="minor">
+                <a:schemeClr val="tx1"/>
+              </a:fontRef>
+            </p:style>
+          </p:cxnSp>
+        </p:grpSp>
+        <p:grpSp>
+          <p:nvGrpSpPr>
+            <p:cNvPr id="56" name="Gruppieren 55">
+              <a:extLst>
+                <a:ext uri="{FF2B5EF4-FFF2-40B4-BE49-F238E27FC236}">
+                  <a16:creationId xmlns:a16="http://schemas.microsoft.com/office/drawing/2014/main" id="{1DECB8C1-8314-7E92-9A24-F24DEDB8189C}"/>
+                </a:ext>
+              </a:extLst>
+            </p:cNvPr>
+            <p:cNvGrpSpPr/>
+            <p:nvPr/>
+          </p:nvGrpSpPr>
+          <p:grpSpPr>
+            <a:xfrm>
+              <a:off x="2576704" y="3095365"/>
+              <a:ext cx="632603" cy="934370"/>
+              <a:chOff x="8074325" y="1871662"/>
+              <a:chExt cx="632603" cy="934370"/>
+            </a:xfrm>
+          </p:grpSpPr>
+          <p:cxnSp>
+            <p:nvCxnSpPr>
+              <p:cNvPr id="57" name="Gerade Verbindung mit Pfeil 56">
+                <a:extLst>
+                  <a:ext uri="{FF2B5EF4-FFF2-40B4-BE49-F238E27FC236}">
+                    <a16:creationId xmlns:a16="http://schemas.microsoft.com/office/drawing/2014/main" id="{4E2E41AE-31A0-15FA-B979-8F2DF3D38B2A}"/>
+                  </a:ext>
+                </a:extLst>
+              </p:cNvPr>
+              <p:cNvCxnSpPr/>
+              <p:nvPr/>
+            </p:nvCxnSpPr>
+            <p:spPr>
+              <a:xfrm flipV="1">
+                <a:off x="8074325" y="1871662"/>
+                <a:ext cx="483079" cy="440217"/>
+              </a:xfrm>
+              <a:prstGeom prst="straightConnector1">
+                <a:avLst/>
+              </a:prstGeom>
+              <a:ln w="57150">
+                <a:tailEnd type="triangle"/>
+              </a:ln>
+            </p:spPr>
+            <p:style>
+              <a:lnRef idx="1">
+                <a:schemeClr val="accent1"/>
+              </a:lnRef>
+              <a:fillRef idx="0">
+                <a:schemeClr val="accent1"/>
+              </a:fillRef>
+              <a:effectRef idx="0">
+                <a:schemeClr val="accent1"/>
+              </a:effectRef>
+              <a:fontRef idx="minor">
+                <a:schemeClr val="tx1"/>
+              </a:fontRef>
+            </p:style>
+          </p:cxnSp>
+          <p:cxnSp>
+            <p:nvCxnSpPr>
+              <p:cNvPr id="58" name="Gerade Verbindung mit Pfeil 57">
+                <a:extLst>
+                  <a:ext uri="{FF2B5EF4-FFF2-40B4-BE49-F238E27FC236}">
+                    <a16:creationId xmlns:a16="http://schemas.microsoft.com/office/drawing/2014/main" id="{745CEE4F-B00B-5AE8-13C6-C0ACDDBB9F96}"/>
+                  </a:ext>
+                </a:extLst>
+              </p:cNvPr>
+              <p:cNvCxnSpPr>
+                <a:cxnSpLocks/>
+              </p:cNvCxnSpPr>
+              <p:nvPr/>
+            </p:nvCxnSpPr>
+            <p:spPr>
+              <a:xfrm flipV="1">
+                <a:off x="8074325" y="2139351"/>
+                <a:ext cx="632603" cy="172528"/>
+              </a:xfrm>
+              <a:prstGeom prst="straightConnector1">
+                <a:avLst/>
+              </a:prstGeom>
+              <a:ln w="57150">
+                <a:tailEnd type="triangle"/>
+              </a:ln>
+            </p:spPr>
+            <p:style>
+              <a:lnRef idx="1">
+                <a:schemeClr val="accent1"/>
+              </a:lnRef>
+              <a:fillRef idx="0">
+                <a:schemeClr val="accent1"/>
+              </a:fillRef>
+              <a:effectRef idx="0">
+                <a:schemeClr val="accent1"/>
+              </a:effectRef>
+              <a:fontRef idx="minor">
+                <a:schemeClr val="tx1"/>
+              </a:fontRef>
+            </p:style>
+          </p:cxnSp>
+          <p:cxnSp>
+            <p:nvCxnSpPr>
+              <p:cNvPr id="59" name="Gerade Verbindung mit Pfeil 58">
+                <a:extLst>
+                  <a:ext uri="{FF2B5EF4-FFF2-40B4-BE49-F238E27FC236}">
+                    <a16:creationId xmlns:a16="http://schemas.microsoft.com/office/drawing/2014/main" id="{1673F16C-11A3-1ECA-87C4-9A9E18800DD8}"/>
+                  </a:ext>
+                </a:extLst>
+              </p:cNvPr>
+              <p:cNvCxnSpPr>
+                <a:cxnSpLocks/>
+              </p:cNvCxnSpPr>
+              <p:nvPr/>
+            </p:nvCxnSpPr>
+            <p:spPr>
+              <a:xfrm>
+                <a:off x="8074325" y="2311879"/>
+                <a:ext cx="580845" cy="189781"/>
+              </a:xfrm>
+              <a:prstGeom prst="straightConnector1">
+                <a:avLst/>
+              </a:prstGeom>
+              <a:ln w="57150">
+                <a:tailEnd type="triangle"/>
+              </a:ln>
+            </p:spPr>
+            <p:style>
+              <a:lnRef idx="1">
+                <a:schemeClr val="accent1"/>
+              </a:lnRef>
+              <a:fillRef idx="0">
+                <a:schemeClr val="accent1"/>
+              </a:fillRef>
+              <a:effectRef idx="0">
+                <a:schemeClr val="accent1"/>
+              </a:effectRef>
+              <a:fontRef idx="minor">
+                <a:schemeClr val="tx1"/>
+              </a:fontRef>
+            </p:style>
+          </p:cxnSp>
+          <p:cxnSp>
+            <p:nvCxnSpPr>
+              <p:cNvPr id="60" name="Gerade Verbindung mit Pfeil 59">
+                <a:extLst>
+                  <a:ext uri="{FF2B5EF4-FFF2-40B4-BE49-F238E27FC236}">
+                    <a16:creationId xmlns:a16="http://schemas.microsoft.com/office/drawing/2014/main" id="{48D964FA-5E39-A039-F2B9-365BE6A672C5}"/>
+                  </a:ext>
+                </a:extLst>
+              </p:cNvPr>
+              <p:cNvCxnSpPr>
+                <a:cxnSpLocks/>
+              </p:cNvCxnSpPr>
+              <p:nvPr/>
+            </p:nvCxnSpPr>
+            <p:spPr>
+              <a:xfrm>
+                <a:off x="8074325" y="2311879"/>
+                <a:ext cx="374044" cy="494153"/>
+              </a:xfrm>
+              <a:prstGeom prst="straightConnector1">
+                <a:avLst/>
+              </a:prstGeom>
+              <a:ln w="57150">
+                <a:tailEnd type="triangle"/>
+              </a:ln>
+            </p:spPr>
+            <p:style>
+              <a:lnRef idx="1">
+                <a:schemeClr val="accent1"/>
+              </a:lnRef>
+              <a:fillRef idx="0">
+                <a:schemeClr val="accent1"/>
+              </a:fillRef>
+              <a:effectRef idx="0">
+                <a:schemeClr val="accent1"/>
+              </a:effectRef>
+              <a:fontRef idx="minor">
+                <a:schemeClr val="tx1"/>
+              </a:fontRef>
+            </p:style>
+          </p:cxnSp>
+        </p:grpSp>
+        <p:grpSp>
+          <p:nvGrpSpPr>
+            <p:cNvPr id="61" name="Gruppieren 60">
+              <a:extLst>
+                <a:ext uri="{FF2B5EF4-FFF2-40B4-BE49-F238E27FC236}">
+                  <a16:creationId xmlns:a16="http://schemas.microsoft.com/office/drawing/2014/main" id="{EFA99EB9-005B-C760-10DD-2A716A3EEE68}"/>
+                </a:ext>
+              </a:extLst>
+            </p:cNvPr>
+            <p:cNvGrpSpPr/>
+            <p:nvPr/>
+          </p:nvGrpSpPr>
+          <p:grpSpPr>
+            <a:xfrm>
+              <a:off x="2560887" y="4035698"/>
+              <a:ext cx="632603" cy="934370"/>
+              <a:chOff x="8074325" y="1871662"/>
+              <a:chExt cx="632603" cy="934370"/>
+            </a:xfrm>
+          </p:grpSpPr>
+          <p:cxnSp>
+            <p:nvCxnSpPr>
+              <p:cNvPr id="62" name="Gerade Verbindung mit Pfeil 61">
+                <a:extLst>
+                  <a:ext uri="{FF2B5EF4-FFF2-40B4-BE49-F238E27FC236}">
+                    <a16:creationId xmlns:a16="http://schemas.microsoft.com/office/drawing/2014/main" id="{036E47C7-5C7C-15F9-1539-D06E68C31735}"/>
+                  </a:ext>
+                </a:extLst>
+              </p:cNvPr>
+              <p:cNvCxnSpPr/>
+              <p:nvPr/>
+            </p:nvCxnSpPr>
+            <p:spPr>
+              <a:xfrm flipV="1">
+                <a:off x="8074325" y="1871662"/>
+                <a:ext cx="483079" cy="440217"/>
+              </a:xfrm>
+              <a:prstGeom prst="straightConnector1">
+                <a:avLst/>
+              </a:prstGeom>
+              <a:ln w="57150">
+                <a:tailEnd type="triangle"/>
+              </a:ln>
+            </p:spPr>
+            <p:style>
+              <a:lnRef idx="1">
+                <a:schemeClr val="accent1"/>
+              </a:lnRef>
+              <a:fillRef idx="0">
+                <a:schemeClr val="accent1"/>
+              </a:fillRef>
+              <a:effectRef idx="0">
+                <a:schemeClr val="accent1"/>
+              </a:effectRef>
+              <a:fontRef idx="minor">
+                <a:schemeClr val="tx1"/>
+              </a:fontRef>
+            </p:style>
+          </p:cxnSp>
+          <p:cxnSp>
+            <p:nvCxnSpPr>
+              <p:cNvPr id="63" name="Gerade Verbindung mit Pfeil 62">
+                <a:extLst>
+                  <a:ext uri="{FF2B5EF4-FFF2-40B4-BE49-F238E27FC236}">
+                    <a16:creationId xmlns:a16="http://schemas.microsoft.com/office/drawing/2014/main" id="{8206BD78-1336-BF86-25E1-80018FD232D2}"/>
+                  </a:ext>
+                </a:extLst>
+              </p:cNvPr>
+              <p:cNvCxnSpPr>
+                <a:cxnSpLocks/>
+              </p:cNvCxnSpPr>
+              <p:nvPr/>
+            </p:nvCxnSpPr>
+            <p:spPr>
+              <a:xfrm flipV="1">
+                <a:off x="8074325" y="2139351"/>
+                <a:ext cx="632603" cy="172528"/>
+              </a:xfrm>
+              <a:prstGeom prst="straightConnector1">
+                <a:avLst/>
+              </a:prstGeom>
+              <a:ln w="57150">
+                <a:tailEnd type="triangle"/>
+              </a:ln>
+            </p:spPr>
+            <p:style>
+              <a:lnRef idx="1">
+                <a:schemeClr val="accent1"/>
+              </a:lnRef>
+              <a:fillRef idx="0">
+                <a:schemeClr val="accent1"/>
+              </a:fillRef>
+              <a:effectRef idx="0">
+                <a:schemeClr val="accent1"/>
+              </a:effectRef>
+              <a:fontRef idx="minor">
+                <a:schemeClr val="tx1"/>
+              </a:fontRef>
+            </p:style>
+          </p:cxnSp>
+          <p:cxnSp>
+            <p:nvCxnSpPr>
+              <p:cNvPr id="64" name="Gerade Verbindung mit Pfeil 63">
+                <a:extLst>
+                  <a:ext uri="{FF2B5EF4-FFF2-40B4-BE49-F238E27FC236}">
+                    <a16:creationId xmlns:a16="http://schemas.microsoft.com/office/drawing/2014/main" id="{67ECA8A2-749C-43C6-DE18-4000DB888D8D}"/>
+                  </a:ext>
+                </a:extLst>
+              </p:cNvPr>
+              <p:cNvCxnSpPr>
+                <a:cxnSpLocks/>
+              </p:cNvCxnSpPr>
+              <p:nvPr/>
+            </p:nvCxnSpPr>
+            <p:spPr>
+              <a:xfrm>
+                <a:off x="8074325" y="2311879"/>
+                <a:ext cx="580845" cy="189781"/>
+              </a:xfrm>
+              <a:prstGeom prst="straightConnector1">
+                <a:avLst/>
+              </a:prstGeom>
+              <a:ln w="57150">
+                <a:tailEnd type="triangle"/>
+              </a:ln>
+            </p:spPr>
+            <p:style>
+              <a:lnRef idx="1">
+                <a:schemeClr val="accent1"/>
+              </a:lnRef>
+              <a:fillRef idx="0">
+                <a:schemeClr val="accent1"/>
+              </a:fillRef>
+              <a:effectRef idx="0">
+                <a:schemeClr val="accent1"/>
+              </a:effectRef>
+              <a:fontRef idx="minor">
+                <a:schemeClr val="tx1"/>
+              </a:fontRef>
+            </p:style>
+          </p:cxnSp>
+          <p:cxnSp>
+            <p:nvCxnSpPr>
+              <p:cNvPr id="65" name="Gerade Verbindung mit Pfeil 64">
+                <a:extLst>
+                  <a:ext uri="{FF2B5EF4-FFF2-40B4-BE49-F238E27FC236}">
+                    <a16:creationId xmlns:a16="http://schemas.microsoft.com/office/drawing/2014/main" id="{3C6E780F-91D8-1D9F-868F-FF3CBFBFBA99}"/>
+                  </a:ext>
+                </a:extLst>
+              </p:cNvPr>
+              <p:cNvCxnSpPr>
+                <a:cxnSpLocks/>
+              </p:cNvCxnSpPr>
+              <p:nvPr/>
+            </p:nvCxnSpPr>
+            <p:spPr>
+              <a:xfrm>
+                <a:off x="8074325" y="2311879"/>
+                <a:ext cx="374044" cy="494153"/>
+              </a:xfrm>
+              <a:prstGeom prst="straightConnector1">
+                <a:avLst/>
+              </a:prstGeom>
+              <a:ln w="57150">
+                <a:tailEnd type="triangle"/>
+              </a:ln>
+            </p:spPr>
+            <p:style>
+              <a:lnRef idx="1">
+                <a:schemeClr val="accent1"/>
+              </a:lnRef>
+              <a:fillRef idx="0">
+                <a:schemeClr val="accent1"/>
+              </a:fillRef>
+              <a:effectRef idx="0">
+                <a:schemeClr val="accent1"/>
+              </a:effectRef>
+              <a:fontRef idx="minor">
+                <a:schemeClr val="tx1"/>
+              </a:fontRef>
+            </p:style>
+          </p:cxnSp>
+        </p:grpSp>
+        <p:cxnSp>
+          <p:nvCxnSpPr>
+            <p:cNvPr id="67" name="Verbinder: gekrümmt 66">
+              <a:extLst>
+                <a:ext uri="{FF2B5EF4-FFF2-40B4-BE49-F238E27FC236}">
+                  <a16:creationId xmlns:a16="http://schemas.microsoft.com/office/drawing/2014/main" id="{492A9E50-C3D0-C568-60C6-C2288A4185F0}"/>
+                </a:ext>
+              </a:extLst>
+            </p:cNvPr>
+            <p:cNvCxnSpPr>
+              <a:cxnSpLocks/>
+              <a:stCxn id="26" idx="1"/>
+              <a:endCxn id="12" idx="2"/>
+            </p:cNvCxnSpPr>
+            <p:nvPr/>
+          </p:nvCxnSpPr>
+          <p:spPr>
+            <a:xfrm rot="10800000" flipH="1" flipV="1">
+              <a:off x="2277225" y="1595595"/>
+              <a:ext cx="160434" cy="996978"/>
+            </a:xfrm>
+            <a:prstGeom prst="curvedConnector3">
+              <a:avLst>
+                <a:gd name="adj1" fmla="val -88720"/>
+              </a:avLst>
+            </a:prstGeom>
+            <a:ln w="38100">
+              <a:solidFill>
+                <a:srgbClr val="FF0000"/>
+              </a:solidFill>
+              <a:tailEnd type="triangle"/>
+            </a:ln>
+          </p:spPr>
+          <p:style>
+            <a:lnRef idx="1">
+              <a:schemeClr val="accent1"/>
+            </a:lnRef>
+            <a:fillRef idx="0">
+              <a:schemeClr val="accent1"/>
+            </a:fillRef>
+            <a:effectRef idx="0">
+              <a:schemeClr val="accent1"/>
+            </a:effectRef>
+            <a:fontRef idx="minor">
+              <a:schemeClr val="tx1"/>
+            </a:fontRef>
+          </p:style>
+        </p:cxnSp>
+        <p:cxnSp>
+          <p:nvCxnSpPr>
+            <p:cNvPr id="68" name="Verbinder: gekrümmt 67">
+              <a:extLst>
+                <a:ext uri="{FF2B5EF4-FFF2-40B4-BE49-F238E27FC236}">
+                  <a16:creationId xmlns:a16="http://schemas.microsoft.com/office/drawing/2014/main" id="{A451311A-0FCD-1720-C14A-18C4372EFEAB}"/>
+                </a:ext>
+              </a:extLst>
+            </p:cNvPr>
+            <p:cNvCxnSpPr>
+              <a:cxnSpLocks/>
+              <a:stCxn id="26" idx="1"/>
+              <a:endCxn id="13" idx="2"/>
+            </p:cNvCxnSpPr>
+            <p:nvPr/>
+          </p:nvCxnSpPr>
+          <p:spPr>
+            <a:xfrm rot="10800000" flipH="1" flipV="1">
+              <a:off x="2277225" y="1595595"/>
+              <a:ext cx="160434" cy="1931348"/>
+            </a:xfrm>
+            <a:prstGeom prst="curvedConnector3">
+              <a:avLst>
+                <a:gd name="adj1" fmla="val -142489"/>
+              </a:avLst>
+            </a:prstGeom>
+            <a:ln w="38100">
+              <a:solidFill>
+                <a:srgbClr val="FF0000"/>
+              </a:solidFill>
+              <a:tailEnd type="triangle"/>
+            </a:ln>
+          </p:spPr>
+          <p:style>
+            <a:lnRef idx="1">
+              <a:schemeClr val="accent1"/>
+            </a:lnRef>
+            <a:fillRef idx="0">
+              <a:schemeClr val="accent1"/>
+            </a:fillRef>
+            <a:effectRef idx="0">
+              <a:schemeClr val="accent1"/>
+            </a:effectRef>
+            <a:fontRef idx="minor">
+              <a:schemeClr val="tx1"/>
+            </a:fontRef>
+          </p:style>
+        </p:cxnSp>
+        <p:cxnSp>
+          <p:nvCxnSpPr>
+            <p:cNvPr id="76" name="Verbinder: gekrümmt 75">
+              <a:extLst>
+                <a:ext uri="{FF2B5EF4-FFF2-40B4-BE49-F238E27FC236}">
+                  <a16:creationId xmlns:a16="http://schemas.microsoft.com/office/drawing/2014/main" id="{5025937C-A4DC-5EB4-C346-2E299391C013}"/>
+                </a:ext>
+              </a:extLst>
+            </p:cNvPr>
+            <p:cNvCxnSpPr>
+              <a:cxnSpLocks/>
+              <a:stCxn id="26" idx="1"/>
+              <a:endCxn id="14" idx="2"/>
+            </p:cNvCxnSpPr>
+            <p:nvPr/>
+          </p:nvCxnSpPr>
+          <p:spPr>
+            <a:xfrm rot="10800000" flipH="1" flipV="1">
+              <a:off x="2277225" y="1595595"/>
+              <a:ext cx="160434" cy="2865718"/>
+            </a:xfrm>
+            <a:prstGeom prst="curvedConnector3">
+              <a:avLst>
+                <a:gd name="adj1" fmla="val -142489"/>
+              </a:avLst>
+            </a:prstGeom>
+            <a:ln w="38100">
+              <a:solidFill>
+                <a:srgbClr val="FF0000"/>
+              </a:solidFill>
+              <a:tailEnd type="triangle"/>
+            </a:ln>
+          </p:spPr>
+          <p:style>
+            <a:lnRef idx="1">
+              <a:schemeClr val="accent1"/>
+            </a:lnRef>
+            <a:fillRef idx="0">
+              <a:schemeClr val="accent1"/>
+            </a:fillRef>
+            <a:effectRef idx="0">
+              <a:schemeClr val="accent1"/>
+            </a:effectRef>
+            <a:fontRef idx="minor">
+              <a:schemeClr val="tx1"/>
+            </a:fontRef>
+          </p:style>
+        </p:cxnSp>
+        <p:cxnSp>
+          <p:nvCxnSpPr>
+            <p:cNvPr id="79" name="Gerade Verbindung mit Pfeil 78">
+              <a:extLst>
+                <a:ext uri="{FF2B5EF4-FFF2-40B4-BE49-F238E27FC236}">
+                  <a16:creationId xmlns:a16="http://schemas.microsoft.com/office/drawing/2014/main" id="{18AF19AA-9FFC-FDFF-A138-469A95AF34B6}"/>
+                </a:ext>
+              </a:extLst>
+            </p:cNvPr>
+            <p:cNvCxnSpPr>
+              <a:cxnSpLocks/>
+              <a:stCxn id="27" idx="4"/>
+              <a:endCxn id="33" idx="1"/>
+            </p:cNvCxnSpPr>
+            <p:nvPr/>
+          </p:nvCxnSpPr>
+          <p:spPr>
+            <a:xfrm>
+              <a:off x="4057909" y="1595595"/>
+              <a:ext cx="1340682" cy="934370"/>
+            </a:xfrm>
+            <a:prstGeom prst="straightConnector1">
+              <a:avLst/>
+            </a:prstGeom>
+            <a:ln w="57150">
+              <a:tailEnd type="triangle"/>
+            </a:ln>
+          </p:spPr>
+          <p:style>
+            <a:lnRef idx="1">
+              <a:schemeClr val="accent1"/>
+            </a:lnRef>
+            <a:fillRef idx="0">
+              <a:schemeClr val="accent1"/>
+            </a:fillRef>
+            <a:effectRef idx="0">
+              <a:schemeClr val="accent1"/>
+            </a:effectRef>
+            <a:fontRef idx="minor">
+              <a:schemeClr val="tx1"/>
+            </a:fontRef>
+          </p:style>
+        </p:cxnSp>
+      </p:grpSp>
+      <p:grpSp>
+        <p:nvGrpSpPr>
+          <p:cNvPr id="34" name="Gruppieren 33">
+            <a:extLst>
+              <a:ext uri="{FF2B5EF4-FFF2-40B4-BE49-F238E27FC236}">
+                <a16:creationId xmlns:a16="http://schemas.microsoft.com/office/drawing/2014/main" id="{87584AF8-B1E1-0B15-263B-0C8376DB7533}"/>
+              </a:ext>
+            </a:extLst>
+          </p:cNvPr>
+          <p:cNvGrpSpPr/>
+          <p:nvPr/>
+        </p:nvGrpSpPr>
+        <p:grpSpPr>
+          <a:xfrm>
+            <a:off x="6784258" y="2308544"/>
+            <a:ext cx="3911240" cy="2449806"/>
+            <a:chOff x="6001727" y="2072581"/>
+            <a:chExt cx="6701717" cy="4197622"/>
+          </a:xfrm>
+        </p:grpSpPr>
+        <p:sp>
+          <p:nvSpPr>
+            <p:cNvPr id="2" name="Rechteck 1">
+              <a:extLst>
+                <a:ext uri="{FF2B5EF4-FFF2-40B4-BE49-F238E27FC236}">
+                  <a16:creationId xmlns:a16="http://schemas.microsoft.com/office/drawing/2014/main" id="{64F8C006-4D05-C4B7-E496-22DB1E6F9091}"/>
+                </a:ext>
+              </a:extLst>
+            </p:cNvPr>
+            <p:cNvSpPr/>
+            <p:nvPr/>
+          </p:nvSpPr>
+          <p:spPr>
+            <a:xfrm>
+              <a:off x="7831408" y="2072581"/>
+              <a:ext cx="4872036" cy="914090"/>
+            </a:xfrm>
+            <a:prstGeom prst="rect">
+              <a:avLst/>
+            </a:prstGeom>
+            <a:noFill/>
+            <a:ln w="38100" cap="flat">
+              <a:solidFill>
+                <a:schemeClr val="tx1"/>
+              </a:solidFill>
+              <a:miter lim="400000"/>
+            </a:ln>
+            <a:effectLst/>
+            <a:sp3d/>
+          </p:spPr>
+          <p:style>
+            <a:lnRef idx="0">
+              <a:scrgbClr r="0" g="0" b="0"/>
+            </a:lnRef>
+            <a:fillRef idx="0">
+              <a:scrgbClr r="0" g="0" b="0"/>
+            </a:fillRef>
+            <a:effectRef idx="0">
+              <a:scrgbClr r="0" g="0" b="0"/>
+            </a:effectRef>
+            <a:fontRef idx="none"/>
+          </p:style>
+          <p:txBody>
+            <a:bodyPr rot="0" spcFirstLastPara="1" vertOverflow="overflow" horzOverflow="overflow" vert="horz" wrap="square" lIns="50800" tIns="50800" rIns="50800" bIns="50800" numCol="1" spcCol="38100" rtlCol="0" anchor="ctr">
+              <a:spAutoFit/>
+            </a:bodyPr>
+            <a:lstStyle/>
+            <a:p>
+              <a:pPr marL="0" marR="0" indent="0" algn="ctr" defTabSz="825500" rtl="0" fontAlgn="auto" latinLnBrk="0" hangingPunct="0">
+                <a:lnSpc>
+                  <a:spcPct val="100000"/>
+                </a:lnSpc>
+                <a:spcBef>
+                  <a:spcPts val="0"/>
+                </a:spcBef>
+                <a:spcAft>
+                  <a:spcPts val="0"/>
+                </a:spcAft>
+                <a:buClrTx/>
+                <a:buSzTx/>
+                <a:buFontTx/>
+                <a:buNone/>
+                <a:tabLst/>
+              </a:pPr>
+              <a:r>
+                <a:rPr lang="en-US" altLang="zh-CN" sz="2800" dirty="0">
+                  <a:solidFill>
+                    <a:schemeClr val="tx1"/>
+                  </a:solidFill>
+                  <a:latin typeface="Helvetica Neue Medium"/>
+                  <a:ea typeface="Helvetica Neue Medium"/>
+                  <a:cs typeface="Helvetica Neue Medium"/>
+                  <a:sym typeface="Helvetica Neue Medium"/>
+                </a:rPr>
+                <a:t>Get tiebreaker</a:t>
+              </a:r>
+              <a:endParaRPr kumimoji="0" lang="zh-CN" altLang="en-US" sz="2800" b="0" i="0" u="none" strike="noStrike" cap="none" spc="0" normalizeH="0" baseline="0" dirty="0">
+                <a:ln>
+                  <a:noFill/>
+                </a:ln>
+                <a:solidFill>
+                  <a:schemeClr val="tx1"/>
+                </a:solidFill>
+                <a:effectLst/>
+                <a:uFillTx/>
+                <a:latin typeface="Helvetica Neue Medium"/>
+                <a:ea typeface="Helvetica Neue Medium"/>
+                <a:cs typeface="Helvetica Neue Medium"/>
+                <a:sym typeface="Helvetica Neue Medium"/>
+              </a:endParaRPr>
+            </a:p>
+          </p:txBody>
+        </p:sp>
+        <p:sp>
+          <p:nvSpPr>
+            <p:cNvPr id="4" name="Rechteck 3">
+              <a:extLst>
+                <a:ext uri="{FF2B5EF4-FFF2-40B4-BE49-F238E27FC236}">
+                  <a16:creationId xmlns:a16="http://schemas.microsoft.com/office/drawing/2014/main" id="{E9732CD3-5472-E290-2E96-60FA62D8EDE4}"/>
+                </a:ext>
+              </a:extLst>
+            </p:cNvPr>
+            <p:cNvSpPr/>
+            <p:nvPr/>
+          </p:nvSpPr>
+          <p:spPr>
+            <a:xfrm>
+              <a:off x="7831408" y="3680285"/>
+              <a:ext cx="4872036" cy="914090"/>
+            </a:xfrm>
+            <a:prstGeom prst="rect">
+              <a:avLst/>
+            </a:prstGeom>
+            <a:noFill/>
+            <a:ln w="38100" cap="flat">
+              <a:solidFill>
+                <a:schemeClr val="tx1"/>
+              </a:solidFill>
+              <a:miter lim="400000"/>
+            </a:ln>
+            <a:effectLst/>
+            <a:sp3d/>
+          </p:spPr>
+          <p:style>
+            <a:lnRef idx="0">
+              <a:scrgbClr r="0" g="0" b="0"/>
+            </a:lnRef>
+            <a:fillRef idx="0">
+              <a:scrgbClr r="0" g="0" b="0"/>
+            </a:fillRef>
+            <a:effectRef idx="0">
+              <a:scrgbClr r="0" g="0" b="0"/>
+            </a:effectRef>
+            <a:fontRef idx="none"/>
+          </p:style>
+          <p:txBody>
+            <a:bodyPr rot="0" spcFirstLastPara="1" vertOverflow="overflow" horzOverflow="overflow" vert="horz" wrap="square" lIns="50800" tIns="50800" rIns="50800" bIns="50800" numCol="1" spcCol="38100" rtlCol="0" anchor="ctr">
+              <a:spAutoFit/>
+            </a:bodyPr>
+            <a:lstStyle/>
+            <a:p>
+              <a:pPr marL="0" marR="0" indent="0" algn="ctr" defTabSz="825500" rtl="0" fontAlgn="auto" latinLnBrk="0" hangingPunct="0">
+                <a:lnSpc>
+                  <a:spcPct val="100000"/>
+                </a:lnSpc>
+                <a:spcBef>
+                  <a:spcPts val="0"/>
+                </a:spcBef>
+                <a:spcAft>
+                  <a:spcPts val="0"/>
+                </a:spcAft>
+                <a:buClrTx/>
+                <a:buSzTx/>
+                <a:buFontTx/>
+                <a:buNone/>
+                <a:tabLst/>
+              </a:pPr>
+              <a:r>
+                <a:rPr kumimoji="0" lang="en-US" altLang="zh-CN" sz="2800" b="0" i="0" u="none" strike="noStrike" cap="none" spc="0" normalizeH="0" baseline="0" dirty="0">
+                  <a:ln>
+                    <a:noFill/>
+                  </a:ln>
+                  <a:solidFill>
+                    <a:schemeClr val="tx1"/>
+                  </a:solidFill>
+                  <a:effectLst/>
+                  <a:uFillTx/>
+                  <a:latin typeface="Helvetica Neue Medium"/>
+                  <a:ea typeface="Helvetica Neue Medium"/>
+                  <a:cs typeface="Helvetica Neue Medium"/>
+                  <a:sym typeface="Helvetica Neue Medium"/>
+                </a:rPr>
+                <a:t>Get Majority</a:t>
+              </a:r>
+              <a:endParaRPr kumimoji="0" lang="zh-CN" altLang="en-US" sz="2800" b="0" i="0" u="none" strike="noStrike" cap="none" spc="0" normalizeH="0" baseline="0" dirty="0">
+                <a:ln>
+                  <a:noFill/>
+                </a:ln>
+                <a:solidFill>
+                  <a:schemeClr val="tx1"/>
+                </a:solidFill>
+                <a:effectLst/>
+                <a:uFillTx/>
+                <a:latin typeface="Helvetica Neue Medium"/>
+                <a:ea typeface="Helvetica Neue Medium"/>
+                <a:cs typeface="Helvetica Neue Medium"/>
+                <a:sym typeface="Helvetica Neue Medium"/>
+              </a:endParaRPr>
+            </a:p>
+          </p:txBody>
+        </p:sp>
+        <p:sp>
+          <p:nvSpPr>
+            <p:cNvPr id="5" name="Rechteck 4">
+              <a:extLst>
+                <a:ext uri="{FF2B5EF4-FFF2-40B4-BE49-F238E27FC236}">
+                  <a16:creationId xmlns:a16="http://schemas.microsoft.com/office/drawing/2014/main" id="{9232D98B-6F0B-DBD7-94A2-C1F070B707D8}"/>
+                </a:ext>
+              </a:extLst>
+            </p:cNvPr>
+            <p:cNvSpPr/>
+            <p:nvPr/>
+          </p:nvSpPr>
+          <p:spPr>
+            <a:xfrm>
+              <a:off x="7831408" y="5356113"/>
+              <a:ext cx="4872036" cy="914090"/>
+            </a:xfrm>
+            <a:prstGeom prst="rect">
+              <a:avLst/>
+            </a:prstGeom>
+            <a:noFill/>
+            <a:ln w="38100" cap="flat">
+              <a:solidFill>
+                <a:schemeClr val="tx1"/>
+              </a:solidFill>
+              <a:miter lim="400000"/>
+            </a:ln>
+            <a:effectLst/>
+            <a:sp3d/>
+          </p:spPr>
+          <p:style>
+            <a:lnRef idx="0">
+              <a:scrgbClr r="0" g="0" b="0"/>
+            </a:lnRef>
+            <a:fillRef idx="0">
+              <a:scrgbClr r="0" g="0" b="0"/>
+            </a:fillRef>
+            <a:effectRef idx="0">
+              <a:scrgbClr r="0" g="0" b="0"/>
+            </a:effectRef>
+            <a:fontRef idx="none"/>
+          </p:style>
+          <p:txBody>
+            <a:bodyPr rot="0" spcFirstLastPara="1" vertOverflow="overflow" horzOverflow="overflow" vert="horz" wrap="square" lIns="50800" tIns="50800" rIns="50800" bIns="50800" numCol="1" spcCol="38100" rtlCol="0" anchor="ctr">
+              <a:spAutoFit/>
+            </a:bodyPr>
+            <a:lstStyle/>
+            <a:p>
+              <a:pPr marL="0" marR="0" indent="0" algn="ctr" defTabSz="825500" rtl="0" fontAlgn="auto" latinLnBrk="0" hangingPunct="0">
+                <a:lnSpc>
+                  <a:spcPct val="100000"/>
+                </a:lnSpc>
+                <a:spcBef>
+                  <a:spcPts val="0"/>
+                </a:spcBef>
+                <a:spcAft>
+                  <a:spcPts val="0"/>
+                </a:spcAft>
+                <a:buClrTx/>
+                <a:buSzTx/>
+                <a:buFontTx/>
+                <a:buNone/>
+                <a:tabLst/>
+              </a:pPr>
+              <a:r>
+                <a:rPr lang="en-US" altLang="zh-CN" sz="2800" dirty="0">
+                  <a:solidFill>
+                    <a:schemeClr val="tx1"/>
+                  </a:solidFill>
+                  <a:latin typeface="Helvetica Neue Medium"/>
+                  <a:ea typeface="Helvetica Neue Medium"/>
+                  <a:cs typeface="Helvetica Neue Medium"/>
+                  <a:sym typeface="Helvetica Neue Medium"/>
+                </a:rPr>
+                <a:t>Update value</a:t>
+              </a:r>
+              <a:endParaRPr kumimoji="0" lang="zh-CN" altLang="en-US" sz="2800" b="0" i="0" u="none" strike="noStrike" cap="none" spc="0" normalizeH="0" baseline="0" dirty="0">
+                <a:ln>
+                  <a:noFill/>
+                </a:ln>
+                <a:solidFill>
+                  <a:schemeClr val="tx1"/>
+                </a:solidFill>
+                <a:effectLst/>
+                <a:uFillTx/>
+                <a:latin typeface="Helvetica Neue Medium"/>
+                <a:ea typeface="Helvetica Neue Medium"/>
+                <a:cs typeface="Helvetica Neue Medium"/>
+                <a:sym typeface="Helvetica Neue Medium"/>
+              </a:endParaRPr>
+            </a:p>
+          </p:txBody>
+        </p:sp>
+        <p:cxnSp>
+          <p:nvCxnSpPr>
+            <p:cNvPr id="20" name="Gerade Verbindung mit Pfeil 19">
+              <a:extLst>
+                <a:ext uri="{FF2B5EF4-FFF2-40B4-BE49-F238E27FC236}">
+                  <a16:creationId xmlns:a16="http://schemas.microsoft.com/office/drawing/2014/main" id="{65EAEF4D-9BA2-9B4E-0F83-CEC6AE9EFF31}"/>
+                </a:ext>
+              </a:extLst>
+            </p:cNvPr>
+            <p:cNvCxnSpPr>
+              <a:stCxn id="2" idx="2"/>
+              <a:endCxn id="4" idx="0"/>
+            </p:cNvCxnSpPr>
+            <p:nvPr/>
+          </p:nvCxnSpPr>
+          <p:spPr>
+            <a:xfrm>
+              <a:off x="10267426" y="2986671"/>
+              <a:ext cx="0" cy="693613"/>
+            </a:xfrm>
+            <a:prstGeom prst="straightConnector1">
+              <a:avLst/>
+            </a:prstGeom>
+            <a:noFill/>
+            <a:ln w="76200" cap="flat">
+              <a:solidFill>
+                <a:schemeClr val="tx1"/>
+              </a:solidFill>
+              <a:prstDash val="solid"/>
+              <a:miter lim="400000"/>
+              <a:tailEnd type="triangle"/>
+            </a:ln>
+            <a:effectLst/>
+            <a:sp3d/>
+          </p:spPr>
+          <p:style>
+            <a:lnRef idx="0">
+              <a:scrgbClr r="0" g="0" b="0"/>
+            </a:lnRef>
+            <a:fillRef idx="0">
+              <a:scrgbClr r="0" g="0" b="0"/>
+            </a:fillRef>
+            <a:effectRef idx="0">
+              <a:scrgbClr r="0" g="0" b="0"/>
+            </a:effectRef>
+            <a:fontRef idx="none"/>
+          </p:style>
+        </p:cxnSp>
+        <p:cxnSp>
+          <p:nvCxnSpPr>
+            <p:cNvPr id="21" name="Gerade Verbindung mit Pfeil 20">
+              <a:extLst>
+                <a:ext uri="{FF2B5EF4-FFF2-40B4-BE49-F238E27FC236}">
+                  <a16:creationId xmlns:a16="http://schemas.microsoft.com/office/drawing/2014/main" id="{23267F66-362B-0F92-E7C0-6941F4906C62}"/>
+                </a:ext>
+              </a:extLst>
+            </p:cNvPr>
+            <p:cNvCxnSpPr>
+              <a:cxnSpLocks/>
+              <a:stCxn id="4" idx="2"/>
+              <a:endCxn id="5" idx="0"/>
+            </p:cNvCxnSpPr>
+            <p:nvPr/>
+          </p:nvCxnSpPr>
+          <p:spPr>
+            <a:xfrm>
+              <a:off x="10267426" y="4594375"/>
+              <a:ext cx="0" cy="761739"/>
+            </a:xfrm>
+            <a:prstGeom prst="straightConnector1">
+              <a:avLst/>
+            </a:prstGeom>
+            <a:noFill/>
+            <a:ln w="76200" cap="flat">
+              <a:solidFill>
+                <a:schemeClr val="tx1"/>
+              </a:solidFill>
+              <a:prstDash val="solid"/>
+              <a:miter lim="400000"/>
+              <a:tailEnd type="triangle"/>
+            </a:ln>
+            <a:effectLst/>
+            <a:sp3d/>
+          </p:spPr>
+          <p:style>
+            <a:lnRef idx="0">
+              <a:scrgbClr r="0" g="0" b="0"/>
+            </a:lnRef>
+            <a:fillRef idx="0">
+              <a:scrgbClr r="0" g="0" b="0"/>
+            </a:fillRef>
+            <a:effectRef idx="0">
+              <a:scrgbClr r="0" g="0" b="0"/>
+            </a:effectRef>
+            <a:fontRef idx="none"/>
+          </p:style>
+        </p:cxnSp>
+        <p:sp>
+          <p:nvSpPr>
+            <p:cNvPr id="22" name="Rechteck 21">
+              <a:extLst>
+                <a:ext uri="{FF2B5EF4-FFF2-40B4-BE49-F238E27FC236}">
+                  <a16:creationId xmlns:a16="http://schemas.microsoft.com/office/drawing/2014/main" id="{3E3FE19B-6836-150D-7FBE-31FEDF79774F}"/>
+                </a:ext>
+              </a:extLst>
+            </p:cNvPr>
+            <p:cNvSpPr/>
+            <p:nvPr/>
+          </p:nvSpPr>
+          <p:spPr>
+            <a:xfrm>
+              <a:off x="6001727" y="2179428"/>
+              <a:ext cx="1456284" cy="685569"/>
+            </a:xfrm>
+            <a:prstGeom prst="rect">
+              <a:avLst/>
+            </a:prstGeom>
+            <a:noFill/>
+            <a:ln>
+              <a:noFill/>
+            </a:ln>
+          </p:spPr>
+          <p:txBody>
+            <a:bodyPr wrap="none" lIns="91440" tIns="45720" rIns="91440" bIns="45720">
+              <a:spAutoFit/>
+            </a:bodyPr>
+            <a:lstStyle/>
+            <a:p>
+              <a:pPr algn="ctr"/>
+              <a:r>
+                <a:rPr lang="de-DE" altLang="zh-CN" sz="2000" b="1" dirty="0">
+                  <a:ln w="9525">
+                    <a:solidFill>
+                      <a:schemeClr val="tx1"/>
+                    </a:solidFill>
+                    <a:prstDash val="solid"/>
+                  </a:ln>
+                  <a:solidFill>
+                    <a:schemeClr val="tx1"/>
+                  </a:solidFill>
+                  <a:effectLst>
+                    <a:outerShdw blurRad="12700" dist="38100" dir="2700000" algn="tl" rotWithShape="0">
+                      <a:schemeClr val="bg1">
+                        <a:lumMod val="50000"/>
+                      </a:schemeClr>
+                    </a:outerShdw>
+                  </a:effectLst>
+                </a:rPr>
+                <a:t>Step1</a:t>
+              </a:r>
+              <a:endParaRPr lang="de-DE" altLang="zh-CN" sz="2000" b="1" cap="none" spc="0" dirty="0">
+                <a:ln w="9525">
+                  <a:solidFill>
+                    <a:schemeClr val="tx1"/>
+                  </a:solidFill>
+                  <a:prstDash val="solid"/>
+                </a:ln>
+                <a:solidFill>
+                  <a:schemeClr val="tx1"/>
+                </a:solidFill>
+                <a:effectLst>
+                  <a:outerShdw blurRad="12700" dist="38100" dir="2700000" algn="tl" rotWithShape="0">
+                    <a:schemeClr val="bg1">
+                      <a:lumMod val="50000"/>
+                    </a:schemeClr>
+                  </a:outerShdw>
+                </a:effectLst>
+              </a:endParaRPr>
+            </a:p>
+          </p:txBody>
+        </p:sp>
+        <p:sp>
+          <p:nvSpPr>
+            <p:cNvPr id="23" name="Rechteck 22">
+              <a:extLst>
+                <a:ext uri="{FF2B5EF4-FFF2-40B4-BE49-F238E27FC236}">
+                  <a16:creationId xmlns:a16="http://schemas.microsoft.com/office/drawing/2014/main" id="{A2E4FC42-3A52-EDDD-D0F5-15563F2A6129}"/>
+                </a:ext>
+              </a:extLst>
+            </p:cNvPr>
+            <p:cNvSpPr/>
+            <p:nvPr/>
+          </p:nvSpPr>
+          <p:spPr>
+            <a:xfrm>
+              <a:off x="6002786" y="3783388"/>
+              <a:ext cx="1456284" cy="685569"/>
+            </a:xfrm>
+            <a:prstGeom prst="rect">
+              <a:avLst/>
+            </a:prstGeom>
+            <a:noFill/>
+            <a:ln>
+              <a:noFill/>
+            </a:ln>
+          </p:spPr>
+          <p:txBody>
+            <a:bodyPr wrap="none" lIns="91440" tIns="45720" rIns="91440" bIns="45720">
+              <a:spAutoFit/>
+            </a:bodyPr>
+            <a:lstStyle/>
+            <a:p>
+              <a:pPr algn="ctr"/>
+              <a:r>
+                <a:rPr lang="de-DE" altLang="zh-CN" sz="2000" b="1" dirty="0">
+                  <a:ln w="9525">
+                    <a:solidFill>
+                      <a:schemeClr val="tx1"/>
+                    </a:solidFill>
+                    <a:prstDash val="solid"/>
+                  </a:ln>
+                  <a:solidFill>
+                    <a:schemeClr val="tx1"/>
+                  </a:solidFill>
+                  <a:effectLst>
+                    <a:outerShdw blurRad="12700" dist="38100" dir="2700000" algn="tl" rotWithShape="0">
+                      <a:schemeClr val="bg1">
+                        <a:lumMod val="50000"/>
+                      </a:schemeClr>
+                    </a:outerShdw>
+                  </a:effectLst>
+                </a:rPr>
+                <a:t>Step2</a:t>
+              </a:r>
+              <a:endParaRPr lang="de-DE" altLang="zh-CN" sz="2000" b="1" cap="none" spc="0" dirty="0">
+                <a:ln w="9525">
+                  <a:solidFill>
+                    <a:schemeClr val="tx1"/>
+                  </a:solidFill>
+                  <a:prstDash val="solid"/>
+                </a:ln>
+                <a:solidFill>
+                  <a:schemeClr val="tx1"/>
+                </a:solidFill>
+                <a:effectLst>
+                  <a:outerShdw blurRad="12700" dist="38100" dir="2700000" algn="tl" rotWithShape="0">
+                    <a:schemeClr val="bg1">
+                      <a:lumMod val="50000"/>
+                    </a:schemeClr>
+                  </a:outerShdw>
+                </a:effectLst>
+              </a:endParaRPr>
+            </a:p>
+          </p:txBody>
+        </p:sp>
+        <p:sp>
+          <p:nvSpPr>
+            <p:cNvPr id="24" name="Rechteck 23">
+              <a:extLst>
+                <a:ext uri="{FF2B5EF4-FFF2-40B4-BE49-F238E27FC236}">
+                  <a16:creationId xmlns:a16="http://schemas.microsoft.com/office/drawing/2014/main" id="{9FEB87F3-874E-91CE-AD62-998C6472DD83}"/>
+                </a:ext>
+              </a:extLst>
+            </p:cNvPr>
+            <p:cNvSpPr/>
+            <p:nvPr/>
+          </p:nvSpPr>
+          <p:spPr>
+            <a:xfrm>
+              <a:off x="6001727" y="5438415"/>
+              <a:ext cx="1456284" cy="685569"/>
+            </a:xfrm>
+            <a:prstGeom prst="rect">
+              <a:avLst/>
+            </a:prstGeom>
+            <a:noFill/>
+            <a:ln>
+              <a:noFill/>
+            </a:ln>
+          </p:spPr>
+          <p:txBody>
+            <a:bodyPr wrap="none" lIns="91440" tIns="45720" rIns="91440" bIns="45720">
+              <a:spAutoFit/>
+            </a:bodyPr>
+            <a:lstStyle/>
+            <a:p>
+              <a:pPr algn="ctr"/>
+              <a:r>
+                <a:rPr lang="de-DE" altLang="zh-CN" sz="2000" b="1" dirty="0">
+                  <a:ln w="9525">
+                    <a:solidFill>
+                      <a:schemeClr val="tx1"/>
+                    </a:solidFill>
+                    <a:prstDash val="solid"/>
+                  </a:ln>
+                  <a:solidFill>
+                    <a:schemeClr val="tx1"/>
+                  </a:solidFill>
+                  <a:effectLst>
+                    <a:outerShdw blurRad="12700" dist="38100" dir="2700000" algn="tl" rotWithShape="0">
+                      <a:schemeClr val="bg1">
+                        <a:lumMod val="50000"/>
+                      </a:schemeClr>
+                    </a:outerShdw>
+                  </a:effectLst>
+                </a:rPr>
+                <a:t>Step3</a:t>
+              </a:r>
+              <a:endParaRPr lang="de-DE" altLang="zh-CN" sz="2000" b="1" cap="none" spc="0" dirty="0">
+                <a:ln w="9525">
+                  <a:solidFill>
+                    <a:schemeClr val="tx1"/>
+                  </a:solidFill>
+                  <a:prstDash val="solid"/>
+                </a:ln>
+                <a:solidFill>
+                  <a:schemeClr val="tx1"/>
+                </a:solidFill>
+                <a:effectLst>
+                  <a:outerShdw blurRad="12700" dist="38100" dir="2700000" algn="tl" rotWithShape="0">
+                    <a:schemeClr val="bg1">
+                      <a:lumMod val="50000"/>
+                    </a:schemeClr>
+                  </a:outerShdw>
+                </a:effectLst>
+              </a:endParaRPr>
+            </a:p>
+          </p:txBody>
+        </p:sp>
+      </p:grpSp>
+      <p:sp>
+        <p:nvSpPr>
+          <p:cNvPr id="35" name="Rechteck 34">
+            <a:extLst>
+              <a:ext uri="{FF2B5EF4-FFF2-40B4-BE49-F238E27FC236}">
+                <a16:creationId xmlns:a16="http://schemas.microsoft.com/office/drawing/2014/main" id="{4752FC5D-CD53-FD67-3226-1A4A3DF4E616}"/>
+              </a:ext>
+            </a:extLst>
+          </p:cNvPr>
+          <p:cNvSpPr/>
+          <p:nvPr/>
+        </p:nvSpPr>
+        <p:spPr>
+          <a:xfrm>
+            <a:off x="1230809" y="5376898"/>
+            <a:ext cx="811441" cy="400110"/>
+          </a:xfrm>
+          <a:prstGeom prst="rect">
+            <a:avLst/>
+          </a:prstGeom>
+          <a:noFill/>
+          <a:ln>
+            <a:noFill/>
+          </a:ln>
+        </p:spPr>
+        <p:txBody>
+          <a:bodyPr wrap="none" lIns="91440" tIns="45720" rIns="91440" bIns="45720">
+            <a:spAutoFit/>
+          </a:bodyPr>
+          <a:lstStyle/>
+          <a:p>
+            <a:pPr algn="ctr"/>
+            <a:r>
+              <a:rPr lang="de-DE" altLang="zh-CN" sz="2000" dirty="0">
+                <a:ln w="9525">
+                  <a:solidFill>
+                    <a:schemeClr val="tx1"/>
+                  </a:solidFill>
+                  <a:prstDash val="solid"/>
+                </a:ln>
+                <a:solidFill>
+                  <a:schemeClr val="tx1"/>
+                </a:solidFill>
+                <a:effectLst>
+                  <a:outerShdw blurRad="12700" dist="38100" dir="2700000" algn="tl" rotWithShape="0">
+                    <a:schemeClr val="bg1">
+                      <a:lumMod val="50000"/>
+                    </a:schemeClr>
+                  </a:outerShdw>
+                </a:effectLst>
+              </a:rPr>
+              <a:t>Step1</a:t>
+            </a:r>
+            <a:endParaRPr lang="de-DE" altLang="zh-CN" sz="2000" cap="none" spc="0" dirty="0">
+              <a:ln w="9525">
+                <a:solidFill>
+                  <a:schemeClr val="tx1"/>
+                </a:solidFill>
+                <a:prstDash val="solid"/>
+              </a:ln>
+              <a:solidFill>
+                <a:schemeClr val="tx1"/>
+              </a:solidFill>
+              <a:effectLst>
+                <a:outerShdw blurRad="12700" dist="38100" dir="2700000" algn="tl" rotWithShape="0">
+                  <a:schemeClr val="bg1">
+                    <a:lumMod val="50000"/>
+                  </a:schemeClr>
+                </a:outerShdw>
+              </a:effectLst>
+            </a:endParaRPr>
+          </a:p>
+        </p:txBody>
+      </p:sp>
+      <p:sp>
+        <p:nvSpPr>
+          <p:cNvPr id="36" name="Rechteck 35">
+            <a:extLst>
+              <a:ext uri="{FF2B5EF4-FFF2-40B4-BE49-F238E27FC236}">
+                <a16:creationId xmlns:a16="http://schemas.microsoft.com/office/drawing/2014/main" id="{F6E5DA19-97CF-ACA4-491F-AB8FB3F3C9E5}"/>
+              </a:ext>
+            </a:extLst>
+          </p:cNvPr>
+          <p:cNvSpPr/>
+          <p:nvPr/>
+        </p:nvSpPr>
+        <p:spPr>
+          <a:xfrm>
+            <a:off x="2405198" y="5376898"/>
+            <a:ext cx="811441" cy="400110"/>
+          </a:xfrm>
+          <a:prstGeom prst="rect">
+            <a:avLst/>
+          </a:prstGeom>
+          <a:noFill/>
+          <a:ln>
+            <a:noFill/>
+          </a:ln>
+        </p:spPr>
+        <p:txBody>
+          <a:bodyPr wrap="none" lIns="91440" tIns="45720" rIns="91440" bIns="45720">
+            <a:spAutoFit/>
+          </a:bodyPr>
+          <a:lstStyle/>
+          <a:p>
+            <a:pPr algn="ctr"/>
+            <a:r>
+              <a:rPr lang="de-DE" altLang="zh-CN" sz="2000" dirty="0">
+                <a:ln w="9525">
+                  <a:solidFill>
+                    <a:schemeClr val="tx1"/>
+                  </a:solidFill>
+                  <a:prstDash val="solid"/>
+                </a:ln>
+                <a:solidFill>
+                  <a:schemeClr val="tx1"/>
+                </a:solidFill>
+                <a:effectLst>
+                  <a:outerShdw blurRad="12700" dist="38100" dir="2700000" algn="tl" rotWithShape="0">
+                    <a:schemeClr val="bg1">
+                      <a:lumMod val="50000"/>
+                    </a:schemeClr>
+                  </a:outerShdw>
+                </a:effectLst>
+              </a:rPr>
+              <a:t>Step2</a:t>
+            </a:r>
+            <a:endParaRPr lang="de-DE" altLang="zh-CN" sz="2000" cap="none" spc="0" dirty="0">
+              <a:ln w="9525">
+                <a:solidFill>
+                  <a:schemeClr val="tx1"/>
+                </a:solidFill>
+                <a:prstDash val="solid"/>
+              </a:ln>
+              <a:solidFill>
+                <a:schemeClr val="tx1"/>
+              </a:solidFill>
+              <a:effectLst>
+                <a:outerShdw blurRad="12700" dist="38100" dir="2700000" algn="tl" rotWithShape="0">
+                  <a:schemeClr val="bg1">
+                    <a:lumMod val="50000"/>
+                  </a:schemeClr>
+                </a:outerShdw>
+              </a:effectLst>
+            </a:endParaRPr>
+          </a:p>
+        </p:txBody>
+      </p:sp>
+      <p:sp>
+        <p:nvSpPr>
+          <p:cNvPr id="37" name="Rechteck 36">
+            <a:extLst>
+              <a:ext uri="{FF2B5EF4-FFF2-40B4-BE49-F238E27FC236}">
+                <a16:creationId xmlns:a16="http://schemas.microsoft.com/office/drawing/2014/main" id="{548C6712-AAC0-6D45-1366-5DA9B7C72D8E}"/>
+              </a:ext>
+            </a:extLst>
+          </p:cNvPr>
+          <p:cNvSpPr/>
+          <p:nvPr/>
+        </p:nvSpPr>
+        <p:spPr>
+          <a:xfrm>
+            <a:off x="3635338" y="5376898"/>
+            <a:ext cx="811441" cy="400110"/>
+          </a:xfrm>
+          <a:prstGeom prst="rect">
+            <a:avLst/>
+          </a:prstGeom>
+          <a:noFill/>
+          <a:ln>
+            <a:noFill/>
+          </a:ln>
+        </p:spPr>
+        <p:txBody>
+          <a:bodyPr wrap="none" lIns="91440" tIns="45720" rIns="91440" bIns="45720">
+            <a:spAutoFit/>
+          </a:bodyPr>
+          <a:lstStyle/>
+          <a:p>
+            <a:pPr algn="ctr"/>
+            <a:r>
+              <a:rPr lang="de-DE" altLang="zh-CN" sz="2000" dirty="0">
+                <a:ln w="9525">
+                  <a:solidFill>
+                    <a:schemeClr val="tx1"/>
+                  </a:solidFill>
+                  <a:prstDash val="solid"/>
+                </a:ln>
+                <a:solidFill>
+                  <a:schemeClr val="tx1"/>
+                </a:solidFill>
+                <a:effectLst>
+                  <a:outerShdw blurRad="12700" dist="38100" dir="2700000" algn="tl" rotWithShape="0">
+                    <a:schemeClr val="bg1">
+                      <a:lumMod val="50000"/>
+                    </a:schemeClr>
+                  </a:outerShdw>
+                </a:effectLst>
+              </a:rPr>
+              <a:t>Step3</a:t>
+            </a:r>
+            <a:endParaRPr lang="de-DE" altLang="zh-CN" sz="2000" cap="none" spc="0" dirty="0">
+              <a:ln w="9525">
+                <a:solidFill>
+                  <a:schemeClr val="tx1"/>
+                </a:solidFill>
+                <a:prstDash val="solid"/>
+              </a:ln>
+              <a:solidFill>
+                <a:schemeClr val="tx1"/>
+              </a:solidFill>
+              <a:effectLst>
+                <a:outerShdw blurRad="12700" dist="38100" dir="2700000" algn="tl" rotWithShape="0">
+                  <a:schemeClr val="bg1">
+                    <a:lumMod val="50000"/>
+                  </a:schemeClr>
+                </a:outerShdw>
+              </a:effectLst>
+            </a:endParaRPr>
+          </a:p>
+        </p:txBody>
+      </p:sp>
+      <p:sp>
+        <p:nvSpPr>
+          <p:cNvPr id="38" name="Rechteck 37">
+            <a:extLst>
+              <a:ext uri="{FF2B5EF4-FFF2-40B4-BE49-F238E27FC236}">
+                <a16:creationId xmlns:a16="http://schemas.microsoft.com/office/drawing/2014/main" id="{3BBABAA0-8973-9C3E-4CC9-71D3487B241C}"/>
+              </a:ext>
+            </a:extLst>
+          </p:cNvPr>
+          <p:cNvSpPr/>
+          <p:nvPr/>
+        </p:nvSpPr>
+        <p:spPr>
+          <a:xfrm>
+            <a:off x="5235918" y="5376898"/>
+            <a:ext cx="1414170" cy="400110"/>
+          </a:xfrm>
+          <a:prstGeom prst="rect">
+            <a:avLst/>
+          </a:prstGeom>
+          <a:noFill/>
+          <a:ln>
+            <a:noFill/>
+          </a:ln>
+        </p:spPr>
+        <p:txBody>
+          <a:bodyPr wrap="none" lIns="91440" tIns="45720" rIns="91440" bIns="45720">
+            <a:spAutoFit/>
+          </a:bodyPr>
+          <a:lstStyle/>
+          <a:p>
+            <a:pPr algn="ctr"/>
+            <a:r>
+              <a:rPr lang="de-DE" altLang="zh-CN" sz="2000" cap="none" spc="0" dirty="0">
+                <a:ln w="9525">
+                  <a:solidFill>
+                    <a:schemeClr val="tx1"/>
+                  </a:solidFill>
+                  <a:prstDash val="solid"/>
+                </a:ln>
+                <a:effectLst>
+                  <a:outerShdw blurRad="12700" dist="38100" dir="2700000" algn="tl" rotWithShape="0">
+                    <a:schemeClr val="bg1">
+                      <a:lumMod val="50000"/>
+                    </a:schemeClr>
+                  </a:outerShdw>
+                </a:effectLst>
+              </a:rPr>
+              <a:t>Next Phase</a:t>
+            </a:r>
+            <a:endParaRPr lang="de-DE" altLang="zh-CN" sz="2000" cap="none" spc="0" dirty="0">
+              <a:ln w="9525">
+                <a:solidFill>
+                  <a:schemeClr val="tx1"/>
+                </a:solidFill>
+                <a:prstDash val="solid"/>
+              </a:ln>
+              <a:solidFill>
+                <a:schemeClr val="tx1"/>
+              </a:solidFill>
+              <a:effectLst>
+                <a:outerShdw blurRad="12700" dist="38100" dir="2700000" algn="tl" rotWithShape="0">
+                  <a:schemeClr val="bg1">
+                    <a:lumMod val="50000"/>
+                  </a:schemeClr>
+                </a:outerShdw>
+              </a:effectLst>
+            </a:endParaRPr>
+          </a:p>
+        </p:txBody>
+      </p:sp>
+    </p:spTree>
+    <p:extLst>
+      <p:ext uri="{BB962C8B-B14F-4D97-AF65-F5344CB8AC3E}">
+        <p14:creationId xmlns:p14="http://schemas.microsoft.com/office/powerpoint/2010/main" val="2102206511"/>
+      </p:ext>
+    </p:extLst>
+  </p:cSld>
+  <p:clrMapOvr>
+    <a:masterClrMapping/>
+  </p:clrMapOvr>
+</p:sld>
+</file>
+
+<file path=ppt/slides/slide7.xml><?xml version="1.0" encoding="utf-8"?>
+<p:sld xmlns:a="http://schemas.openxmlformats.org/drawingml/2006/main" xmlns:r="http://schemas.openxmlformats.org/officeDocument/2006/relationships" xmlns:p="http://schemas.openxmlformats.org/presentationml/2006/main">
+  <p:cSld>
+    <p:spTree>
+      <p:nvGrpSpPr>
+        <p:cNvPr id="1" name=""/>
+        <p:cNvGrpSpPr/>
+        <p:nvPr/>
+      </p:nvGrpSpPr>
+      <p:grpSpPr>
+        <a:xfrm>
+          <a:off x="0" y="0"/>
+          <a:ext cx="0" cy="0"/>
+          <a:chOff x="0" y="0"/>
+          <a:chExt cx="0" cy="0"/>
+        </a:xfrm>
+      </p:grpSpPr>
+      <p:grpSp>
+        <p:nvGrpSpPr>
+          <p:cNvPr id="2" name="Gruppieren 1">
+            <a:extLst>
+              <a:ext uri="{FF2B5EF4-FFF2-40B4-BE49-F238E27FC236}">
+                <a16:creationId xmlns:a16="http://schemas.microsoft.com/office/drawing/2014/main" id="{893CB2A6-E008-145F-AA0E-08C5B4878C9E}"/>
+              </a:ext>
+            </a:extLst>
+          </p:cNvPr>
+          <p:cNvGrpSpPr/>
+          <p:nvPr/>
+        </p:nvGrpSpPr>
+        <p:grpSpPr>
+          <a:xfrm>
+            <a:off x="763898" y="521582"/>
+            <a:ext cx="5682408" cy="5683997"/>
+            <a:chOff x="916157" y="2730592"/>
+            <a:chExt cx="9010644" cy="9013164"/>
+          </a:xfrm>
+        </p:grpSpPr>
+        <p:sp>
+          <p:nvSpPr>
+            <p:cNvPr id="3" name="Flussdiagramm: Grenzstelle 2">
+              <a:extLst>
+                <a:ext uri="{FF2B5EF4-FFF2-40B4-BE49-F238E27FC236}">
+                  <a16:creationId xmlns:a16="http://schemas.microsoft.com/office/drawing/2014/main" id="{3117722B-B366-0BD6-FD98-6D91C1422E3F}"/>
+                </a:ext>
+              </a:extLst>
+            </p:cNvPr>
+            <p:cNvSpPr/>
+            <p:nvPr/>
+          </p:nvSpPr>
+          <p:spPr>
+            <a:xfrm>
+              <a:off x="1822720" y="3855562"/>
+              <a:ext cx="3343879" cy="1189556"/>
+            </a:xfrm>
+            <a:prstGeom prst="flowChartTerminator">
+              <a:avLst/>
+            </a:prstGeom>
+            <a:noFill/>
+            <a:ln w="57150" cap="flat">
+              <a:solidFill>
+                <a:schemeClr val="tx1"/>
+              </a:solidFill>
+              <a:miter lim="400000"/>
+            </a:ln>
+            <a:effectLst/>
+            <a:sp3d/>
+          </p:spPr>
+          <p:style>
+            <a:lnRef idx="0">
+              <a:scrgbClr r="0" g="0" b="0"/>
+            </a:lnRef>
+            <a:fillRef idx="0">
+              <a:scrgbClr r="0" g="0" b="0"/>
+            </a:fillRef>
+            <a:effectRef idx="0">
+              <a:scrgbClr r="0" g="0" b="0"/>
+            </a:effectRef>
+            <a:fontRef idx="none"/>
+          </p:style>
+          <p:txBody>
+            <a:bodyPr rot="0" spcFirstLastPara="1" vertOverflow="overflow" horzOverflow="overflow" vert="horz" wrap="square" lIns="50800" tIns="50800" rIns="50800" bIns="50800" numCol="1" spcCol="38100" rtlCol="0" anchor="ctr">
+              <a:spAutoFit/>
+            </a:bodyPr>
+            <a:lstStyle/>
+            <a:p>
+              <a:pPr marL="0" marR="0" indent="0" algn="ctr" defTabSz="825500" rtl="0" fontAlgn="auto" latinLnBrk="0" hangingPunct="0">
+                <a:lnSpc>
+                  <a:spcPct val="100000"/>
+                </a:lnSpc>
+                <a:spcBef>
+                  <a:spcPts val="0"/>
+                </a:spcBef>
+                <a:spcAft>
+                  <a:spcPts val="0"/>
+                </a:spcAft>
+                <a:buClrTx/>
+                <a:buSzTx/>
+                <a:buFontTx/>
+                <a:buNone/>
+                <a:tabLst/>
+              </a:pPr>
+              <a:r>
+                <a:rPr lang="en-US" altLang="zh-CN" sz="2800" b="1" dirty="0">
+                  <a:solidFill>
+                    <a:schemeClr val="tx1">
+                      <a:lumMod val="95000"/>
+                    </a:schemeClr>
+                  </a:solidFill>
+                  <a:latin typeface="Helvetica Neue Medium"/>
+                  <a:ea typeface="Helvetica Neue Medium"/>
+                  <a:cs typeface="Helvetica Neue Medium"/>
+                  <a:sym typeface="Helvetica Neue Medium"/>
+                </a:rPr>
+                <a:t>Server</a:t>
+              </a:r>
+              <a:endParaRPr kumimoji="0" lang="zh-CN" altLang="en-US" sz="2800" b="1" i="0" u="none" strike="noStrike" cap="none" spc="0" normalizeH="0" baseline="0" dirty="0">
+                <a:ln>
+                  <a:noFill/>
+                </a:ln>
+                <a:solidFill>
+                  <a:schemeClr val="tx1">
+                    <a:lumMod val="95000"/>
+                  </a:schemeClr>
+                </a:solidFill>
+                <a:effectLst/>
+                <a:uFillTx/>
+                <a:latin typeface="Helvetica Neue Medium"/>
+                <a:ea typeface="Helvetica Neue Medium"/>
+                <a:cs typeface="Helvetica Neue Medium"/>
+                <a:sym typeface="Helvetica Neue Medium"/>
+              </a:endParaRPr>
+            </a:p>
+          </p:txBody>
+        </p:sp>
+        <p:sp>
+          <p:nvSpPr>
+            <p:cNvPr id="4" name="Flussdiagramm: Grenzstelle 3">
+              <a:extLst>
+                <a:ext uri="{FF2B5EF4-FFF2-40B4-BE49-F238E27FC236}">
+                  <a16:creationId xmlns:a16="http://schemas.microsoft.com/office/drawing/2014/main" id="{D573269C-FF6D-CFD4-8805-630E956B793E}"/>
+                </a:ext>
+              </a:extLst>
+            </p:cNvPr>
+            <p:cNvSpPr/>
+            <p:nvPr/>
+          </p:nvSpPr>
+          <p:spPr>
+            <a:xfrm>
+              <a:off x="5746476" y="3855562"/>
+              <a:ext cx="3343879" cy="1189556"/>
+            </a:xfrm>
+            <a:prstGeom prst="flowChartTerminator">
+              <a:avLst/>
+            </a:prstGeom>
+            <a:noFill/>
+            <a:ln w="57150" cap="flat">
+              <a:solidFill>
+                <a:schemeClr val="tx1"/>
+              </a:solidFill>
+              <a:miter lim="400000"/>
+            </a:ln>
+            <a:effectLst/>
+            <a:sp3d/>
+          </p:spPr>
+          <p:style>
+            <a:lnRef idx="0">
+              <a:scrgbClr r="0" g="0" b="0"/>
+            </a:lnRef>
+            <a:fillRef idx="0">
+              <a:scrgbClr r="0" g="0" b="0"/>
+            </a:fillRef>
+            <a:effectRef idx="0">
+              <a:scrgbClr r="0" g="0" b="0"/>
+            </a:effectRef>
+            <a:fontRef idx="none"/>
+          </p:style>
+          <p:txBody>
+            <a:bodyPr rot="0" spcFirstLastPara="1" vertOverflow="overflow" horzOverflow="overflow" vert="horz" wrap="square" lIns="50800" tIns="50800" rIns="50800" bIns="50800" numCol="1" spcCol="38100" rtlCol="0" anchor="ctr">
+              <a:spAutoFit/>
+            </a:bodyPr>
+            <a:lstStyle/>
+            <a:p>
+              <a:pPr marL="0" marR="0" indent="0" algn="ctr" defTabSz="825500" rtl="0" fontAlgn="auto" latinLnBrk="0" hangingPunct="0">
+                <a:lnSpc>
+                  <a:spcPct val="100000"/>
+                </a:lnSpc>
+                <a:spcBef>
+                  <a:spcPts val="0"/>
+                </a:spcBef>
+                <a:spcAft>
+                  <a:spcPts val="0"/>
+                </a:spcAft>
+                <a:buClrTx/>
+                <a:buSzTx/>
+                <a:buFontTx/>
+                <a:buNone/>
+                <a:tabLst/>
+              </a:pPr>
+              <a:r>
+                <a:rPr kumimoji="0" lang="en-US" altLang="zh-CN" sz="2800" b="1" i="0" u="none" strike="noStrike" cap="none" spc="0" normalizeH="0" baseline="0" dirty="0">
+                  <a:ln>
+                    <a:noFill/>
+                  </a:ln>
+                  <a:solidFill>
+                    <a:schemeClr val="tx1">
+                      <a:lumMod val="95000"/>
+                    </a:schemeClr>
+                  </a:solidFill>
+                  <a:effectLst/>
+                  <a:uFillTx/>
+                  <a:latin typeface="Helvetica Neue Medium"/>
+                  <a:ea typeface="Helvetica Neue Medium"/>
+                  <a:cs typeface="Helvetica Neue Medium"/>
+                  <a:sym typeface="Helvetica Neue Medium"/>
+                </a:rPr>
+                <a:t>Client</a:t>
+              </a:r>
+              <a:endParaRPr kumimoji="0" lang="zh-CN" altLang="en-US" sz="2800" b="1" i="0" u="none" strike="noStrike" cap="none" spc="0" normalizeH="0" baseline="0" dirty="0">
+                <a:ln>
+                  <a:noFill/>
+                </a:ln>
+                <a:solidFill>
+                  <a:schemeClr val="tx1">
+                    <a:lumMod val="95000"/>
+                  </a:schemeClr>
+                </a:solidFill>
+                <a:effectLst/>
+                <a:uFillTx/>
+                <a:latin typeface="Helvetica Neue Medium"/>
+                <a:ea typeface="Helvetica Neue Medium"/>
+                <a:cs typeface="Helvetica Neue Medium"/>
+                <a:sym typeface="Helvetica Neue Medium"/>
+              </a:endParaRPr>
+            </a:p>
+          </p:txBody>
+        </p:sp>
+        <p:sp>
+          <p:nvSpPr>
+            <p:cNvPr id="5" name="Rechteck 4">
+              <a:extLst>
+                <a:ext uri="{FF2B5EF4-FFF2-40B4-BE49-F238E27FC236}">
+                  <a16:creationId xmlns:a16="http://schemas.microsoft.com/office/drawing/2014/main" id="{76944E10-1F13-6E47-45F7-BE85797E46A6}"/>
+                </a:ext>
+              </a:extLst>
+            </p:cNvPr>
+            <p:cNvSpPr/>
+            <p:nvPr/>
+          </p:nvSpPr>
+          <p:spPr>
+            <a:xfrm>
+              <a:off x="1566150" y="2900169"/>
+              <a:ext cx="8345131" cy="2459200"/>
+            </a:xfrm>
+            <a:prstGeom prst="rect">
+              <a:avLst/>
+            </a:prstGeom>
+            <a:noFill/>
+            <a:ln w="28575" cap="flat">
+              <a:solidFill>
+                <a:schemeClr val="tx1">
+                  <a:lumMod val="95000"/>
+                </a:schemeClr>
+              </a:solidFill>
+              <a:prstDash val="sysDash"/>
+              <a:miter lim="400000"/>
+            </a:ln>
+            <a:effectLst/>
+            <a:sp3d/>
+          </p:spPr>
+          <p:style>
+            <a:lnRef idx="0">
+              <a:scrgbClr r="0" g="0" b="0"/>
+            </a:lnRef>
+            <a:fillRef idx="0">
+              <a:scrgbClr r="0" g="0" b="0"/>
+            </a:fillRef>
+            <a:effectRef idx="0">
+              <a:scrgbClr r="0" g="0" b="0"/>
+            </a:effectRef>
+            <a:fontRef idx="none"/>
+          </p:style>
+          <p:txBody>
+            <a:bodyPr rot="0" spcFirstLastPara="1" vertOverflow="overflow" horzOverflow="overflow" vert="horz" wrap="square" lIns="50800" tIns="50800" rIns="50800" bIns="50800" numCol="1" spcCol="38100" rtlCol="0" anchor="ctr">
+              <a:spAutoFit/>
+            </a:bodyPr>
+            <a:lstStyle/>
+            <a:p>
+              <a:pPr marL="0" marR="0" indent="0" algn="ctr" defTabSz="825500" rtl="0" fontAlgn="auto" latinLnBrk="0" hangingPunct="0">
+                <a:lnSpc>
+                  <a:spcPct val="100000"/>
+                </a:lnSpc>
+                <a:spcBef>
+                  <a:spcPts val="0"/>
+                </a:spcBef>
+                <a:spcAft>
+                  <a:spcPts val="0"/>
+                </a:spcAft>
+                <a:buClrTx/>
+                <a:buSzTx/>
+                <a:buFontTx/>
+                <a:buNone/>
+                <a:tabLst/>
+              </a:pPr>
+              <a:endParaRPr kumimoji="0" lang="zh-CN" altLang="en-US" sz="2000" b="0" i="0" u="none" strike="noStrike" cap="none" spc="0" normalizeH="0" baseline="0">
+                <a:ln>
+                  <a:noFill/>
+                </a:ln>
+                <a:solidFill>
+                  <a:srgbClr val="000000"/>
+                </a:solidFill>
+                <a:effectLst/>
+                <a:uFillTx/>
+                <a:latin typeface="Helvetica Neue Medium"/>
+                <a:ea typeface="Helvetica Neue Medium"/>
+                <a:cs typeface="Helvetica Neue Medium"/>
+                <a:sym typeface="Helvetica Neue Medium"/>
+              </a:endParaRPr>
+            </a:p>
+          </p:txBody>
+        </p:sp>
+        <p:sp>
+          <p:nvSpPr>
+            <p:cNvPr id="6" name="Flussdiagramm: Grenzstelle 5">
+              <a:extLst>
+                <a:ext uri="{FF2B5EF4-FFF2-40B4-BE49-F238E27FC236}">
+                  <a16:creationId xmlns:a16="http://schemas.microsoft.com/office/drawing/2014/main" id="{119DA801-1CEF-BCBC-3EB3-AE29DD01C720}"/>
+                </a:ext>
+              </a:extLst>
+            </p:cNvPr>
+            <p:cNvSpPr/>
+            <p:nvPr/>
+          </p:nvSpPr>
+          <p:spPr>
+            <a:xfrm>
+              <a:off x="1190884" y="2730592"/>
+              <a:ext cx="6515817" cy="1189556"/>
+            </a:xfrm>
+            <a:prstGeom prst="flowChartTerminator">
+              <a:avLst/>
+            </a:prstGeom>
+            <a:noFill/>
+            <a:ln w="57150" cap="flat">
+              <a:noFill/>
+              <a:miter lim="400000"/>
+            </a:ln>
+            <a:effectLst/>
+            <a:sp3d/>
+          </p:spPr>
+          <p:style>
+            <a:lnRef idx="0">
+              <a:scrgbClr r="0" g="0" b="0"/>
+            </a:lnRef>
+            <a:fillRef idx="0">
+              <a:scrgbClr r="0" g="0" b="0"/>
+            </a:fillRef>
+            <a:effectRef idx="0">
+              <a:scrgbClr r="0" g="0" b="0"/>
+            </a:effectRef>
+            <a:fontRef idx="none"/>
+          </p:style>
+          <p:txBody>
+            <a:bodyPr rot="0" spcFirstLastPara="1" vertOverflow="overflow" horzOverflow="overflow" vert="horz" wrap="square" lIns="50800" tIns="50800" rIns="50800" bIns="50800" numCol="1" spcCol="38100" rtlCol="0" anchor="ctr">
+              <a:spAutoFit/>
+            </a:bodyPr>
+            <a:lstStyle/>
+            <a:p>
+              <a:pPr marL="0" marR="0" indent="0" algn="ctr" defTabSz="825500" rtl="0" fontAlgn="auto" latinLnBrk="0" hangingPunct="0">
+                <a:lnSpc>
+                  <a:spcPct val="100000"/>
+                </a:lnSpc>
+                <a:spcBef>
+                  <a:spcPts val="0"/>
+                </a:spcBef>
+                <a:spcAft>
+                  <a:spcPts val="0"/>
+                </a:spcAft>
+                <a:buClrTx/>
+                <a:buSzTx/>
+                <a:buFontTx/>
+                <a:buNone/>
+                <a:tabLst/>
+              </a:pPr>
+              <a:r>
+                <a:rPr kumimoji="0" lang="en-US" altLang="zh-CN" sz="2800" b="1" i="0" u="none" strike="noStrike" cap="none" spc="0" normalizeH="0" baseline="0" dirty="0">
+                  <a:ln>
+                    <a:noFill/>
+                  </a:ln>
+                  <a:solidFill>
+                    <a:schemeClr val="tx1">
+                      <a:lumMod val="95000"/>
+                    </a:schemeClr>
+                  </a:solidFill>
+                  <a:effectLst/>
+                  <a:uFillTx/>
+                  <a:latin typeface="Helvetica Neue Medium"/>
+                  <a:ea typeface="Helvetica Neue Medium"/>
+                  <a:cs typeface="Helvetica Neue Medium"/>
+                  <a:sym typeface="Helvetica Neue Medium"/>
+                </a:rPr>
+                <a:t>Auction Component</a:t>
+              </a:r>
+              <a:endParaRPr kumimoji="0" lang="zh-CN" altLang="en-US" sz="2800" b="1" i="0" u="none" strike="noStrike" cap="none" spc="0" normalizeH="0" baseline="0" dirty="0">
+                <a:ln>
+                  <a:noFill/>
+                </a:ln>
+                <a:solidFill>
+                  <a:schemeClr val="tx1">
+                    <a:lumMod val="95000"/>
+                  </a:schemeClr>
+                </a:solidFill>
+                <a:effectLst/>
+                <a:uFillTx/>
+                <a:latin typeface="Helvetica Neue Medium"/>
+                <a:ea typeface="Helvetica Neue Medium"/>
+                <a:cs typeface="Helvetica Neue Medium"/>
+                <a:sym typeface="Helvetica Neue Medium"/>
+              </a:endParaRPr>
+            </a:p>
+          </p:txBody>
+        </p:sp>
+        <p:sp>
+          <p:nvSpPr>
+            <p:cNvPr id="7" name="Flussdiagramm: Grenzstelle 6">
+              <a:extLst>
+                <a:ext uri="{FF2B5EF4-FFF2-40B4-BE49-F238E27FC236}">
+                  <a16:creationId xmlns:a16="http://schemas.microsoft.com/office/drawing/2014/main" id="{FF219703-5566-5C78-3DBE-2D30F42139FE}"/>
+                </a:ext>
+              </a:extLst>
+            </p:cNvPr>
+            <p:cNvSpPr/>
+            <p:nvPr/>
+          </p:nvSpPr>
+          <p:spPr>
+            <a:xfrm>
+              <a:off x="1822720" y="6440833"/>
+              <a:ext cx="3343879" cy="1189556"/>
+            </a:xfrm>
+            <a:prstGeom prst="flowChartTerminator">
+              <a:avLst/>
+            </a:prstGeom>
+            <a:noFill/>
+            <a:ln w="57150" cap="flat">
+              <a:solidFill>
+                <a:schemeClr val="tx1"/>
+              </a:solidFill>
+              <a:miter lim="400000"/>
+            </a:ln>
+            <a:effectLst/>
+            <a:sp3d/>
+          </p:spPr>
+          <p:style>
+            <a:lnRef idx="0">
+              <a:scrgbClr r="0" g="0" b="0"/>
+            </a:lnRef>
+            <a:fillRef idx="0">
+              <a:scrgbClr r="0" g="0" b="0"/>
+            </a:fillRef>
+            <a:effectRef idx="0">
+              <a:scrgbClr r="0" g="0" b="0"/>
+            </a:effectRef>
+            <a:fontRef idx="none"/>
+          </p:style>
+          <p:txBody>
+            <a:bodyPr rot="0" spcFirstLastPara="1" vertOverflow="overflow" horzOverflow="overflow" vert="horz" wrap="square" lIns="50800" tIns="50800" rIns="50800" bIns="50800" numCol="1" spcCol="38100" rtlCol="0" anchor="ctr">
+              <a:spAutoFit/>
+            </a:bodyPr>
+            <a:lstStyle/>
+            <a:p>
+              <a:pPr marL="0" marR="0" indent="0" algn="ctr" defTabSz="825500" rtl="0" fontAlgn="auto" latinLnBrk="0" hangingPunct="0">
+                <a:lnSpc>
+                  <a:spcPct val="100000"/>
+                </a:lnSpc>
+                <a:spcBef>
+                  <a:spcPts val="0"/>
+                </a:spcBef>
+                <a:spcAft>
+                  <a:spcPts val="0"/>
+                </a:spcAft>
+                <a:buClrTx/>
+                <a:buSzTx/>
+                <a:buFontTx/>
+                <a:buNone/>
+                <a:tabLst/>
+              </a:pPr>
+              <a:r>
+                <a:rPr lang="en-US" altLang="zh-CN" sz="2800" b="1" dirty="0">
+                  <a:solidFill>
+                    <a:schemeClr val="tx1">
+                      <a:lumMod val="95000"/>
+                    </a:schemeClr>
+                  </a:solidFill>
+                  <a:latin typeface="Helvetica Neue Medium"/>
+                  <a:ea typeface="Helvetica Neue Medium"/>
+                  <a:cs typeface="Helvetica Neue Medium"/>
+                  <a:sym typeface="Helvetica Neue Medium"/>
+                </a:rPr>
+                <a:t>Server</a:t>
+              </a:r>
+              <a:endParaRPr kumimoji="0" lang="zh-CN" altLang="en-US" sz="2800" b="1" i="0" u="none" strike="noStrike" cap="none" spc="0" normalizeH="0" baseline="0" dirty="0">
+                <a:ln>
+                  <a:noFill/>
+                </a:ln>
+                <a:solidFill>
+                  <a:schemeClr val="tx1">
+                    <a:lumMod val="95000"/>
+                  </a:schemeClr>
+                </a:solidFill>
+                <a:effectLst/>
+                <a:uFillTx/>
+                <a:latin typeface="Helvetica Neue Medium"/>
+                <a:ea typeface="Helvetica Neue Medium"/>
+                <a:cs typeface="Helvetica Neue Medium"/>
+                <a:sym typeface="Helvetica Neue Medium"/>
+              </a:endParaRPr>
+            </a:p>
+          </p:txBody>
+        </p:sp>
+        <p:sp>
+          <p:nvSpPr>
+            <p:cNvPr id="8" name="Flussdiagramm: Grenzstelle 7">
+              <a:extLst>
+                <a:ext uri="{FF2B5EF4-FFF2-40B4-BE49-F238E27FC236}">
+                  <a16:creationId xmlns:a16="http://schemas.microsoft.com/office/drawing/2014/main" id="{064BB859-7CF7-D629-B007-5BEC311B5BAD}"/>
+                </a:ext>
+              </a:extLst>
+            </p:cNvPr>
+            <p:cNvSpPr/>
+            <p:nvPr/>
+          </p:nvSpPr>
+          <p:spPr>
+            <a:xfrm>
+              <a:off x="5746476" y="6440833"/>
+              <a:ext cx="3343879" cy="1189556"/>
+            </a:xfrm>
+            <a:prstGeom prst="flowChartTerminator">
+              <a:avLst/>
+            </a:prstGeom>
+            <a:noFill/>
+            <a:ln w="57150" cap="flat">
+              <a:solidFill>
+                <a:schemeClr val="tx1"/>
+              </a:solidFill>
+              <a:miter lim="400000"/>
+            </a:ln>
+            <a:effectLst/>
+            <a:sp3d/>
+          </p:spPr>
+          <p:style>
+            <a:lnRef idx="0">
+              <a:scrgbClr r="0" g="0" b="0"/>
+            </a:lnRef>
+            <a:fillRef idx="0">
+              <a:scrgbClr r="0" g="0" b="0"/>
+            </a:fillRef>
+            <a:effectRef idx="0">
+              <a:scrgbClr r="0" g="0" b="0"/>
+            </a:effectRef>
+            <a:fontRef idx="none"/>
+          </p:style>
+          <p:txBody>
+            <a:bodyPr rot="0" spcFirstLastPara="1" vertOverflow="overflow" horzOverflow="overflow" vert="horz" wrap="square" lIns="50800" tIns="50800" rIns="50800" bIns="50800" numCol="1" spcCol="38100" rtlCol="0" anchor="ctr">
+              <a:spAutoFit/>
+            </a:bodyPr>
+            <a:lstStyle/>
+            <a:p>
+              <a:pPr marL="0" marR="0" indent="0" algn="ctr" defTabSz="825500" rtl="0" fontAlgn="auto" latinLnBrk="0" hangingPunct="0">
+                <a:lnSpc>
+                  <a:spcPct val="100000"/>
+                </a:lnSpc>
+                <a:spcBef>
+                  <a:spcPts val="0"/>
+                </a:spcBef>
+                <a:spcAft>
+                  <a:spcPts val="0"/>
+                </a:spcAft>
+                <a:buClrTx/>
+                <a:buSzTx/>
+                <a:buFontTx/>
+                <a:buNone/>
+                <a:tabLst/>
+              </a:pPr>
+              <a:r>
+                <a:rPr kumimoji="0" lang="en-US" altLang="zh-CN" sz="2800" b="1" i="0" u="none" strike="noStrike" cap="none" spc="0" normalizeH="0" baseline="0" dirty="0">
+                  <a:ln>
+                    <a:noFill/>
+                  </a:ln>
+                  <a:solidFill>
+                    <a:schemeClr val="tx1">
+                      <a:lumMod val="95000"/>
+                    </a:schemeClr>
+                  </a:solidFill>
+                  <a:effectLst/>
+                  <a:uFillTx/>
+                  <a:latin typeface="Helvetica Neue Medium"/>
+                  <a:ea typeface="Helvetica Neue Medium"/>
+                  <a:cs typeface="Helvetica Neue Medium"/>
+                  <a:sym typeface="Helvetica Neue Medium"/>
+                </a:rPr>
+                <a:t>Client</a:t>
+              </a:r>
+              <a:endParaRPr kumimoji="0" lang="zh-CN" altLang="en-US" sz="2800" b="1" i="0" u="none" strike="noStrike" cap="none" spc="0" normalizeH="0" baseline="0" dirty="0">
+                <a:ln>
+                  <a:noFill/>
+                </a:ln>
+                <a:solidFill>
+                  <a:schemeClr val="tx1">
+                    <a:lumMod val="95000"/>
+                  </a:schemeClr>
+                </a:solidFill>
+                <a:effectLst/>
+                <a:uFillTx/>
+                <a:latin typeface="Helvetica Neue Medium"/>
+                <a:ea typeface="Helvetica Neue Medium"/>
+                <a:cs typeface="Helvetica Neue Medium"/>
+                <a:sym typeface="Helvetica Neue Medium"/>
+              </a:endParaRPr>
+            </a:p>
+          </p:txBody>
+        </p:sp>
+        <p:sp>
+          <p:nvSpPr>
+            <p:cNvPr id="9" name="Rechteck 8">
+              <a:extLst>
+                <a:ext uri="{FF2B5EF4-FFF2-40B4-BE49-F238E27FC236}">
+                  <a16:creationId xmlns:a16="http://schemas.microsoft.com/office/drawing/2014/main" id="{371D3968-1591-5206-AE96-2BBCFD6E87DC}"/>
+                </a:ext>
+              </a:extLst>
+            </p:cNvPr>
+            <p:cNvSpPr/>
+            <p:nvPr/>
+          </p:nvSpPr>
+          <p:spPr>
+            <a:xfrm>
+              <a:off x="1566150" y="5485438"/>
+              <a:ext cx="8345131" cy="2533081"/>
+            </a:xfrm>
+            <a:prstGeom prst="rect">
+              <a:avLst/>
+            </a:prstGeom>
+            <a:noFill/>
+            <a:ln w="28575" cap="flat">
+              <a:solidFill>
+                <a:schemeClr val="tx1">
+                  <a:lumMod val="95000"/>
+                </a:schemeClr>
+              </a:solidFill>
+              <a:prstDash val="sysDash"/>
+              <a:miter lim="400000"/>
+            </a:ln>
+            <a:effectLst/>
+            <a:sp3d/>
+          </p:spPr>
+          <p:style>
+            <a:lnRef idx="0">
+              <a:scrgbClr r="0" g="0" b="0"/>
+            </a:lnRef>
+            <a:fillRef idx="0">
+              <a:scrgbClr r="0" g="0" b="0"/>
+            </a:fillRef>
+            <a:effectRef idx="0">
+              <a:scrgbClr r="0" g="0" b="0"/>
+            </a:effectRef>
+            <a:fontRef idx="none"/>
+          </p:style>
+          <p:txBody>
+            <a:bodyPr rot="0" spcFirstLastPara="1" vertOverflow="overflow" horzOverflow="overflow" vert="horz" wrap="square" lIns="50800" tIns="50800" rIns="50800" bIns="50800" numCol="1" spcCol="38100" rtlCol="0" anchor="ctr">
+              <a:spAutoFit/>
+            </a:bodyPr>
+            <a:lstStyle/>
+            <a:p>
+              <a:pPr marL="0" marR="0" indent="0" algn="ctr" defTabSz="825500" rtl="0" fontAlgn="auto" latinLnBrk="0" hangingPunct="0">
+                <a:lnSpc>
+                  <a:spcPct val="100000"/>
+                </a:lnSpc>
+                <a:spcBef>
+                  <a:spcPts val="0"/>
+                </a:spcBef>
+                <a:spcAft>
+                  <a:spcPts val="0"/>
+                </a:spcAft>
+                <a:buClrTx/>
+                <a:buSzTx/>
+                <a:buFontTx/>
+                <a:buNone/>
+                <a:tabLst/>
+              </a:pPr>
+              <a:endParaRPr kumimoji="0" lang="zh-CN" altLang="en-US" sz="2000" b="0" i="0" u="none" strike="noStrike" cap="none" spc="0" normalizeH="0" baseline="0">
+                <a:ln>
+                  <a:noFill/>
+                </a:ln>
+                <a:solidFill>
+                  <a:srgbClr val="000000"/>
+                </a:solidFill>
+                <a:effectLst/>
+                <a:uFillTx/>
+                <a:latin typeface="Helvetica Neue Medium"/>
+                <a:ea typeface="Helvetica Neue Medium"/>
+                <a:cs typeface="Helvetica Neue Medium"/>
+                <a:sym typeface="Helvetica Neue Medium"/>
+              </a:endParaRPr>
+            </a:p>
+          </p:txBody>
+        </p:sp>
+        <p:sp>
+          <p:nvSpPr>
+            <p:cNvPr id="10" name="Flussdiagramm: Grenzstelle 9">
+              <a:extLst>
+                <a:ext uri="{FF2B5EF4-FFF2-40B4-BE49-F238E27FC236}">
+                  <a16:creationId xmlns:a16="http://schemas.microsoft.com/office/drawing/2014/main" id="{52E27C53-F8A8-F2DF-8B9B-7E62CA9AA56F}"/>
+                </a:ext>
+              </a:extLst>
+            </p:cNvPr>
+            <p:cNvSpPr/>
+            <p:nvPr/>
+          </p:nvSpPr>
+          <p:spPr>
+            <a:xfrm>
+              <a:off x="916157" y="5314531"/>
+              <a:ext cx="7749052" cy="1189556"/>
+            </a:xfrm>
+            <a:prstGeom prst="flowChartTerminator">
+              <a:avLst/>
+            </a:prstGeom>
+            <a:noFill/>
+            <a:ln w="57150" cap="flat">
+              <a:noFill/>
+              <a:miter lim="400000"/>
+            </a:ln>
+            <a:effectLst/>
+            <a:sp3d/>
+          </p:spPr>
+          <p:style>
+            <a:lnRef idx="0">
+              <a:scrgbClr r="0" g="0" b="0"/>
+            </a:lnRef>
+            <a:fillRef idx="0">
+              <a:scrgbClr r="0" g="0" b="0"/>
+            </a:fillRef>
+            <a:effectRef idx="0">
+              <a:scrgbClr r="0" g="0" b="0"/>
+            </a:effectRef>
+            <a:fontRef idx="none"/>
+          </p:style>
+          <p:txBody>
+            <a:bodyPr rot="0" spcFirstLastPara="1" vertOverflow="overflow" horzOverflow="overflow" vert="horz" wrap="square" lIns="50800" tIns="50800" rIns="50800" bIns="50800" numCol="1" spcCol="38100" rtlCol="0" anchor="ctr">
+              <a:spAutoFit/>
+            </a:bodyPr>
+            <a:lstStyle/>
+            <a:p>
+              <a:pPr marL="0" marR="0" indent="0" algn="ctr" defTabSz="825500" rtl="0" fontAlgn="auto" latinLnBrk="0" hangingPunct="0">
+                <a:lnSpc>
+                  <a:spcPct val="100000"/>
+                </a:lnSpc>
+                <a:spcBef>
+                  <a:spcPts val="0"/>
+                </a:spcBef>
+                <a:spcAft>
+                  <a:spcPts val="0"/>
+                </a:spcAft>
+                <a:buClrTx/>
+                <a:buSzTx/>
+                <a:buFontTx/>
+                <a:buNone/>
+                <a:tabLst/>
+              </a:pPr>
+              <a:r>
+                <a:rPr lang="en-US" altLang="zh-CN" sz="2800" b="1" dirty="0">
+                  <a:solidFill>
+                    <a:schemeClr val="tx1">
+                      <a:lumMod val="95000"/>
+                    </a:schemeClr>
+                  </a:solidFill>
+                  <a:latin typeface="Helvetica Neue Medium"/>
+                  <a:ea typeface="Helvetica Neue Medium"/>
+                  <a:cs typeface="Helvetica Neue Medium"/>
+                  <a:sym typeface="Helvetica Neue Medium"/>
+                </a:rPr>
+                <a:t>Group member service</a:t>
+              </a:r>
+              <a:endParaRPr kumimoji="0" lang="zh-CN" altLang="en-US" sz="2800" b="1" i="0" u="none" strike="noStrike" cap="none" spc="0" normalizeH="0" baseline="0" dirty="0">
+                <a:ln>
+                  <a:noFill/>
+                </a:ln>
+                <a:solidFill>
+                  <a:schemeClr val="tx1">
+                    <a:lumMod val="95000"/>
+                  </a:schemeClr>
+                </a:solidFill>
+                <a:effectLst/>
+                <a:uFillTx/>
+                <a:latin typeface="Helvetica Neue Medium"/>
+                <a:ea typeface="Helvetica Neue Medium"/>
+                <a:cs typeface="Helvetica Neue Medium"/>
+                <a:sym typeface="Helvetica Neue Medium"/>
+              </a:endParaRPr>
+            </a:p>
+          </p:txBody>
+        </p:sp>
+        <p:sp>
+          <p:nvSpPr>
+            <p:cNvPr id="11" name="Rechteck 10">
+              <a:extLst>
+                <a:ext uri="{FF2B5EF4-FFF2-40B4-BE49-F238E27FC236}">
+                  <a16:creationId xmlns:a16="http://schemas.microsoft.com/office/drawing/2014/main" id="{E845575E-C0BF-1ACC-A80E-3EFF249C19CE}"/>
+                </a:ext>
+              </a:extLst>
+            </p:cNvPr>
+            <p:cNvSpPr/>
+            <p:nvPr/>
+          </p:nvSpPr>
+          <p:spPr>
+            <a:xfrm>
+              <a:off x="1566150" y="8144587"/>
+              <a:ext cx="8360651" cy="1049153"/>
+            </a:xfrm>
+            <a:prstGeom prst="rect">
+              <a:avLst/>
+            </a:prstGeom>
+            <a:noFill/>
+            <a:ln w="28575" cap="flat">
+              <a:solidFill>
+                <a:schemeClr val="tx1">
+                  <a:lumMod val="95000"/>
+                </a:schemeClr>
+              </a:solidFill>
+              <a:prstDash val="sysDash"/>
+              <a:miter lim="400000"/>
+            </a:ln>
+            <a:effectLst/>
+            <a:sp3d/>
+          </p:spPr>
+          <p:style>
+            <a:lnRef idx="0">
+              <a:scrgbClr r="0" g="0" b="0"/>
+            </a:lnRef>
+            <a:fillRef idx="0">
+              <a:scrgbClr r="0" g="0" b="0"/>
+            </a:fillRef>
+            <a:effectRef idx="0">
+              <a:scrgbClr r="0" g="0" b="0"/>
+            </a:effectRef>
+            <a:fontRef idx="none"/>
+          </p:style>
+          <p:txBody>
+            <a:bodyPr rot="0" spcFirstLastPara="1" vertOverflow="overflow" horzOverflow="overflow" vert="horz" wrap="square" lIns="50800" tIns="50800" rIns="50800" bIns="50800" numCol="1" spcCol="38100" rtlCol="0" anchor="ctr">
+              <a:spAutoFit/>
+            </a:bodyPr>
+            <a:lstStyle/>
+            <a:p>
+              <a:pPr marL="0" marR="0" indent="0" algn="ctr" defTabSz="825500" rtl="0" fontAlgn="auto" latinLnBrk="0" hangingPunct="0">
+                <a:lnSpc>
+                  <a:spcPct val="100000"/>
+                </a:lnSpc>
+                <a:spcBef>
+                  <a:spcPts val="0"/>
+                </a:spcBef>
+                <a:spcAft>
+                  <a:spcPts val="0"/>
+                </a:spcAft>
+                <a:buClrTx/>
+                <a:buSzTx/>
+                <a:buFontTx/>
+                <a:buNone/>
+                <a:tabLst/>
+              </a:pPr>
+              <a:endParaRPr kumimoji="0" lang="zh-CN" altLang="en-US" sz="2000" b="0" i="0" u="none" strike="noStrike" cap="none" spc="0" normalizeH="0" baseline="0">
+                <a:ln>
+                  <a:noFill/>
+                </a:ln>
+                <a:solidFill>
+                  <a:srgbClr val="000000"/>
+                </a:solidFill>
+                <a:effectLst/>
+                <a:uFillTx/>
+                <a:latin typeface="Helvetica Neue Medium"/>
+                <a:ea typeface="Helvetica Neue Medium"/>
+                <a:cs typeface="Helvetica Neue Medium"/>
+                <a:sym typeface="Helvetica Neue Medium"/>
+              </a:endParaRPr>
+            </a:p>
+          </p:txBody>
+        </p:sp>
+        <p:sp>
+          <p:nvSpPr>
+            <p:cNvPr id="12" name="Flussdiagramm: Grenzstelle 11">
+              <a:extLst>
+                <a:ext uri="{FF2B5EF4-FFF2-40B4-BE49-F238E27FC236}">
+                  <a16:creationId xmlns:a16="http://schemas.microsoft.com/office/drawing/2014/main" id="{F878B18F-49C4-6E5C-5A77-B829EC871F2D}"/>
+                </a:ext>
+              </a:extLst>
+            </p:cNvPr>
+            <p:cNvSpPr/>
+            <p:nvPr/>
+          </p:nvSpPr>
+          <p:spPr>
+            <a:xfrm>
+              <a:off x="1459898" y="8070707"/>
+              <a:ext cx="8329612" cy="1189556"/>
+            </a:xfrm>
+            <a:prstGeom prst="flowChartTerminator">
+              <a:avLst/>
+            </a:prstGeom>
+            <a:noFill/>
+            <a:ln w="57150" cap="flat">
+              <a:noFill/>
+              <a:miter lim="400000"/>
+            </a:ln>
+            <a:effectLst/>
+            <a:sp3d/>
+          </p:spPr>
+          <p:style>
+            <a:lnRef idx="0">
+              <a:scrgbClr r="0" g="0" b="0"/>
+            </a:lnRef>
+            <a:fillRef idx="0">
+              <a:scrgbClr r="0" g="0" b="0"/>
+            </a:fillRef>
+            <a:effectRef idx="0">
+              <a:scrgbClr r="0" g="0" b="0"/>
+            </a:effectRef>
+            <a:fontRef idx="none"/>
+          </p:style>
+          <p:txBody>
+            <a:bodyPr rot="0" spcFirstLastPara="1" vertOverflow="overflow" horzOverflow="overflow" vert="horz" wrap="square" lIns="50800" tIns="50800" rIns="50800" bIns="50800" numCol="1" spcCol="38100" rtlCol="0" anchor="ctr">
+              <a:spAutoFit/>
+            </a:bodyPr>
+            <a:lstStyle/>
+            <a:p>
+              <a:pPr marL="0" marR="0" indent="0" algn="l" defTabSz="825500" rtl="0" fontAlgn="auto" latinLnBrk="0" hangingPunct="0">
+                <a:lnSpc>
+                  <a:spcPct val="100000"/>
+                </a:lnSpc>
+                <a:spcBef>
+                  <a:spcPts val="0"/>
+                </a:spcBef>
+                <a:spcAft>
+                  <a:spcPts val="0"/>
+                </a:spcAft>
+                <a:buClrTx/>
+                <a:buSzTx/>
+                <a:buFontTx/>
+                <a:buNone/>
+                <a:tabLst/>
+              </a:pPr>
+              <a:r>
+                <a:rPr lang="en-US" altLang="zh-CN" sz="2800" b="1" dirty="0">
+                  <a:solidFill>
+                    <a:schemeClr val="tx1">
+                      <a:lumMod val="95000"/>
+                    </a:schemeClr>
+                  </a:solidFill>
+                  <a:latin typeface="Helvetica Neue Medium"/>
+                  <a:ea typeface="Helvetica Neue Medium"/>
+                  <a:cs typeface="Helvetica Neue Medium"/>
+                  <a:sym typeface="Helvetica Neue Medium"/>
+                </a:rPr>
+                <a:t>Global time synchronizer</a:t>
+              </a:r>
+              <a:endParaRPr kumimoji="0" lang="zh-CN" altLang="en-US" sz="2800" b="1" i="0" u="none" strike="noStrike" cap="none" spc="0" normalizeH="0" baseline="0" dirty="0">
+                <a:ln>
+                  <a:noFill/>
+                </a:ln>
+                <a:solidFill>
+                  <a:schemeClr val="tx1">
+                    <a:lumMod val="95000"/>
+                  </a:schemeClr>
+                </a:solidFill>
+                <a:effectLst/>
+                <a:uFillTx/>
+                <a:latin typeface="Helvetica Neue Medium"/>
+                <a:ea typeface="Helvetica Neue Medium"/>
+                <a:cs typeface="Helvetica Neue Medium"/>
+                <a:sym typeface="Helvetica Neue Medium"/>
+              </a:endParaRPr>
+            </a:p>
+          </p:txBody>
+        </p:sp>
+        <p:sp>
+          <p:nvSpPr>
+            <p:cNvPr id="13" name="Rechteck 12">
+              <a:extLst>
+                <a:ext uri="{FF2B5EF4-FFF2-40B4-BE49-F238E27FC236}">
+                  <a16:creationId xmlns:a16="http://schemas.microsoft.com/office/drawing/2014/main" id="{7F9C7E95-DBE1-047F-B020-15369216621A}"/>
+                </a:ext>
+              </a:extLst>
+            </p:cNvPr>
+            <p:cNvSpPr/>
+            <p:nvPr/>
+          </p:nvSpPr>
+          <p:spPr>
+            <a:xfrm>
+              <a:off x="1581669" y="9386332"/>
+              <a:ext cx="8314093" cy="1029276"/>
+            </a:xfrm>
+            <a:prstGeom prst="rect">
+              <a:avLst/>
+            </a:prstGeom>
+            <a:noFill/>
+            <a:ln w="28575" cap="flat">
+              <a:solidFill>
+                <a:schemeClr val="tx1">
+                  <a:lumMod val="95000"/>
+                </a:schemeClr>
+              </a:solidFill>
+              <a:prstDash val="sysDash"/>
+              <a:miter lim="400000"/>
+            </a:ln>
+            <a:effectLst/>
+            <a:sp3d/>
+          </p:spPr>
+          <p:style>
+            <a:lnRef idx="0">
+              <a:scrgbClr r="0" g="0" b="0"/>
+            </a:lnRef>
+            <a:fillRef idx="0">
+              <a:scrgbClr r="0" g="0" b="0"/>
+            </a:fillRef>
+            <a:effectRef idx="0">
+              <a:scrgbClr r="0" g="0" b="0"/>
+            </a:effectRef>
+            <a:fontRef idx="none"/>
+          </p:style>
+          <p:txBody>
+            <a:bodyPr rot="0" spcFirstLastPara="1" vertOverflow="overflow" horzOverflow="overflow" vert="horz" wrap="square" lIns="50800" tIns="50800" rIns="50800" bIns="50800" numCol="1" spcCol="38100" rtlCol="0" anchor="ctr">
+              <a:spAutoFit/>
+            </a:bodyPr>
+            <a:lstStyle/>
+            <a:p>
+              <a:pPr marL="0" marR="0" indent="0" algn="ctr" defTabSz="825500" rtl="0" fontAlgn="auto" latinLnBrk="0" hangingPunct="0">
+                <a:lnSpc>
+                  <a:spcPct val="100000"/>
+                </a:lnSpc>
+                <a:spcBef>
+                  <a:spcPts val="0"/>
+                </a:spcBef>
+                <a:spcAft>
+                  <a:spcPts val="0"/>
+                </a:spcAft>
+                <a:buClrTx/>
+                <a:buSzTx/>
+                <a:buFontTx/>
+                <a:buNone/>
+                <a:tabLst/>
+              </a:pPr>
+              <a:endParaRPr kumimoji="0" lang="zh-CN" altLang="en-US" sz="2000" b="0" i="0" u="none" strike="noStrike" cap="none" spc="0" normalizeH="0" baseline="0">
+                <a:ln>
+                  <a:noFill/>
+                </a:ln>
+                <a:solidFill>
+                  <a:srgbClr val="000000"/>
+                </a:solidFill>
+                <a:effectLst/>
+                <a:uFillTx/>
+                <a:latin typeface="Helvetica Neue Medium"/>
+                <a:ea typeface="Helvetica Neue Medium"/>
+                <a:cs typeface="Helvetica Neue Medium"/>
+                <a:sym typeface="Helvetica Neue Medium"/>
+              </a:endParaRPr>
+            </a:p>
+          </p:txBody>
+        </p:sp>
+        <p:sp>
+          <p:nvSpPr>
+            <p:cNvPr id="14" name="Flussdiagramm: Grenzstelle 13">
+              <a:extLst>
+                <a:ext uri="{FF2B5EF4-FFF2-40B4-BE49-F238E27FC236}">
+                  <a16:creationId xmlns:a16="http://schemas.microsoft.com/office/drawing/2014/main" id="{F9C3046A-4DE7-9BB8-F67D-B5BDD96DA168}"/>
+                </a:ext>
+              </a:extLst>
+            </p:cNvPr>
+            <p:cNvSpPr/>
+            <p:nvPr/>
+          </p:nvSpPr>
+          <p:spPr>
+            <a:xfrm>
+              <a:off x="1459898" y="9312454"/>
+              <a:ext cx="8329612" cy="1189556"/>
+            </a:xfrm>
+            <a:prstGeom prst="flowChartTerminator">
+              <a:avLst/>
+            </a:prstGeom>
+            <a:noFill/>
+            <a:ln w="57150" cap="flat">
+              <a:noFill/>
+              <a:miter lim="400000"/>
+            </a:ln>
+            <a:effectLst/>
+            <a:sp3d/>
+          </p:spPr>
+          <p:style>
+            <a:lnRef idx="0">
+              <a:scrgbClr r="0" g="0" b="0"/>
+            </a:lnRef>
+            <a:fillRef idx="0">
+              <a:scrgbClr r="0" g="0" b="0"/>
+            </a:fillRef>
+            <a:effectRef idx="0">
+              <a:scrgbClr r="0" g="0" b="0"/>
+            </a:effectRef>
+            <a:fontRef idx="none"/>
+          </p:style>
+          <p:txBody>
+            <a:bodyPr rot="0" spcFirstLastPara="1" vertOverflow="overflow" horzOverflow="overflow" vert="horz" wrap="square" lIns="50800" tIns="50800" rIns="50800" bIns="50800" numCol="1" spcCol="38100" rtlCol="0" anchor="ctr">
+              <a:spAutoFit/>
+            </a:bodyPr>
+            <a:lstStyle/>
+            <a:p>
+              <a:pPr marL="0" marR="0" indent="0" algn="l" defTabSz="825500" rtl="0" fontAlgn="auto" latinLnBrk="0" hangingPunct="0">
+                <a:lnSpc>
+                  <a:spcPct val="100000"/>
+                </a:lnSpc>
+                <a:spcBef>
+                  <a:spcPts val="0"/>
+                </a:spcBef>
+                <a:spcAft>
+                  <a:spcPts val="0"/>
+                </a:spcAft>
+                <a:buClrTx/>
+                <a:buSzTx/>
+                <a:buFontTx/>
+                <a:buNone/>
+                <a:tabLst/>
+              </a:pPr>
+              <a:r>
+                <a:rPr kumimoji="0" lang="en-US" altLang="zh-CN" sz="2800" b="1" i="0" u="none" strike="noStrike" cap="none" spc="0" normalizeH="0" baseline="0" dirty="0">
+                  <a:ln>
+                    <a:noFill/>
+                  </a:ln>
+                  <a:solidFill>
+                    <a:schemeClr val="tx1">
+                      <a:lumMod val="95000"/>
+                    </a:schemeClr>
+                  </a:solidFill>
+                  <a:effectLst/>
+                  <a:uFillTx/>
+                  <a:latin typeface="Helvetica Neue Medium"/>
+                  <a:ea typeface="Helvetica Neue Medium"/>
+                  <a:cs typeface="Helvetica Neue Medium"/>
+                  <a:sym typeface="Helvetica Neue Medium"/>
+                </a:rPr>
+                <a:t>Utils</a:t>
+              </a:r>
+              <a:endParaRPr kumimoji="0" lang="zh-CN" altLang="en-US" sz="2800" b="1" i="0" u="none" strike="noStrike" cap="none" spc="0" normalizeH="0" baseline="0" dirty="0">
+                <a:ln>
+                  <a:noFill/>
+                </a:ln>
+                <a:solidFill>
+                  <a:schemeClr val="tx1">
+                    <a:lumMod val="95000"/>
+                  </a:schemeClr>
+                </a:solidFill>
+                <a:effectLst/>
+                <a:uFillTx/>
+                <a:latin typeface="Helvetica Neue Medium"/>
+                <a:ea typeface="Helvetica Neue Medium"/>
+                <a:cs typeface="Helvetica Neue Medium"/>
+                <a:sym typeface="Helvetica Neue Medium"/>
+              </a:endParaRPr>
+            </a:p>
+          </p:txBody>
+        </p:sp>
+        <p:sp>
+          <p:nvSpPr>
+            <p:cNvPr id="15" name="Rechteck 14">
+              <a:extLst>
+                <a:ext uri="{FF2B5EF4-FFF2-40B4-BE49-F238E27FC236}">
+                  <a16:creationId xmlns:a16="http://schemas.microsoft.com/office/drawing/2014/main" id="{FC84BD58-8B1D-4D8A-E91C-932E21B09B00}"/>
+                </a:ext>
+              </a:extLst>
+            </p:cNvPr>
+            <p:cNvSpPr/>
+            <p:nvPr/>
+          </p:nvSpPr>
+          <p:spPr>
+            <a:xfrm>
+              <a:off x="1566150" y="10608201"/>
+              <a:ext cx="8314093" cy="1029276"/>
+            </a:xfrm>
+            <a:prstGeom prst="rect">
+              <a:avLst/>
+            </a:prstGeom>
+            <a:noFill/>
+            <a:ln w="28575" cap="flat">
+              <a:solidFill>
+                <a:schemeClr val="tx1">
+                  <a:lumMod val="95000"/>
+                </a:schemeClr>
+              </a:solidFill>
+              <a:prstDash val="sysDash"/>
+              <a:miter lim="400000"/>
+            </a:ln>
+            <a:effectLst/>
+            <a:sp3d/>
+          </p:spPr>
+          <p:style>
+            <a:lnRef idx="0">
+              <a:scrgbClr r="0" g="0" b="0"/>
+            </a:lnRef>
+            <a:fillRef idx="0">
+              <a:scrgbClr r="0" g="0" b="0"/>
+            </a:fillRef>
+            <a:effectRef idx="0">
+              <a:scrgbClr r="0" g="0" b="0"/>
+            </a:effectRef>
+            <a:fontRef idx="none"/>
+          </p:style>
+          <p:txBody>
+            <a:bodyPr rot="0" spcFirstLastPara="1" vertOverflow="overflow" horzOverflow="overflow" vert="horz" wrap="square" lIns="50800" tIns="50800" rIns="50800" bIns="50800" numCol="1" spcCol="38100" rtlCol="0" anchor="ctr">
+              <a:spAutoFit/>
+            </a:bodyPr>
+            <a:lstStyle/>
+            <a:p>
+              <a:pPr marL="0" marR="0" indent="0" algn="ctr" defTabSz="825500" rtl="0" fontAlgn="auto" latinLnBrk="0" hangingPunct="0">
+                <a:lnSpc>
+                  <a:spcPct val="100000"/>
+                </a:lnSpc>
+                <a:spcBef>
+                  <a:spcPts val="0"/>
+                </a:spcBef>
+                <a:spcAft>
+                  <a:spcPts val="0"/>
+                </a:spcAft>
+                <a:buClrTx/>
+                <a:buSzTx/>
+                <a:buFontTx/>
+                <a:buNone/>
+                <a:tabLst/>
+              </a:pPr>
+              <a:endParaRPr kumimoji="0" lang="zh-CN" altLang="en-US" sz="2000" b="0" i="0" u="none" strike="noStrike" cap="none" spc="0" normalizeH="0" baseline="0">
+                <a:ln>
+                  <a:noFill/>
+                </a:ln>
+                <a:solidFill>
+                  <a:srgbClr val="000000"/>
+                </a:solidFill>
+                <a:effectLst/>
+                <a:uFillTx/>
+                <a:latin typeface="Helvetica Neue Medium"/>
+                <a:ea typeface="Helvetica Neue Medium"/>
+                <a:cs typeface="Helvetica Neue Medium"/>
+                <a:sym typeface="Helvetica Neue Medium"/>
+              </a:endParaRPr>
+            </a:p>
+          </p:txBody>
+        </p:sp>
+        <p:sp>
+          <p:nvSpPr>
+            <p:cNvPr id="16" name="Flussdiagramm: Grenzstelle 15">
+              <a:extLst>
+                <a:ext uri="{FF2B5EF4-FFF2-40B4-BE49-F238E27FC236}">
+                  <a16:creationId xmlns:a16="http://schemas.microsoft.com/office/drawing/2014/main" id="{D7CE4127-A0C0-3B8C-6FE5-FEC160883E01}"/>
+                </a:ext>
+              </a:extLst>
+            </p:cNvPr>
+            <p:cNvSpPr/>
+            <p:nvPr/>
+          </p:nvSpPr>
+          <p:spPr>
+            <a:xfrm>
+              <a:off x="1444378" y="10554200"/>
+              <a:ext cx="8329612" cy="1189556"/>
+            </a:xfrm>
+            <a:prstGeom prst="flowChartTerminator">
+              <a:avLst/>
+            </a:prstGeom>
+            <a:noFill/>
+            <a:ln w="57150" cap="flat">
+              <a:noFill/>
+              <a:miter lim="400000"/>
+            </a:ln>
+            <a:effectLst/>
+            <a:sp3d/>
+          </p:spPr>
+          <p:style>
+            <a:lnRef idx="0">
+              <a:scrgbClr r="0" g="0" b="0"/>
+            </a:lnRef>
+            <a:fillRef idx="0">
+              <a:scrgbClr r="0" g="0" b="0"/>
+            </a:fillRef>
+            <a:effectRef idx="0">
+              <a:scrgbClr r="0" g="0" b="0"/>
+            </a:effectRef>
+            <a:fontRef idx="none"/>
+          </p:style>
+          <p:txBody>
+            <a:bodyPr rot="0" spcFirstLastPara="1" vertOverflow="overflow" horzOverflow="overflow" vert="horz" wrap="square" lIns="50800" tIns="50800" rIns="50800" bIns="50800" numCol="1" spcCol="38100" rtlCol="0" anchor="ctr">
+              <a:spAutoFit/>
+            </a:bodyPr>
+            <a:lstStyle/>
+            <a:p>
+              <a:pPr marL="0" marR="0" indent="0" algn="l" defTabSz="825500" rtl="0" fontAlgn="auto" latinLnBrk="0" hangingPunct="0">
+                <a:lnSpc>
+                  <a:spcPct val="100000"/>
+                </a:lnSpc>
+                <a:spcBef>
+                  <a:spcPts val="0"/>
+                </a:spcBef>
+                <a:spcAft>
+                  <a:spcPts val="0"/>
+                </a:spcAft>
+                <a:buClrTx/>
+                <a:buSzTx/>
+                <a:buFontTx/>
+                <a:buNone/>
+                <a:tabLst/>
+              </a:pPr>
+              <a:r>
+                <a:rPr kumimoji="0" lang="en-US" altLang="zh-CN" sz="2800" b="1" i="0" u="none" strike="noStrike" cap="none" spc="0" normalizeH="0" baseline="0" dirty="0">
+                  <a:ln>
+                    <a:noFill/>
+                  </a:ln>
+                  <a:solidFill>
+                    <a:schemeClr val="tx1">
+                      <a:lumMod val="95000"/>
+                    </a:schemeClr>
+                  </a:solidFill>
+                  <a:effectLst/>
+                  <a:uFillTx/>
+                  <a:latin typeface="Helvetica Neue Medium"/>
+                  <a:ea typeface="Helvetica Neue Medium"/>
+                  <a:cs typeface="Helvetica Neue Medium"/>
+                  <a:sym typeface="Helvetica Neue Medium"/>
+                </a:rPr>
+                <a:t>Config</a:t>
+              </a:r>
+              <a:endParaRPr kumimoji="0" lang="zh-CN" altLang="en-US" sz="2800" b="1" i="0" u="none" strike="noStrike" cap="none" spc="0" normalizeH="0" baseline="0" dirty="0">
+                <a:ln>
+                  <a:noFill/>
+                </a:ln>
+                <a:solidFill>
+                  <a:schemeClr val="tx1">
+                    <a:lumMod val="95000"/>
+                  </a:schemeClr>
+                </a:solidFill>
+                <a:effectLst/>
+                <a:uFillTx/>
+                <a:latin typeface="Helvetica Neue Medium"/>
+                <a:ea typeface="Helvetica Neue Medium"/>
+                <a:cs typeface="Helvetica Neue Medium"/>
+                <a:sym typeface="Helvetica Neue Medium"/>
+              </a:endParaRPr>
+            </a:p>
+          </p:txBody>
+        </p:sp>
+      </p:grpSp>
+    </p:spTree>
+    <p:extLst>
+      <p:ext uri="{BB962C8B-B14F-4D97-AF65-F5344CB8AC3E}">
+        <p14:creationId xmlns:p14="http://schemas.microsoft.com/office/powerpoint/2010/main" val="116952095"/>
+      </p:ext>
+    </p:extLst>
+  </p:cSld>
+  <p:clrMapOvr>
+    <a:masterClrMapping/>
+  </p:clrMapOvr>
+</p:sld>
+</file>
+
 <file path=ppt/theme/theme1.xml><?xml version="1.0" encoding="utf-8"?>
 <a:theme xmlns:a="http://schemas.openxmlformats.org/drawingml/2006/main" name="Office">
   <a:themeElements>

--- a/Fina lReport/KONCEPT.pptx
+++ b/Fina lReport/KONCEPT.pptx
@@ -267,7 +267,7 @@
           <a:p>
             <a:fld id="{B7B799E4-3BDB-426B-9E63-C0D49DE6DC7B}" type="datetimeFigureOut">
               <a:rPr lang="zh-CN" altLang="en-US" smtClean="0"/>
-              <a:t>2023/1/30</a:t>
+              <a:t>2023/2/2</a:t>
             </a:fld>
             <a:endParaRPr lang="zh-CN" altLang="en-US"/>
           </a:p>
@@ -467,7 +467,7 @@
           <a:p>
             <a:fld id="{B7B799E4-3BDB-426B-9E63-C0D49DE6DC7B}" type="datetimeFigureOut">
               <a:rPr lang="zh-CN" altLang="en-US" smtClean="0"/>
-              <a:t>2023/1/30</a:t>
+              <a:t>2023/2/2</a:t>
             </a:fld>
             <a:endParaRPr lang="zh-CN" altLang="en-US"/>
           </a:p>
@@ -677,7 +677,7 @@
           <a:p>
             <a:fld id="{B7B799E4-3BDB-426B-9E63-C0D49DE6DC7B}" type="datetimeFigureOut">
               <a:rPr lang="zh-CN" altLang="en-US" smtClean="0"/>
-              <a:t>2023/1/30</a:t>
+              <a:t>2023/2/2</a:t>
             </a:fld>
             <a:endParaRPr lang="zh-CN" altLang="en-US"/>
           </a:p>
@@ -877,7 +877,7 @@
           <a:p>
             <a:fld id="{B7B799E4-3BDB-426B-9E63-C0D49DE6DC7B}" type="datetimeFigureOut">
               <a:rPr lang="zh-CN" altLang="en-US" smtClean="0"/>
-              <a:t>2023/1/30</a:t>
+              <a:t>2023/2/2</a:t>
             </a:fld>
             <a:endParaRPr lang="zh-CN" altLang="en-US"/>
           </a:p>
@@ -1153,7 +1153,7 @@
           <a:p>
             <a:fld id="{B7B799E4-3BDB-426B-9E63-C0D49DE6DC7B}" type="datetimeFigureOut">
               <a:rPr lang="zh-CN" altLang="en-US" smtClean="0"/>
-              <a:t>2023/1/30</a:t>
+              <a:t>2023/2/2</a:t>
             </a:fld>
             <a:endParaRPr lang="zh-CN" altLang="en-US"/>
           </a:p>
@@ -1421,7 +1421,7 @@
           <a:p>
             <a:fld id="{B7B799E4-3BDB-426B-9E63-C0D49DE6DC7B}" type="datetimeFigureOut">
               <a:rPr lang="zh-CN" altLang="en-US" smtClean="0"/>
-              <a:t>2023/1/30</a:t>
+              <a:t>2023/2/2</a:t>
             </a:fld>
             <a:endParaRPr lang="zh-CN" altLang="en-US"/>
           </a:p>
@@ -1836,7 +1836,7 @@
           <a:p>
             <a:fld id="{B7B799E4-3BDB-426B-9E63-C0D49DE6DC7B}" type="datetimeFigureOut">
               <a:rPr lang="zh-CN" altLang="en-US" smtClean="0"/>
-              <a:t>2023/1/30</a:t>
+              <a:t>2023/2/2</a:t>
             </a:fld>
             <a:endParaRPr lang="zh-CN" altLang="en-US"/>
           </a:p>
@@ -1978,7 +1978,7 @@
           <a:p>
             <a:fld id="{B7B799E4-3BDB-426B-9E63-C0D49DE6DC7B}" type="datetimeFigureOut">
               <a:rPr lang="zh-CN" altLang="en-US" smtClean="0"/>
-              <a:t>2023/1/30</a:t>
+              <a:t>2023/2/2</a:t>
             </a:fld>
             <a:endParaRPr lang="zh-CN" altLang="en-US"/>
           </a:p>
@@ -2091,7 +2091,7 @@
           <a:p>
             <a:fld id="{B7B799E4-3BDB-426B-9E63-C0D49DE6DC7B}" type="datetimeFigureOut">
               <a:rPr lang="zh-CN" altLang="en-US" smtClean="0"/>
-              <a:t>2023/1/30</a:t>
+              <a:t>2023/2/2</a:t>
             </a:fld>
             <a:endParaRPr lang="zh-CN" altLang="en-US"/>
           </a:p>
@@ -2404,7 +2404,7 @@
           <a:p>
             <a:fld id="{B7B799E4-3BDB-426B-9E63-C0D49DE6DC7B}" type="datetimeFigureOut">
               <a:rPr lang="zh-CN" altLang="en-US" smtClean="0"/>
-              <a:t>2023/1/30</a:t>
+              <a:t>2023/2/2</a:t>
             </a:fld>
             <a:endParaRPr lang="zh-CN" altLang="en-US"/>
           </a:p>
@@ -2693,7 +2693,7 @@
           <a:p>
             <a:fld id="{B7B799E4-3BDB-426B-9E63-C0D49DE6DC7B}" type="datetimeFigureOut">
               <a:rPr lang="zh-CN" altLang="en-US" smtClean="0"/>
-              <a:t>2023/1/30</a:t>
+              <a:t>2023/2/2</a:t>
             </a:fld>
             <a:endParaRPr lang="zh-CN" altLang="en-US"/>
           </a:p>
@@ -2936,7 +2936,7 @@
           <a:p>
             <a:fld id="{B7B799E4-3BDB-426B-9E63-C0D49DE6DC7B}" type="datetimeFigureOut">
               <a:rPr lang="zh-CN" altLang="en-US" smtClean="0"/>
-              <a:t>2023/1/30</a:t>
+              <a:t>2023/2/2</a:t>
             </a:fld>
             <a:endParaRPr lang="zh-CN" altLang="en-US"/>
           </a:p>
@@ -3848,7 +3848,7 @@
             </p:nvSpPr>
             <p:spPr>
               <a:xfrm>
-                <a:off x="6411517" y="2571749"/>
+                <a:off x="6411517" y="1988353"/>
                 <a:ext cx="250031" cy="250031"/>
               </a:xfrm>
               <a:prstGeom prst="ellipse">
@@ -3894,14 +3894,14 @@
                 </a:extLst>
               </p:cNvPr>
               <p:cNvCxnSpPr>
+                <a:cxnSpLocks/>
                 <a:stCxn id="14" idx="2"/>
-                <a:endCxn id="8" idx="3"/>
               </p:cNvCxnSpPr>
               <p:nvPr/>
             </p:nvCxnSpPr>
             <p:spPr>
               <a:xfrm flipH="1">
-                <a:off x="6138862" y="2696765"/>
+                <a:off x="6138862" y="2113369"/>
                 <a:ext cx="272655" cy="1190"/>
               </a:xfrm>
               <a:prstGeom prst="line">
@@ -4266,7 +4266,7 @@
           </p:nvSpPr>
           <p:spPr>
             <a:xfrm>
-              <a:off x="6338311" y="2512098"/>
+              <a:off x="6338311" y="1928702"/>
               <a:ext cx="1184994" cy="369332"/>
             </a:xfrm>
             <a:prstGeom prst="rect">
@@ -4397,6 +4397,268 @@
           </p:txBody>
         </p:sp>
       </p:grpSp>
+      <p:sp>
+        <p:nvSpPr>
+          <p:cNvPr id="2" name="Ellipse 1">
+            <a:extLst>
+              <a:ext uri="{FF2B5EF4-FFF2-40B4-BE49-F238E27FC236}">
+                <a16:creationId xmlns:a16="http://schemas.microsoft.com/office/drawing/2014/main" id="{50B2AED0-3F16-07AA-7EA2-97B08B2B5F97}"/>
+              </a:ext>
+            </a:extLst>
+          </p:cNvPr>
+          <p:cNvSpPr/>
+          <p:nvPr/>
+        </p:nvSpPr>
+        <p:spPr>
+          <a:xfrm>
+            <a:off x="8484811" y="3208260"/>
+            <a:ext cx="250031" cy="250031"/>
+          </a:xfrm>
+          <a:prstGeom prst="ellipse">
+            <a:avLst/>
+          </a:prstGeom>
+          <a:solidFill>
+            <a:schemeClr val="bg1"/>
+          </a:solidFill>
+          <a:ln w="57150"/>
+        </p:spPr>
+        <p:style>
+          <a:lnRef idx="2">
+            <a:schemeClr val="accent1">
+              <a:shade val="50000"/>
+            </a:schemeClr>
+          </a:lnRef>
+          <a:fillRef idx="1">
+            <a:schemeClr val="accent1"/>
+          </a:fillRef>
+          <a:effectRef idx="0">
+            <a:schemeClr val="accent1"/>
+          </a:effectRef>
+          <a:fontRef idx="minor">
+            <a:schemeClr val="lt1"/>
+          </a:fontRef>
+        </p:style>
+        <p:txBody>
+          <a:bodyPr rtlCol="0" anchor="ctr"/>
+          <a:lstStyle/>
+          <a:p>
+            <a:pPr algn="ctr"/>
+            <a:endParaRPr lang="zh-CN" altLang="en-US"/>
+          </a:p>
+        </p:txBody>
+      </p:sp>
+      <p:cxnSp>
+        <p:nvCxnSpPr>
+          <p:cNvPr id="3" name="Gerader Verbinder 2">
+            <a:extLst>
+              <a:ext uri="{FF2B5EF4-FFF2-40B4-BE49-F238E27FC236}">
+                <a16:creationId xmlns:a16="http://schemas.microsoft.com/office/drawing/2014/main" id="{EDAF1654-C6B9-8775-2231-77E822592C1E}"/>
+              </a:ext>
+            </a:extLst>
+          </p:cNvPr>
+          <p:cNvCxnSpPr>
+            <a:stCxn id="2" idx="2"/>
+          </p:cNvCxnSpPr>
+          <p:nvPr/>
+        </p:nvCxnSpPr>
+        <p:spPr>
+          <a:xfrm flipH="1">
+            <a:off x="8212156" y="3333276"/>
+            <a:ext cx="272655" cy="1190"/>
+          </a:xfrm>
+          <a:prstGeom prst="line">
+            <a:avLst/>
+          </a:prstGeom>
+          <a:ln w="28575">
+            <a:solidFill>
+              <a:schemeClr val="accent1">
+                <a:lumMod val="75000"/>
+              </a:schemeClr>
+            </a:solidFill>
+          </a:ln>
+        </p:spPr>
+        <p:style>
+          <a:lnRef idx="1">
+            <a:schemeClr val="accent1"/>
+          </a:lnRef>
+          <a:fillRef idx="0">
+            <a:schemeClr val="accent1"/>
+          </a:fillRef>
+          <a:effectRef idx="0">
+            <a:schemeClr val="accent1"/>
+          </a:effectRef>
+          <a:fontRef idx="minor">
+            <a:schemeClr val="tx1"/>
+          </a:fontRef>
+        </p:style>
+      </p:cxnSp>
+      <p:sp>
+        <p:nvSpPr>
+          <p:cNvPr id="6" name="Textfeld 5">
+            <a:extLst>
+              <a:ext uri="{FF2B5EF4-FFF2-40B4-BE49-F238E27FC236}">
+                <a16:creationId xmlns:a16="http://schemas.microsoft.com/office/drawing/2014/main" id="{A8795585-D182-99CB-6BC2-18B252ADA734}"/>
+              </a:ext>
+            </a:extLst>
+          </p:cNvPr>
+          <p:cNvSpPr txBox="1"/>
+          <p:nvPr/>
+        </p:nvSpPr>
+        <p:spPr>
+          <a:xfrm>
+            <a:off x="8562954" y="3148610"/>
+            <a:ext cx="1184994" cy="369332"/>
+          </a:xfrm>
+          <a:prstGeom prst="rect">
+            <a:avLst/>
+          </a:prstGeom>
+          <a:noFill/>
+        </p:spPr>
+        <p:txBody>
+          <a:bodyPr wrap="square" rtlCol="0">
+            <a:spAutoFit/>
+          </a:bodyPr>
+          <a:lstStyle/>
+          <a:p>
+            <a:pPr algn="ctr"/>
+            <a:r>
+              <a:rPr lang="en-US" altLang="zh-CN" b="1" dirty="0"/>
+              <a:t>BROA</a:t>
+            </a:r>
+          </a:p>
+        </p:txBody>
+      </p:sp>
+      <p:sp>
+        <p:nvSpPr>
+          <p:cNvPr id="15" name="Ellipse 14">
+            <a:extLst>
+              <a:ext uri="{FF2B5EF4-FFF2-40B4-BE49-F238E27FC236}">
+                <a16:creationId xmlns:a16="http://schemas.microsoft.com/office/drawing/2014/main" id="{E9DE4340-1C31-8F07-5885-F19C5A399056}"/>
+              </a:ext>
+            </a:extLst>
+          </p:cNvPr>
+          <p:cNvSpPr/>
+          <p:nvPr/>
+        </p:nvSpPr>
+        <p:spPr>
+          <a:xfrm>
+            <a:off x="8484811" y="2515908"/>
+            <a:ext cx="250031" cy="250031"/>
+          </a:xfrm>
+          <a:prstGeom prst="ellipse">
+            <a:avLst/>
+          </a:prstGeom>
+          <a:solidFill>
+            <a:schemeClr val="bg1"/>
+          </a:solidFill>
+          <a:ln w="57150"/>
+        </p:spPr>
+        <p:style>
+          <a:lnRef idx="2">
+            <a:schemeClr val="accent1">
+              <a:shade val="50000"/>
+            </a:schemeClr>
+          </a:lnRef>
+          <a:fillRef idx="1">
+            <a:schemeClr val="accent1"/>
+          </a:fillRef>
+          <a:effectRef idx="0">
+            <a:schemeClr val="accent1"/>
+          </a:effectRef>
+          <a:fontRef idx="minor">
+            <a:schemeClr val="lt1"/>
+          </a:fontRef>
+        </p:style>
+        <p:txBody>
+          <a:bodyPr rtlCol="0" anchor="ctr"/>
+          <a:lstStyle/>
+          <a:p>
+            <a:pPr algn="ctr"/>
+            <a:endParaRPr lang="zh-CN" altLang="en-US"/>
+          </a:p>
+        </p:txBody>
+      </p:sp>
+      <p:cxnSp>
+        <p:nvCxnSpPr>
+          <p:cNvPr id="17" name="Gerader Verbinder 16">
+            <a:extLst>
+              <a:ext uri="{FF2B5EF4-FFF2-40B4-BE49-F238E27FC236}">
+                <a16:creationId xmlns:a16="http://schemas.microsoft.com/office/drawing/2014/main" id="{1020431B-8D0C-281A-DAEB-F1343449FFD1}"/>
+              </a:ext>
+            </a:extLst>
+          </p:cNvPr>
+          <p:cNvCxnSpPr>
+            <a:stCxn id="15" idx="2"/>
+          </p:cNvCxnSpPr>
+          <p:nvPr/>
+        </p:nvCxnSpPr>
+        <p:spPr>
+          <a:xfrm flipH="1">
+            <a:off x="8212156" y="2640924"/>
+            <a:ext cx="272655" cy="1190"/>
+          </a:xfrm>
+          <a:prstGeom prst="line">
+            <a:avLst/>
+          </a:prstGeom>
+          <a:ln w="28575">
+            <a:solidFill>
+              <a:schemeClr val="accent1">
+                <a:lumMod val="75000"/>
+              </a:schemeClr>
+            </a:solidFill>
+          </a:ln>
+        </p:spPr>
+        <p:style>
+          <a:lnRef idx="1">
+            <a:schemeClr val="accent1"/>
+          </a:lnRef>
+          <a:fillRef idx="0">
+            <a:schemeClr val="accent1"/>
+          </a:fillRef>
+          <a:effectRef idx="0">
+            <a:schemeClr val="accent1"/>
+          </a:effectRef>
+          <a:fontRef idx="minor">
+            <a:schemeClr val="tx1"/>
+          </a:fontRef>
+        </p:style>
+      </p:cxnSp>
+      <p:sp>
+        <p:nvSpPr>
+          <p:cNvPr id="18" name="Textfeld 17">
+            <a:extLst>
+              <a:ext uri="{FF2B5EF4-FFF2-40B4-BE49-F238E27FC236}">
+                <a16:creationId xmlns:a16="http://schemas.microsoft.com/office/drawing/2014/main" id="{31D28716-8D33-2026-E43E-A3762D054B1C}"/>
+              </a:ext>
+            </a:extLst>
+          </p:cNvPr>
+          <p:cNvSpPr txBox="1"/>
+          <p:nvPr/>
+        </p:nvSpPr>
+        <p:spPr>
+          <a:xfrm>
+            <a:off x="8562954" y="2456257"/>
+            <a:ext cx="1184994" cy="369332"/>
+          </a:xfrm>
+          <a:prstGeom prst="rect">
+            <a:avLst/>
+          </a:prstGeom>
+          <a:noFill/>
+        </p:spPr>
+        <p:txBody>
+          <a:bodyPr wrap="square" rtlCol="0">
+            <a:spAutoFit/>
+          </a:bodyPr>
+          <a:lstStyle/>
+          <a:p>
+            <a:pPr algn="ctr"/>
+            <a:r>
+              <a:rPr lang="en-US" altLang="zh-CN" b="1" dirty="0"/>
+              <a:t>MUL</a:t>
+            </a:r>
+          </a:p>
+        </p:txBody>
+      </p:sp>
     </p:spTree>
     <p:extLst>
       <p:ext uri="{BB962C8B-B14F-4D97-AF65-F5344CB8AC3E}">
